--- a/Lectures/Lecture 7 - 20170920 Induction.pptx
+++ b/Lectures/Lecture 7 - 20170920 Induction.pptx
@@ -8,14 +8,9 @@
     <p:sldId id="256" r:id="rId2"/>
     <p:sldId id="258" r:id="rId3"/>
     <p:sldId id="259" r:id="rId4"/>
-    <p:sldId id="257" r:id="rId5"/>
-    <p:sldId id="260" r:id="rId6"/>
-    <p:sldId id="261" r:id="rId7"/>
-    <p:sldId id="262" r:id="rId8"/>
-    <p:sldId id="263" r:id="rId9"/>
-    <p:sldId id="264" r:id="rId10"/>
-    <p:sldId id="265" r:id="rId11"/>
-    <p:sldId id="266" r:id="rId12"/>
+    <p:sldId id="260" r:id="rId5"/>
+    <p:sldId id="261" r:id="rId6"/>
+    <p:sldId id="262" r:id="rId7"/>
   </p:sldIdLst>
   <p:sldSz cx="12192000" cy="6858000"/>
   <p:notesSz cx="6858000" cy="9144000"/>
@@ -114,6 +109,11 @@
       </a:defRPr>
     </a:lvl9pPr>
   </p:defaultTextStyle>
+  <p:extLst>
+    <p:ext uri="{EFAFB233-063F-42B5-8137-9DF3F51BA10A}">
+      <p15:sldGuideLst xmlns:p15="http://schemas.microsoft.com/office/powerpoint/2012/main"/>
+    </p:ext>
+  </p:extLst>
 </p:presentation>
 </file>
 
@@ -174,7 +174,7 @@
           <a:noFill/>
           <a:extLst>
             <a:ext uri="{909E8E84-426E-40dd-AFC4-6F175D3DCCD1}">
-              <a14:hiddenFill xmlns:a14="http://schemas.microsoft.com/office/drawing/2010/main" xmlns="">
+              <a14:hiddenFill xmlns="" xmlns:a14="http://schemas.microsoft.com/office/drawing/2010/main">
                 <a:solidFill>
                   <a:srgbClr val="FFFFFF"/>
                 </a:solidFill>
@@ -233,7 +233,7 @@
             </a:ln>
             <a:extLst>
               <a:ext uri="{91240B29-F687-4f45-9708-019B960494DF}">
-                <a14:hiddenLine xmlns:a14="http://schemas.microsoft.com/office/drawing/2010/main" xmlns="" w="9525">
+                <a14:hiddenLine xmlns="" xmlns:a14="http://schemas.microsoft.com/office/drawing/2010/main" w="9525">
                   <a:solidFill>
                     <a:srgbClr val="000000"/>
                   </a:solidFill>
@@ -323,7 +323,7 @@
             </a:ln>
             <a:extLst>
               <a:ext uri="{91240B29-F687-4f45-9708-019B960494DF}">
-                <a14:hiddenLine xmlns:a14="http://schemas.microsoft.com/office/drawing/2010/main" xmlns="" w="9525">
+                <a14:hiddenLine xmlns="" xmlns:a14="http://schemas.microsoft.com/office/drawing/2010/main" w="9525">
                   <a:solidFill>
                     <a:srgbClr val="000000"/>
                   </a:solidFill>
@@ -413,7 +413,7 @@
             </a:ln>
             <a:extLst>
               <a:ext uri="{91240B29-F687-4f45-9708-019B960494DF}">
-                <a14:hiddenLine xmlns:a14="http://schemas.microsoft.com/office/drawing/2010/main" xmlns="" w="9525">
+                <a14:hiddenLine xmlns="" xmlns:a14="http://schemas.microsoft.com/office/drawing/2010/main" w="9525">
                   <a:solidFill>
                     <a:srgbClr val="000000"/>
                   </a:solidFill>
@@ -447,7 +447,7 @@
             </a:ln>
             <a:extLst>
               <a:ext uri="{91240B29-F687-4f45-9708-019B960494DF}">
-                <a14:hiddenLine xmlns:a14="http://schemas.microsoft.com/office/drawing/2010/main" xmlns="" w="9525">
+                <a14:hiddenLine xmlns="" xmlns:a14="http://schemas.microsoft.com/office/drawing/2010/main" w="9525">
                   <a:solidFill>
                     <a:srgbClr val="000000"/>
                   </a:solidFill>
@@ -537,7 +537,7 @@
             </a:ln>
             <a:extLst>
               <a:ext uri="{91240B29-F687-4f45-9708-019B960494DF}">
-                <a14:hiddenLine xmlns:a14="http://schemas.microsoft.com/office/drawing/2010/main" xmlns="" w="9525">
+                <a14:hiddenLine xmlns="" xmlns:a14="http://schemas.microsoft.com/office/drawing/2010/main" w="9525">
                   <a:solidFill>
                     <a:srgbClr val="000000"/>
                   </a:solidFill>
@@ -599,7 +599,7 @@
             </a:ln>
             <a:extLst>
               <a:ext uri="{91240B29-F687-4f45-9708-019B960494DF}">
-                <a14:hiddenLine xmlns:a14="http://schemas.microsoft.com/office/drawing/2010/main" xmlns="" w="9525">
+                <a14:hiddenLine xmlns="" xmlns:a14="http://schemas.microsoft.com/office/drawing/2010/main" w="9525">
                   <a:solidFill>
                     <a:srgbClr val="000000"/>
                   </a:solidFill>
@@ -661,7 +661,7 @@
             </a:ln>
             <a:extLst>
               <a:ext uri="{91240B29-F687-4f45-9708-019B960494DF}">
-                <a14:hiddenLine xmlns:a14="http://schemas.microsoft.com/office/drawing/2010/main" xmlns="" w="9525">
+                <a14:hiddenLine xmlns="" xmlns:a14="http://schemas.microsoft.com/office/drawing/2010/main" w="9525">
                   <a:solidFill>
                     <a:srgbClr val="000000"/>
                   </a:solidFill>
@@ -751,7 +751,7 @@
             </a:ln>
             <a:extLst>
               <a:ext uri="{91240B29-F687-4f45-9708-019B960494DF}">
-                <a14:hiddenLine xmlns:a14="http://schemas.microsoft.com/office/drawing/2010/main" xmlns="" w="9525">
+                <a14:hiddenLine xmlns="" xmlns:a14="http://schemas.microsoft.com/office/drawing/2010/main" w="9525">
                   <a:solidFill>
                     <a:srgbClr val="000000"/>
                   </a:solidFill>
@@ -813,7 +813,7 @@
             </a:ln>
             <a:extLst>
               <a:ext uri="{91240B29-F687-4f45-9708-019B960494DF}">
-                <a14:hiddenLine xmlns:a14="http://schemas.microsoft.com/office/drawing/2010/main" xmlns="" w="9525">
+                <a14:hiddenLine xmlns="" xmlns:a14="http://schemas.microsoft.com/office/drawing/2010/main" w="9525">
                   <a:solidFill>
                     <a:srgbClr val="000000"/>
                   </a:solidFill>
@@ -875,7 +875,7 @@
             </a:ln>
             <a:extLst>
               <a:ext uri="{91240B29-F687-4f45-9708-019B960494DF}">
-                <a14:hiddenLine xmlns:a14="http://schemas.microsoft.com/office/drawing/2010/main" xmlns="" w="9525">
+                <a14:hiddenLine xmlns="" xmlns:a14="http://schemas.microsoft.com/office/drawing/2010/main" w="9525">
                   <a:solidFill>
                     <a:srgbClr val="000000"/>
                   </a:solidFill>
@@ -965,7 +965,7 @@
             </a:ln>
             <a:extLst>
               <a:ext uri="{91240B29-F687-4f45-9708-019B960494DF}">
-                <a14:hiddenLine xmlns:a14="http://schemas.microsoft.com/office/drawing/2010/main" xmlns="" w="9525">
+                <a14:hiddenLine xmlns="" xmlns:a14="http://schemas.microsoft.com/office/drawing/2010/main" w="9525">
                   <a:solidFill>
                     <a:srgbClr val="000000"/>
                   </a:solidFill>
@@ -1055,7 +1055,7 @@
             </a:ln>
             <a:extLst>
               <a:ext uri="{91240B29-F687-4f45-9708-019B960494DF}">
-                <a14:hiddenLine xmlns:a14="http://schemas.microsoft.com/office/drawing/2010/main" xmlns="" w="9525">
+                <a14:hiddenLine xmlns="" xmlns:a14="http://schemas.microsoft.com/office/drawing/2010/main" w="9525">
                   <a:solidFill>
                     <a:srgbClr val="000000"/>
                   </a:solidFill>
@@ -1117,7 +1117,7 @@
             </a:ln>
             <a:extLst>
               <a:ext uri="{91240B29-F687-4f45-9708-019B960494DF}">
-                <a14:hiddenLine xmlns:a14="http://schemas.microsoft.com/office/drawing/2010/main" xmlns="" w="9525">
+                <a14:hiddenLine xmlns="" xmlns:a14="http://schemas.microsoft.com/office/drawing/2010/main" w="9525">
                   <a:solidFill>
                     <a:srgbClr val="000000"/>
                   </a:solidFill>
@@ -1227,7 +1227,7 @@
             </a:ln>
             <a:extLst>
               <a:ext uri="{91240B29-F687-4f45-9708-019B960494DF}">
-                <a14:hiddenLine xmlns:a14="http://schemas.microsoft.com/office/drawing/2010/main" xmlns="" w="9525">
+                <a14:hiddenLine xmlns="" xmlns:a14="http://schemas.microsoft.com/office/drawing/2010/main" w="9525">
                   <a:solidFill>
                     <a:srgbClr val="000000"/>
                   </a:solidFill>
@@ -1289,7 +1289,7 @@
             </a:ln>
             <a:extLst>
               <a:ext uri="{91240B29-F687-4f45-9708-019B960494DF}">
-                <a14:hiddenLine xmlns:a14="http://schemas.microsoft.com/office/drawing/2010/main" xmlns="" w="9525">
+                <a14:hiddenLine xmlns="" xmlns:a14="http://schemas.microsoft.com/office/drawing/2010/main" w="9525">
                   <a:solidFill>
                     <a:srgbClr val="000000"/>
                   </a:solidFill>
@@ -1379,7 +1379,7 @@
             </a:ln>
             <a:extLst>
               <a:ext uri="{91240B29-F687-4f45-9708-019B960494DF}">
-                <a14:hiddenLine xmlns:a14="http://schemas.microsoft.com/office/drawing/2010/main" xmlns="" w="9525">
+                <a14:hiddenLine xmlns="" xmlns:a14="http://schemas.microsoft.com/office/drawing/2010/main" w="9525">
                   <a:solidFill>
                     <a:srgbClr val="000000"/>
                   </a:solidFill>
@@ -1469,7 +1469,7 @@
             </a:ln>
             <a:extLst>
               <a:ext uri="{91240B29-F687-4f45-9708-019B960494DF}">
-                <a14:hiddenLine xmlns:a14="http://schemas.microsoft.com/office/drawing/2010/main" xmlns="" w="9525">
+                <a14:hiddenLine xmlns="" xmlns:a14="http://schemas.microsoft.com/office/drawing/2010/main" w="9525">
                   <a:solidFill>
                     <a:srgbClr val="000000"/>
                   </a:solidFill>
@@ -1531,7 +1531,7 @@
             </a:ln>
             <a:extLst>
               <a:ext uri="{91240B29-F687-4f45-9708-019B960494DF}">
-                <a14:hiddenLine xmlns:a14="http://schemas.microsoft.com/office/drawing/2010/main" xmlns="" w="9525">
+                <a14:hiddenLine xmlns="" xmlns:a14="http://schemas.microsoft.com/office/drawing/2010/main" w="9525">
                   <a:solidFill>
                     <a:srgbClr val="000000"/>
                   </a:solidFill>
@@ -1621,7 +1621,7 @@
             </a:ln>
             <a:extLst>
               <a:ext uri="{91240B29-F687-4f45-9708-019B960494DF}">
-                <a14:hiddenLine xmlns:a14="http://schemas.microsoft.com/office/drawing/2010/main" xmlns="" w="9525">
+                <a14:hiddenLine xmlns="" xmlns:a14="http://schemas.microsoft.com/office/drawing/2010/main" w="9525">
                   <a:solidFill>
                     <a:srgbClr val="000000"/>
                   </a:solidFill>
@@ -1711,7 +1711,7 @@
             </a:ln>
             <a:extLst>
               <a:ext uri="{91240B29-F687-4f45-9708-019B960494DF}">
-                <a14:hiddenLine xmlns:a14="http://schemas.microsoft.com/office/drawing/2010/main" xmlns="" w="9525">
+                <a14:hiddenLine xmlns="" xmlns:a14="http://schemas.microsoft.com/office/drawing/2010/main" w="9525">
                   <a:solidFill>
                     <a:srgbClr val="000000"/>
                   </a:solidFill>
@@ -1767,7 +1767,7 @@
             </a:ln>
             <a:extLst>
               <a:ext uri="{91240B29-F687-4f45-9708-019B960494DF}">
-                <a14:hiddenLine xmlns:a14="http://schemas.microsoft.com/office/drawing/2010/main" xmlns="" w="9525">
+                <a14:hiddenLine xmlns="" xmlns:a14="http://schemas.microsoft.com/office/drawing/2010/main" w="9525">
                   <a:solidFill>
                     <a:srgbClr val="000000"/>
                   </a:solidFill>
@@ -1857,7 +1857,7 @@
             </a:ln>
             <a:extLst>
               <a:ext uri="{91240B29-F687-4f45-9708-019B960494DF}">
-                <a14:hiddenLine xmlns:a14="http://schemas.microsoft.com/office/drawing/2010/main" xmlns="" w="9525">
+                <a14:hiddenLine xmlns="" xmlns:a14="http://schemas.microsoft.com/office/drawing/2010/main" w="9525">
                   <a:solidFill>
                     <a:srgbClr val="000000"/>
                   </a:solidFill>
@@ -1913,7 +1913,7 @@
             </a:ln>
             <a:extLst>
               <a:ext uri="{91240B29-F687-4f45-9708-019B960494DF}">
-                <a14:hiddenLine xmlns:a14="http://schemas.microsoft.com/office/drawing/2010/main" xmlns="" w="9525">
+                <a14:hiddenLine xmlns="" xmlns:a14="http://schemas.microsoft.com/office/drawing/2010/main" w="9525">
                   <a:solidFill>
                     <a:srgbClr val="000000"/>
                   </a:solidFill>
@@ -2003,7 +2003,7 @@
             </a:ln>
             <a:extLst>
               <a:ext uri="{91240B29-F687-4f45-9708-019B960494DF}">
-                <a14:hiddenLine xmlns:a14="http://schemas.microsoft.com/office/drawing/2010/main" xmlns="" w="9525">
+                <a14:hiddenLine xmlns="" xmlns:a14="http://schemas.microsoft.com/office/drawing/2010/main" w="9525">
                   <a:solidFill>
                     <a:srgbClr val="000000"/>
                   </a:solidFill>
@@ -2071,7 +2071,7 @@
             </a:ln>
             <a:extLst>
               <a:ext uri="{91240B29-F687-4f45-9708-019B960494DF}">
-                <a14:hiddenLine xmlns:a14="http://schemas.microsoft.com/office/drawing/2010/main" xmlns="" w="9525">
+                <a14:hiddenLine xmlns="" xmlns:a14="http://schemas.microsoft.com/office/drawing/2010/main" w="9525">
                   <a:solidFill>
                     <a:srgbClr val="000000"/>
                   </a:solidFill>
@@ -2161,7 +2161,7 @@
             </a:ln>
             <a:extLst>
               <a:ext uri="{91240B29-F687-4f45-9708-019B960494DF}">
-                <a14:hiddenLine xmlns:a14="http://schemas.microsoft.com/office/drawing/2010/main" xmlns="" w="9525">
+                <a14:hiddenLine xmlns="" xmlns:a14="http://schemas.microsoft.com/office/drawing/2010/main" w="9525">
                   <a:solidFill>
                     <a:srgbClr val="000000"/>
                   </a:solidFill>
@@ -2229,7 +2229,7 @@
             </a:ln>
             <a:extLst>
               <a:ext uri="{91240B29-F687-4f45-9708-019B960494DF}">
-                <a14:hiddenLine xmlns:a14="http://schemas.microsoft.com/office/drawing/2010/main" xmlns="" w="9525">
+                <a14:hiddenLine xmlns="" xmlns:a14="http://schemas.microsoft.com/office/drawing/2010/main" w="9525">
                   <a:solidFill>
                     <a:srgbClr val="000000"/>
                   </a:solidFill>
@@ -2319,7 +2319,7 @@
             </a:ln>
             <a:extLst>
               <a:ext uri="{91240B29-F687-4f45-9708-019B960494DF}">
-                <a14:hiddenLine xmlns:a14="http://schemas.microsoft.com/office/drawing/2010/main" xmlns="" w="9525">
+                <a14:hiddenLine xmlns="" xmlns:a14="http://schemas.microsoft.com/office/drawing/2010/main" w="9525">
                   <a:solidFill>
                     <a:srgbClr val="000000"/>
                   </a:solidFill>
@@ -2353,7 +2353,7 @@
             </a:ln>
             <a:extLst>
               <a:ext uri="{91240B29-F687-4f45-9708-019B960494DF}">
-                <a14:hiddenLine xmlns:a14="http://schemas.microsoft.com/office/drawing/2010/main" xmlns="" w="9525">
+                <a14:hiddenLine xmlns="" xmlns:a14="http://schemas.microsoft.com/office/drawing/2010/main" w="9525">
                   <a:solidFill>
                     <a:srgbClr val="000000"/>
                   </a:solidFill>
@@ -2443,7 +2443,7 @@
             </a:ln>
             <a:extLst>
               <a:ext uri="{91240B29-F687-4f45-9708-019B960494DF}">
-                <a14:hiddenLine xmlns:a14="http://schemas.microsoft.com/office/drawing/2010/main" xmlns="" w="9525">
+                <a14:hiddenLine xmlns="" xmlns:a14="http://schemas.microsoft.com/office/drawing/2010/main" w="9525">
                   <a:solidFill>
                     <a:srgbClr val="000000"/>
                   </a:solidFill>
@@ -2505,7 +2505,7 @@
             </a:ln>
             <a:extLst>
               <a:ext uri="{91240B29-F687-4f45-9708-019B960494DF}">
-                <a14:hiddenLine xmlns:a14="http://schemas.microsoft.com/office/drawing/2010/main" xmlns="" w="9525">
+                <a14:hiddenLine xmlns="" xmlns:a14="http://schemas.microsoft.com/office/drawing/2010/main" w="9525">
                   <a:solidFill>
                     <a:srgbClr val="000000"/>
                   </a:solidFill>
@@ -2567,7 +2567,7 @@
             </a:ln>
             <a:extLst>
               <a:ext uri="{91240B29-F687-4f45-9708-019B960494DF}">
-                <a14:hiddenLine xmlns:a14="http://schemas.microsoft.com/office/drawing/2010/main" xmlns="" w="9525">
+                <a14:hiddenLine xmlns="" xmlns:a14="http://schemas.microsoft.com/office/drawing/2010/main" w="9525">
                   <a:solidFill>
                     <a:srgbClr val="000000"/>
                   </a:solidFill>
@@ -2657,7 +2657,7 @@
             </a:ln>
             <a:extLst>
               <a:ext uri="{91240B29-F687-4f45-9708-019B960494DF}">
-                <a14:hiddenLine xmlns:a14="http://schemas.microsoft.com/office/drawing/2010/main" xmlns="" w="9525">
+                <a14:hiddenLine xmlns="" xmlns:a14="http://schemas.microsoft.com/office/drawing/2010/main" w="9525">
                   <a:solidFill>
                     <a:srgbClr val="000000"/>
                   </a:solidFill>
@@ -2725,7 +2725,7 @@
             </a:ln>
             <a:extLst>
               <a:ext uri="{91240B29-F687-4f45-9708-019B960494DF}">
-                <a14:hiddenLine xmlns:a14="http://schemas.microsoft.com/office/drawing/2010/main" xmlns="" w="9525">
+                <a14:hiddenLine xmlns="" xmlns:a14="http://schemas.microsoft.com/office/drawing/2010/main" w="9525">
                   <a:solidFill>
                     <a:srgbClr val="000000"/>
                   </a:solidFill>
@@ -2787,7 +2787,7 @@
             </a:ln>
             <a:extLst>
               <a:ext uri="{91240B29-F687-4f45-9708-019B960494DF}">
-                <a14:hiddenLine xmlns:a14="http://schemas.microsoft.com/office/drawing/2010/main" xmlns="" w="9525">
+                <a14:hiddenLine xmlns="" xmlns:a14="http://schemas.microsoft.com/office/drawing/2010/main" w="9525">
                   <a:solidFill>
                     <a:srgbClr val="000000"/>
                   </a:solidFill>
@@ -2877,7 +2877,7 @@
             </a:ln>
             <a:extLst>
               <a:ext uri="{91240B29-F687-4f45-9708-019B960494DF}">
-                <a14:hiddenLine xmlns:a14="http://schemas.microsoft.com/office/drawing/2010/main" xmlns="" w="9525">
+                <a14:hiddenLine xmlns="" xmlns:a14="http://schemas.microsoft.com/office/drawing/2010/main" w="9525">
                   <a:solidFill>
                     <a:srgbClr val="000000"/>
                   </a:solidFill>
@@ -2939,7 +2939,7 @@
             </a:ln>
             <a:extLst>
               <a:ext uri="{91240B29-F687-4f45-9708-019B960494DF}">
-                <a14:hiddenLine xmlns:a14="http://schemas.microsoft.com/office/drawing/2010/main" xmlns="" w="9525">
+                <a14:hiddenLine xmlns="" xmlns:a14="http://schemas.microsoft.com/office/drawing/2010/main" w="9525">
                   <a:solidFill>
                     <a:srgbClr val="000000"/>
                   </a:solidFill>
@@ -3029,7 +3029,7 @@
             </a:ln>
             <a:extLst>
               <a:ext uri="{91240B29-F687-4f45-9708-019B960494DF}">
-                <a14:hiddenLine xmlns:a14="http://schemas.microsoft.com/office/drawing/2010/main" xmlns="" w="9525">
+                <a14:hiddenLine xmlns="" xmlns:a14="http://schemas.microsoft.com/office/drawing/2010/main" w="9525">
                   <a:solidFill>
                     <a:srgbClr val="000000"/>
                   </a:solidFill>
@@ -3091,7 +3091,7 @@
             </a:ln>
             <a:extLst>
               <a:ext uri="{91240B29-F687-4f45-9708-019B960494DF}">
-                <a14:hiddenLine xmlns:a14="http://schemas.microsoft.com/office/drawing/2010/main" xmlns="" w="9525">
+                <a14:hiddenLine xmlns="" xmlns:a14="http://schemas.microsoft.com/office/drawing/2010/main" w="9525">
                   <a:solidFill>
                     <a:srgbClr val="000000"/>
                   </a:solidFill>
@@ -3181,7 +3181,7 @@
             </a:ln>
             <a:extLst>
               <a:ext uri="{91240B29-F687-4f45-9708-019B960494DF}">
-                <a14:hiddenLine xmlns:a14="http://schemas.microsoft.com/office/drawing/2010/main" xmlns="" w="9525">
+                <a14:hiddenLine xmlns="" xmlns:a14="http://schemas.microsoft.com/office/drawing/2010/main" w="9525">
                   <a:solidFill>
                     <a:srgbClr val="000000"/>
                   </a:solidFill>
@@ -3215,7 +3215,7 @@
             </a:ln>
             <a:extLst>
               <a:ext uri="{91240B29-F687-4f45-9708-019B960494DF}">
-                <a14:hiddenLine xmlns:a14="http://schemas.microsoft.com/office/drawing/2010/main" xmlns="" w="9525">
+                <a14:hiddenLine xmlns="" xmlns:a14="http://schemas.microsoft.com/office/drawing/2010/main" w="9525">
                   <a:solidFill>
                     <a:srgbClr val="000000"/>
                   </a:solidFill>
@@ -3280,7 +3280,7 @@
             </a:ln>
             <a:extLst>
               <a:ext uri="{91240B29-F687-4f45-9708-019B960494DF}">
-                <a14:hiddenLine xmlns:a14="http://schemas.microsoft.com/office/drawing/2010/main" xmlns="" w="9525">
+                <a14:hiddenLine xmlns="" xmlns:a14="http://schemas.microsoft.com/office/drawing/2010/main" w="9525">
                   <a:solidFill>
                     <a:srgbClr val="000000"/>
                   </a:solidFill>
@@ -3370,7 +3370,7 @@
             </a:ln>
             <a:extLst>
               <a:ext uri="{91240B29-F687-4f45-9708-019B960494DF}">
-                <a14:hiddenLine xmlns:a14="http://schemas.microsoft.com/office/drawing/2010/main" xmlns="" w="9525">
+                <a14:hiddenLine xmlns="" xmlns:a14="http://schemas.microsoft.com/office/drawing/2010/main" w="9525">
                   <a:solidFill>
                     <a:srgbClr val="000000"/>
                   </a:solidFill>
@@ -3432,7 +3432,7 @@
             </a:ln>
             <a:extLst>
               <a:ext uri="{91240B29-F687-4f45-9708-019B960494DF}">
-                <a14:hiddenLine xmlns:a14="http://schemas.microsoft.com/office/drawing/2010/main" xmlns="" w="9525">
+                <a14:hiddenLine xmlns="" xmlns:a14="http://schemas.microsoft.com/office/drawing/2010/main" w="9525">
                   <a:solidFill>
                     <a:srgbClr val="000000"/>
                   </a:solidFill>
@@ -3522,7 +3522,7 @@
             </a:ln>
             <a:extLst>
               <a:ext uri="{91240B29-F687-4f45-9708-019B960494DF}">
-                <a14:hiddenLine xmlns:a14="http://schemas.microsoft.com/office/drawing/2010/main" xmlns="" w="9525">
+                <a14:hiddenLine xmlns="" xmlns:a14="http://schemas.microsoft.com/office/drawing/2010/main" w="9525">
                   <a:solidFill>
                     <a:srgbClr val="000000"/>
                   </a:solidFill>
@@ -3612,7 +3612,7 @@
             </a:ln>
             <a:extLst>
               <a:ext uri="{91240B29-F687-4f45-9708-019B960494DF}">
-                <a14:hiddenLine xmlns:a14="http://schemas.microsoft.com/office/drawing/2010/main" xmlns="" w="9525">
+                <a14:hiddenLine xmlns="" xmlns:a14="http://schemas.microsoft.com/office/drawing/2010/main" w="9525">
                   <a:solidFill>
                     <a:srgbClr val="000000"/>
                   </a:solidFill>
@@ -3677,7 +3677,7 @@
             </a:ln>
             <a:extLst>
               <a:ext uri="{91240B29-F687-4f45-9708-019B960494DF}">
-                <a14:hiddenLine xmlns:a14="http://schemas.microsoft.com/office/drawing/2010/main" xmlns="" w="9525">
+                <a14:hiddenLine xmlns="" xmlns:a14="http://schemas.microsoft.com/office/drawing/2010/main" w="9525">
                   <a:solidFill>
                     <a:srgbClr val="000000"/>
                   </a:solidFill>
@@ -3739,7 +3739,7 @@
             </a:ln>
             <a:extLst>
               <a:ext uri="{91240B29-F687-4f45-9708-019B960494DF}">
-                <a14:hiddenLine xmlns:a14="http://schemas.microsoft.com/office/drawing/2010/main" xmlns="" w="9525">
+                <a14:hiddenLine xmlns="" xmlns:a14="http://schemas.microsoft.com/office/drawing/2010/main" w="9525">
                   <a:solidFill>
                     <a:srgbClr val="000000"/>
                   </a:solidFill>
@@ -3829,7 +3829,7 @@
             </a:ln>
             <a:extLst>
               <a:ext uri="{91240B29-F687-4f45-9708-019B960494DF}">
-                <a14:hiddenLine xmlns:a14="http://schemas.microsoft.com/office/drawing/2010/main" xmlns="" w="9525">
+                <a14:hiddenLine xmlns="" xmlns:a14="http://schemas.microsoft.com/office/drawing/2010/main" w="9525">
                   <a:solidFill>
                     <a:srgbClr val="000000"/>
                   </a:solidFill>
@@ -3919,7 +3919,7 @@
             </a:ln>
             <a:extLst>
               <a:ext uri="{91240B29-F687-4f45-9708-019B960494DF}">
-                <a14:hiddenLine xmlns:a14="http://schemas.microsoft.com/office/drawing/2010/main" xmlns="" w="9525">
+                <a14:hiddenLine xmlns="" xmlns:a14="http://schemas.microsoft.com/office/drawing/2010/main" w="9525">
                   <a:solidFill>
                     <a:srgbClr val="000000"/>
                   </a:solidFill>
@@ -3981,7 +3981,7 @@
             </a:ln>
             <a:extLst>
               <a:ext uri="{91240B29-F687-4f45-9708-019B960494DF}">
-                <a14:hiddenLine xmlns:a14="http://schemas.microsoft.com/office/drawing/2010/main" xmlns="" w="9525">
+                <a14:hiddenLine xmlns="" xmlns:a14="http://schemas.microsoft.com/office/drawing/2010/main" w="9525">
                   <a:solidFill>
                     <a:srgbClr val="000000"/>
                   </a:solidFill>
@@ -4101,7 +4101,7 @@
             </a:ln>
             <a:extLst>
               <a:ext uri="{91240B29-F687-4f45-9708-019B960494DF}">
-                <a14:hiddenLine xmlns:a14="http://schemas.microsoft.com/office/drawing/2010/main" xmlns="" w="9525">
+                <a14:hiddenLine xmlns="" xmlns:a14="http://schemas.microsoft.com/office/drawing/2010/main" w="9525">
                   <a:solidFill>
                     <a:srgbClr val="000000"/>
                   </a:solidFill>
@@ -4169,7 +4169,7 @@
             </a:ln>
             <a:extLst>
               <a:ext uri="{91240B29-F687-4f45-9708-019B960494DF}">
-                <a14:hiddenLine xmlns:a14="http://schemas.microsoft.com/office/drawing/2010/main" xmlns="" w="9525">
+                <a14:hiddenLine xmlns="" xmlns:a14="http://schemas.microsoft.com/office/drawing/2010/main" w="9525">
                   <a:solidFill>
                     <a:srgbClr val="000000"/>
                   </a:solidFill>
@@ -4259,7 +4259,7 @@
             </a:ln>
             <a:extLst>
               <a:ext uri="{91240B29-F687-4f45-9708-019B960494DF}">
-                <a14:hiddenLine xmlns:a14="http://schemas.microsoft.com/office/drawing/2010/main" xmlns="" w="9525">
+                <a14:hiddenLine xmlns="" xmlns:a14="http://schemas.microsoft.com/office/drawing/2010/main" w="9525">
                   <a:solidFill>
                     <a:srgbClr val="000000"/>
                   </a:solidFill>
@@ -4399,7 +4399,7 @@
           <a:p>
             <a:fld id="{48A87A34-81AB-432B-8DAE-1953F412C126}" type="datetimeFigureOut">
               <a:rPr lang="en-US" dirty="0"/>
-              <a:t>9/16/2017</a:t>
+              <a:t>9/24/2017</a:t>
             </a:fld>
             <a:endParaRPr lang="en-US" dirty="0"/>
           </a:p>
@@ -4661,7 +4661,7 @@
           <a:p>
             <a:fld id="{48A87A34-81AB-432B-8DAE-1953F412C126}" type="datetimeFigureOut">
               <a:rPr lang="en-US" dirty="0"/>
-              <a:t>9/16/2017</a:t>
+              <a:t>9/24/2017</a:t>
             </a:fld>
             <a:endParaRPr lang="en-US" dirty="0"/>
           </a:p>
@@ -4852,7 +4852,7 @@
           <a:p>
             <a:fld id="{48A87A34-81AB-432B-8DAE-1953F412C126}" type="datetimeFigureOut">
               <a:rPr lang="en-US" dirty="0"/>
-              <a:t>9/16/2017</a:t>
+              <a:t>9/24/2017</a:t>
             </a:fld>
             <a:endParaRPr lang="en-US" dirty="0"/>
           </a:p>
@@ -5110,7 +5110,7 @@
           <a:p>
             <a:fld id="{48A87A34-81AB-432B-8DAE-1953F412C126}" type="datetimeFigureOut">
               <a:rPr lang="en-US" dirty="0"/>
-              <a:t>9/16/2017</a:t>
+              <a:t>9/24/2017</a:t>
             </a:fld>
             <a:endParaRPr lang="en-US" dirty="0"/>
           </a:p>
@@ -5539,7 +5539,7 @@
           <a:p>
             <a:fld id="{48A87A34-81AB-432B-8DAE-1953F412C126}" type="datetimeFigureOut">
               <a:rPr lang="en-US" dirty="0"/>
-              <a:t>9/16/2017</a:t>
+              <a:t>9/24/2017</a:t>
             </a:fld>
             <a:endParaRPr lang="en-US" dirty="0"/>
           </a:p>
@@ -6080,7 +6080,7 @@
           <a:p>
             <a:fld id="{48A87A34-81AB-432B-8DAE-1953F412C126}" type="datetimeFigureOut">
               <a:rPr lang="en-US" dirty="0"/>
-              <a:t>9/16/2017</a:t>
+              <a:t>9/24/2017</a:t>
             </a:fld>
             <a:endParaRPr lang="en-US" dirty="0"/>
           </a:p>
@@ -6795,7 +6795,7 @@
           <a:p>
             <a:fld id="{48A87A34-81AB-432B-8DAE-1953F412C126}" type="datetimeFigureOut">
               <a:rPr lang="en-US" dirty="0"/>
-              <a:t>9/16/2017</a:t>
+              <a:t>9/24/2017</a:t>
             </a:fld>
             <a:endParaRPr lang="en-US" dirty="0"/>
           </a:p>
@@ -6960,7 +6960,7 @@
           <a:p>
             <a:fld id="{48A87A34-81AB-432B-8DAE-1953F412C126}" type="datetimeFigureOut">
               <a:rPr lang="en-US" dirty="0"/>
-              <a:t>9/16/2017</a:t>
+              <a:t>9/24/2017</a:t>
             </a:fld>
             <a:endParaRPr lang="en-US" dirty="0"/>
           </a:p>
@@ -7135,7 +7135,7 @@
           <a:p>
             <a:fld id="{48A87A34-81AB-432B-8DAE-1953F412C126}" type="datetimeFigureOut">
               <a:rPr lang="en-US" dirty="0"/>
-              <a:t>9/16/2017</a:t>
+              <a:t>9/24/2017</a:t>
             </a:fld>
             <a:endParaRPr lang="en-US" dirty="0"/>
           </a:p>
@@ -7300,7 +7300,7 @@
           <a:p>
             <a:fld id="{48A87A34-81AB-432B-8DAE-1953F412C126}" type="datetimeFigureOut">
               <a:rPr lang="en-US" dirty="0"/>
-              <a:t>9/16/2017</a:t>
+              <a:t>9/24/2017</a:t>
             </a:fld>
             <a:endParaRPr lang="en-US" dirty="0"/>
           </a:p>
@@ -7545,7 +7545,7 @@
           <a:p>
             <a:fld id="{48A87A34-81AB-432B-8DAE-1953F412C126}" type="datetimeFigureOut">
               <a:rPr lang="en-US" dirty="0"/>
-              <a:t>9/16/2017</a:t>
+              <a:t>9/24/2017</a:t>
             </a:fld>
             <a:endParaRPr lang="en-US" dirty="0"/>
           </a:p>
@@ -7772,7 +7772,7 @@
           <a:p>
             <a:fld id="{48A87A34-81AB-432B-8DAE-1953F412C126}" type="datetimeFigureOut">
               <a:rPr lang="en-US" dirty="0"/>
-              <a:t>9/16/2017</a:t>
+              <a:t>9/24/2017</a:t>
             </a:fld>
             <a:endParaRPr lang="en-US" dirty="0"/>
           </a:p>
@@ -8148,7 +8148,7 @@
           <a:p>
             <a:fld id="{48A87A34-81AB-432B-8DAE-1953F412C126}" type="datetimeFigureOut">
               <a:rPr lang="en-US" dirty="0"/>
-              <a:t>9/16/2017</a:t>
+              <a:t>9/24/2017</a:t>
             </a:fld>
             <a:endParaRPr lang="en-US" dirty="0"/>
           </a:p>
@@ -8261,7 +8261,7 @@
           <a:p>
             <a:fld id="{48A87A34-81AB-432B-8DAE-1953F412C126}" type="datetimeFigureOut">
               <a:rPr lang="en-US" dirty="0"/>
-              <a:t>9/16/2017</a:t>
+              <a:t>9/24/2017</a:t>
             </a:fld>
             <a:endParaRPr lang="en-US" dirty="0"/>
           </a:p>
@@ -8351,7 +8351,7 @@
           <a:p>
             <a:fld id="{48A87A34-81AB-432B-8DAE-1953F412C126}" type="datetimeFigureOut">
               <a:rPr lang="en-US" dirty="0"/>
-              <a:t>9/16/2017</a:t>
+              <a:t>9/24/2017</a:t>
             </a:fld>
             <a:endParaRPr lang="en-US" dirty="0"/>
           </a:p>
@@ -8595,7 +8595,7 @@
           <a:p>
             <a:fld id="{48A87A34-81AB-432B-8DAE-1953F412C126}" type="datetimeFigureOut">
               <a:rPr lang="en-US" dirty="0"/>
-              <a:t>9/16/2017</a:t>
+              <a:t>9/24/2017</a:t>
             </a:fld>
             <a:endParaRPr lang="en-US" dirty="0"/>
           </a:p>
@@ -8870,7 +8870,7 @@
           <a:p>
             <a:fld id="{48A87A34-81AB-432B-8DAE-1953F412C126}" type="datetimeFigureOut">
               <a:rPr lang="en-US" dirty="0"/>
-              <a:t>9/16/2017</a:t>
+              <a:t>9/24/2017</a:t>
             </a:fld>
             <a:endParaRPr lang="en-US" dirty="0"/>
           </a:p>
@@ -8988,7 +8988,7 @@
           <a:noFill/>
           <a:extLst>
             <a:ext uri="{909E8E84-426E-40dd-AFC4-6F175D3DCCD1}">
-              <a14:hiddenFill xmlns:a14="http://schemas.microsoft.com/office/drawing/2010/main" xmlns="">
+              <a14:hiddenFill xmlns="" xmlns:a14="http://schemas.microsoft.com/office/drawing/2010/main">
                 <a:solidFill>
                   <a:srgbClr val="FFFFFF"/>
                 </a:solidFill>
@@ -9062,7 +9062,7 @@
               </a:ln>
               <a:extLst>
                 <a:ext uri="{91240B29-F687-4f45-9708-019B960494DF}">
-                  <a14:hiddenLine xmlns:a14="http://schemas.microsoft.com/office/drawing/2010/main" xmlns="" w="9525">
+                  <a14:hiddenLine xmlns="" xmlns:a14="http://schemas.microsoft.com/office/drawing/2010/main" w="9525">
                     <a:solidFill>
                       <a:srgbClr val="000000"/>
                     </a:solidFill>
@@ -9152,7 +9152,7 @@
               </a:ln>
               <a:extLst>
                 <a:ext uri="{91240B29-F687-4f45-9708-019B960494DF}">
-                  <a14:hiddenLine xmlns:a14="http://schemas.microsoft.com/office/drawing/2010/main" xmlns="" w="9525">
+                  <a14:hiddenLine xmlns="" xmlns:a14="http://schemas.microsoft.com/office/drawing/2010/main" w="9525">
                     <a:solidFill>
                       <a:srgbClr val="000000"/>
                     </a:solidFill>
@@ -9242,7 +9242,7 @@
               </a:ln>
               <a:extLst>
                 <a:ext uri="{91240B29-F687-4f45-9708-019B960494DF}">
-                  <a14:hiddenLine xmlns:a14="http://schemas.microsoft.com/office/drawing/2010/main" xmlns="" w="9525">
+                  <a14:hiddenLine xmlns="" xmlns:a14="http://schemas.microsoft.com/office/drawing/2010/main" w="9525">
                     <a:solidFill>
                       <a:srgbClr val="000000"/>
                     </a:solidFill>
@@ -9304,7 +9304,7 @@
               </a:ln>
               <a:extLst>
                 <a:ext uri="{91240B29-F687-4f45-9708-019B960494DF}">
-                  <a14:hiddenLine xmlns:a14="http://schemas.microsoft.com/office/drawing/2010/main" xmlns="" w="9525">
+                  <a14:hiddenLine xmlns="" xmlns:a14="http://schemas.microsoft.com/office/drawing/2010/main" w="9525">
                     <a:solidFill>
                       <a:srgbClr val="000000"/>
                     </a:solidFill>
@@ -9394,7 +9394,7 @@
               </a:ln>
               <a:extLst>
                 <a:ext uri="{91240B29-F687-4f45-9708-019B960494DF}">
-                  <a14:hiddenLine xmlns:a14="http://schemas.microsoft.com/office/drawing/2010/main" xmlns="" w="9525">
+                  <a14:hiddenLine xmlns="" xmlns:a14="http://schemas.microsoft.com/office/drawing/2010/main" w="9525">
                     <a:solidFill>
                       <a:srgbClr val="000000"/>
                     </a:solidFill>
@@ -9456,7 +9456,7 @@
               </a:ln>
               <a:extLst>
                 <a:ext uri="{91240B29-F687-4f45-9708-019B960494DF}">
-                  <a14:hiddenLine xmlns:a14="http://schemas.microsoft.com/office/drawing/2010/main" xmlns="" w="9525">
+                  <a14:hiddenLine xmlns="" xmlns:a14="http://schemas.microsoft.com/office/drawing/2010/main" w="9525">
                     <a:solidFill>
                       <a:srgbClr val="000000"/>
                     </a:solidFill>
@@ -9518,7 +9518,7 @@
               </a:ln>
               <a:extLst>
                 <a:ext uri="{91240B29-F687-4f45-9708-019B960494DF}">
-                  <a14:hiddenLine xmlns:a14="http://schemas.microsoft.com/office/drawing/2010/main" xmlns="" w="9525">
+                  <a14:hiddenLine xmlns="" xmlns:a14="http://schemas.microsoft.com/office/drawing/2010/main" w="9525">
                     <a:solidFill>
                       <a:srgbClr val="000000"/>
                     </a:solidFill>
@@ -9608,7 +9608,7 @@
               </a:ln>
               <a:extLst>
                 <a:ext uri="{91240B29-F687-4f45-9708-019B960494DF}">
-                  <a14:hiddenLine xmlns:a14="http://schemas.microsoft.com/office/drawing/2010/main" xmlns="" w="9525">
+                  <a14:hiddenLine xmlns="" xmlns:a14="http://schemas.microsoft.com/office/drawing/2010/main" w="9525">
                     <a:solidFill>
                       <a:srgbClr val="000000"/>
                     </a:solidFill>
@@ -9698,7 +9698,7 @@
               </a:ln>
               <a:extLst>
                 <a:ext uri="{91240B29-F687-4f45-9708-019B960494DF}">
-                  <a14:hiddenLine xmlns:a14="http://schemas.microsoft.com/office/drawing/2010/main" xmlns="" w="9525">
+                  <a14:hiddenLine xmlns="" xmlns:a14="http://schemas.microsoft.com/office/drawing/2010/main" w="9525">
                     <a:solidFill>
                       <a:srgbClr val="000000"/>
                     </a:solidFill>
@@ -9760,7 +9760,7 @@
               </a:ln>
               <a:extLst>
                 <a:ext uri="{91240B29-F687-4f45-9708-019B960494DF}">
-                  <a14:hiddenLine xmlns:a14="http://schemas.microsoft.com/office/drawing/2010/main" xmlns="" w="9525">
+                  <a14:hiddenLine xmlns="" xmlns:a14="http://schemas.microsoft.com/office/drawing/2010/main" w="9525">
                     <a:solidFill>
                       <a:srgbClr val="000000"/>
                     </a:solidFill>
@@ -9870,7 +9870,7 @@
               </a:ln>
               <a:extLst>
                 <a:ext uri="{91240B29-F687-4f45-9708-019B960494DF}">
-                  <a14:hiddenLine xmlns:a14="http://schemas.microsoft.com/office/drawing/2010/main" xmlns="" w="9525">
+                  <a14:hiddenLine xmlns="" xmlns:a14="http://schemas.microsoft.com/office/drawing/2010/main" w="9525">
                     <a:solidFill>
                       <a:srgbClr val="000000"/>
                     </a:solidFill>
@@ -9954,7 +9954,7 @@
               </a:ln>
               <a:extLst>
                 <a:ext uri="{91240B29-F687-4f45-9708-019B960494DF}">
-                  <a14:hiddenLine xmlns:a14="http://schemas.microsoft.com/office/drawing/2010/main" xmlns="" w="9525">
+                  <a14:hiddenLine xmlns="" xmlns:a14="http://schemas.microsoft.com/office/drawing/2010/main" w="9525">
                     <a:solidFill>
                       <a:srgbClr val="000000"/>
                     </a:solidFill>
@@ -10016,7 +10016,7 @@
               </a:ln>
               <a:extLst>
                 <a:ext uri="{91240B29-F687-4f45-9708-019B960494DF}">
-                  <a14:hiddenLine xmlns:a14="http://schemas.microsoft.com/office/drawing/2010/main" xmlns="" w="9525">
+                  <a14:hiddenLine xmlns="" xmlns:a14="http://schemas.microsoft.com/office/drawing/2010/main" w="9525">
                     <a:solidFill>
                       <a:srgbClr val="000000"/>
                     </a:solidFill>
@@ -10078,7 +10078,7 @@
               </a:ln>
               <a:extLst>
                 <a:ext uri="{91240B29-F687-4f45-9708-019B960494DF}">
-                  <a14:hiddenLine xmlns:a14="http://schemas.microsoft.com/office/drawing/2010/main" xmlns="" w="9525">
+                  <a14:hiddenLine xmlns="" xmlns:a14="http://schemas.microsoft.com/office/drawing/2010/main" w="9525">
                     <a:solidFill>
                       <a:srgbClr val="000000"/>
                     </a:solidFill>
@@ -10168,7 +10168,7 @@
               </a:ln>
               <a:extLst>
                 <a:ext uri="{91240B29-F687-4f45-9708-019B960494DF}">
-                  <a14:hiddenLine xmlns:a14="http://schemas.microsoft.com/office/drawing/2010/main" xmlns="" w="9525">
+                  <a14:hiddenLine xmlns="" xmlns:a14="http://schemas.microsoft.com/office/drawing/2010/main" w="9525">
                     <a:solidFill>
                       <a:srgbClr val="000000"/>
                     </a:solidFill>
@@ -10202,7 +10202,7 @@
               </a:ln>
               <a:extLst>
                 <a:ext uri="{91240B29-F687-4f45-9708-019B960494DF}">
-                  <a14:hiddenLine xmlns:a14="http://schemas.microsoft.com/office/drawing/2010/main" xmlns="" w="9525">
+                  <a14:hiddenLine xmlns="" xmlns:a14="http://schemas.microsoft.com/office/drawing/2010/main" w="9525">
                     <a:solidFill>
                       <a:srgbClr val="000000"/>
                     </a:solidFill>
@@ -10267,7 +10267,7 @@
               </a:ln>
               <a:extLst>
                 <a:ext uri="{91240B29-F687-4f45-9708-019B960494DF}">
-                  <a14:hiddenLine xmlns:a14="http://schemas.microsoft.com/office/drawing/2010/main" xmlns="" w="9525">
+                  <a14:hiddenLine xmlns="" xmlns:a14="http://schemas.microsoft.com/office/drawing/2010/main" w="9525">
                     <a:solidFill>
                       <a:srgbClr val="000000"/>
                     </a:solidFill>
@@ -10357,7 +10357,7 @@
               </a:ln>
               <a:extLst>
                 <a:ext uri="{91240B29-F687-4f45-9708-019B960494DF}">
-                  <a14:hiddenLine xmlns:a14="http://schemas.microsoft.com/office/drawing/2010/main" xmlns="" w="9525">
+                  <a14:hiddenLine xmlns="" xmlns:a14="http://schemas.microsoft.com/office/drawing/2010/main" w="9525">
                     <a:solidFill>
                       <a:srgbClr val="000000"/>
                     </a:solidFill>
@@ -10419,7 +10419,7 @@
               </a:ln>
               <a:extLst>
                 <a:ext uri="{91240B29-F687-4f45-9708-019B960494DF}">
-                  <a14:hiddenLine xmlns:a14="http://schemas.microsoft.com/office/drawing/2010/main" xmlns="" w="9525">
+                  <a14:hiddenLine xmlns="" xmlns:a14="http://schemas.microsoft.com/office/drawing/2010/main" w="9525">
                     <a:solidFill>
                       <a:srgbClr val="000000"/>
                     </a:solidFill>
@@ -10509,7 +10509,7 @@
               </a:ln>
               <a:extLst>
                 <a:ext uri="{91240B29-F687-4f45-9708-019B960494DF}">
-                  <a14:hiddenLine xmlns:a14="http://schemas.microsoft.com/office/drawing/2010/main" xmlns="" w="9525">
+                  <a14:hiddenLine xmlns="" xmlns:a14="http://schemas.microsoft.com/office/drawing/2010/main" w="9525">
                     <a:solidFill>
                       <a:srgbClr val="000000"/>
                     </a:solidFill>
@@ -10574,7 +10574,7 @@
               </a:ln>
               <a:extLst>
                 <a:ext uri="{91240B29-F687-4f45-9708-019B960494DF}">
-                  <a14:hiddenLine xmlns:a14="http://schemas.microsoft.com/office/drawing/2010/main" xmlns="" w="9525">
+                  <a14:hiddenLine xmlns="" xmlns:a14="http://schemas.microsoft.com/office/drawing/2010/main" w="9525">
                     <a:solidFill>
                       <a:srgbClr val="000000"/>
                     </a:solidFill>
@@ -10636,7 +10636,7 @@
               </a:ln>
               <a:extLst>
                 <a:ext uri="{91240B29-F687-4f45-9708-019B960494DF}">
-                  <a14:hiddenLine xmlns:a14="http://schemas.microsoft.com/office/drawing/2010/main" xmlns="" w="9525">
+                  <a14:hiddenLine xmlns="" xmlns:a14="http://schemas.microsoft.com/office/drawing/2010/main" w="9525">
                     <a:solidFill>
                       <a:srgbClr val="000000"/>
                     </a:solidFill>
@@ -10726,7 +10726,7 @@
               </a:ln>
               <a:extLst>
                 <a:ext uri="{91240B29-F687-4f45-9708-019B960494DF}">
-                  <a14:hiddenLine xmlns:a14="http://schemas.microsoft.com/office/drawing/2010/main" xmlns="" w="9525">
+                  <a14:hiddenLine xmlns="" xmlns:a14="http://schemas.microsoft.com/office/drawing/2010/main" w="9525">
                     <a:solidFill>
                       <a:srgbClr val="000000"/>
                     </a:solidFill>
@@ -10816,7 +10816,7 @@
               </a:ln>
               <a:extLst>
                 <a:ext uri="{91240B29-F687-4f45-9708-019B960494DF}">
-                  <a14:hiddenLine xmlns:a14="http://schemas.microsoft.com/office/drawing/2010/main" xmlns="" w="9525">
+                  <a14:hiddenLine xmlns="" xmlns:a14="http://schemas.microsoft.com/office/drawing/2010/main" w="9525">
                     <a:solidFill>
                       <a:srgbClr val="000000"/>
                     </a:solidFill>
@@ -10881,7 +10881,7 @@
               </a:ln>
               <a:extLst>
                 <a:ext uri="{91240B29-F687-4f45-9708-019B960494DF}">
-                  <a14:hiddenLine xmlns:a14="http://schemas.microsoft.com/office/drawing/2010/main" xmlns="" w="9525">
+                  <a14:hiddenLine xmlns="" xmlns:a14="http://schemas.microsoft.com/office/drawing/2010/main" w="9525">
                     <a:solidFill>
                       <a:srgbClr val="000000"/>
                     </a:solidFill>
@@ -11001,7 +11001,7 @@
               </a:ln>
               <a:extLst>
                 <a:ext uri="{91240B29-F687-4f45-9708-019B960494DF}">
-                  <a14:hiddenLine xmlns:a14="http://schemas.microsoft.com/office/drawing/2010/main" xmlns="" w="9525">
+                  <a14:hiddenLine xmlns="" xmlns:a14="http://schemas.microsoft.com/office/drawing/2010/main" w="9525">
                     <a:solidFill>
                       <a:srgbClr val="000000"/>
                     </a:solidFill>
@@ -11082,7 +11082,7 @@
               </a:ln>
               <a:extLst>
                 <a:ext uri="{91240B29-F687-4f45-9708-019B960494DF}">
-                  <a14:hiddenLine xmlns:a14="http://schemas.microsoft.com/office/drawing/2010/main" xmlns="" w="9525">
+                  <a14:hiddenLine xmlns="" xmlns:a14="http://schemas.microsoft.com/office/drawing/2010/main" w="9525">
                     <a:solidFill>
                       <a:srgbClr val="000000"/>
                     </a:solidFill>
@@ -11197,7 +11197,7 @@
               </a:ln>
               <a:extLst>
                 <a:ext uri="{91240B29-F687-4f45-9708-019B960494DF}">
-                  <a14:hiddenLine xmlns:a14="http://schemas.microsoft.com/office/drawing/2010/main" xmlns="" w="9525">
+                  <a14:hiddenLine xmlns="" xmlns:a14="http://schemas.microsoft.com/office/drawing/2010/main" w="9525">
                     <a:solidFill>
                       <a:srgbClr val="000000"/>
                     </a:solidFill>
@@ -11287,7 +11287,7 @@
               </a:ln>
               <a:extLst>
                 <a:ext uri="{91240B29-F687-4f45-9708-019B960494DF}">
-                  <a14:hiddenLine xmlns:a14="http://schemas.microsoft.com/office/drawing/2010/main" xmlns="" w="9525">
+                  <a14:hiddenLine xmlns="" xmlns:a14="http://schemas.microsoft.com/office/drawing/2010/main" w="9525">
                     <a:solidFill>
                       <a:srgbClr val="000000"/>
                     </a:solidFill>
@@ -11352,7 +11352,7 @@
               </a:ln>
               <a:extLst>
                 <a:ext uri="{91240B29-F687-4f45-9708-019B960494DF}">
-                  <a14:hiddenLine xmlns:a14="http://schemas.microsoft.com/office/drawing/2010/main" xmlns="" w="9525">
+                  <a14:hiddenLine xmlns="" xmlns:a14="http://schemas.microsoft.com/office/drawing/2010/main" w="9525">
                     <a:solidFill>
                       <a:srgbClr val="000000"/>
                     </a:solidFill>
@@ -11442,7 +11442,7 @@
               </a:ln>
               <a:extLst>
                 <a:ext uri="{91240B29-F687-4f45-9708-019B960494DF}">
-                  <a14:hiddenLine xmlns:a14="http://schemas.microsoft.com/office/drawing/2010/main" xmlns="" w="9525">
+                  <a14:hiddenLine xmlns="" xmlns:a14="http://schemas.microsoft.com/office/drawing/2010/main" w="9525">
                     <a:solidFill>
                       <a:srgbClr val="000000"/>
                     </a:solidFill>
@@ -11510,7 +11510,7 @@
               </a:ln>
               <a:extLst>
                 <a:ext uri="{91240B29-F687-4f45-9708-019B960494DF}">
-                  <a14:hiddenLine xmlns:a14="http://schemas.microsoft.com/office/drawing/2010/main" xmlns="" w="9525">
+                  <a14:hiddenLine xmlns="" xmlns:a14="http://schemas.microsoft.com/office/drawing/2010/main" w="9525">
                     <a:solidFill>
                       <a:srgbClr val="000000"/>
                     </a:solidFill>
@@ -11600,7 +11600,7 @@
               </a:ln>
               <a:extLst>
                 <a:ext uri="{91240B29-F687-4f45-9708-019B960494DF}">
-                  <a14:hiddenLine xmlns:a14="http://schemas.microsoft.com/office/drawing/2010/main" xmlns="" w="9525">
+                  <a14:hiddenLine xmlns="" xmlns:a14="http://schemas.microsoft.com/office/drawing/2010/main" w="9525">
                     <a:solidFill>
                       <a:srgbClr val="000000"/>
                     </a:solidFill>
@@ -11668,7 +11668,7 @@
               </a:ln>
               <a:extLst>
                 <a:ext uri="{91240B29-F687-4f45-9708-019B960494DF}">
-                  <a14:hiddenLine xmlns:a14="http://schemas.microsoft.com/office/drawing/2010/main" xmlns="" w="9525">
+                  <a14:hiddenLine xmlns="" xmlns:a14="http://schemas.microsoft.com/office/drawing/2010/main" w="9525">
                     <a:solidFill>
                       <a:srgbClr val="000000"/>
                     </a:solidFill>
@@ -11758,7 +11758,7 @@
               </a:ln>
               <a:extLst>
                 <a:ext uri="{91240B29-F687-4f45-9708-019B960494DF}">
-                  <a14:hiddenLine xmlns:a14="http://schemas.microsoft.com/office/drawing/2010/main" xmlns="" w="9525">
+                  <a14:hiddenLine xmlns="" xmlns:a14="http://schemas.microsoft.com/office/drawing/2010/main" w="9525">
                     <a:solidFill>
                       <a:srgbClr val="000000"/>
                     </a:solidFill>
@@ -11792,7 +11792,7 @@
               </a:ln>
               <a:extLst>
                 <a:ext uri="{91240B29-F687-4f45-9708-019B960494DF}">
-                  <a14:hiddenLine xmlns:a14="http://schemas.microsoft.com/office/drawing/2010/main" xmlns="" w="9525">
+                  <a14:hiddenLine xmlns="" xmlns:a14="http://schemas.microsoft.com/office/drawing/2010/main" w="9525">
                     <a:solidFill>
                       <a:srgbClr val="000000"/>
                     </a:solidFill>
@@ -11933,7 +11933,7 @@
             <a:fld id="{48A87A34-81AB-432B-8DAE-1953F412C126}" type="datetimeFigureOut">
               <a:rPr lang="en-US" dirty="0"/>
               <a:pPr/>
-              <a:t>9/16/2017</a:t>
+              <a:t>9/24/2017</a:t>
             </a:fld>
             <a:endParaRPr lang="en-US" dirty="0"/>
           </a:p>
@@ -12354,7 +12354,7 @@
           <p:cNvPr id="2" name="Title 1">
             <a:extLst>
               <a:ext uri="{FF2B5EF4-FFF2-40B4-BE49-F238E27FC236}">
-                <a16:creationId xmlns:a16="http://schemas.microsoft.com/office/drawing/2014/main" id="{A5B28E64-A167-402C-9629-E55A90966D5E}"/>
+                <a16:creationId xmlns:a16="http://schemas.microsoft.com/office/drawing/2014/main" xmlns="" id="{A5B28E64-A167-402C-9629-E55A90966D5E}"/>
               </a:ext>
             </a:extLst>
           </p:cNvPr>
@@ -12382,7 +12382,7 @@
           <p:cNvPr id="3" name="Subtitle 2">
             <a:extLst>
               <a:ext uri="{FF2B5EF4-FFF2-40B4-BE49-F238E27FC236}">
-                <a16:creationId xmlns:a16="http://schemas.microsoft.com/office/drawing/2014/main" id="{5F958E99-D29B-4E60-8200-2D2B03F6C5F2}"/>
+                <a16:creationId xmlns:a16="http://schemas.microsoft.com/office/drawing/2014/main" xmlns="" id="{5F958E99-D29B-4E60-8200-2D2B03F6C5F2}"/>
               </a:ext>
             </a:extLst>
           </p:cNvPr>
@@ -12400,8 +12400,13 @@
           <a:p>
             <a:r>
               <a:rPr lang="en-US" dirty="0"/>
-              <a:t>Lecture 6: Proofs</a:t>
-            </a:r>
+              <a:t>Lecture </a:t>
+            </a:r>
+            <a:r>
+              <a:rPr lang="en-US" dirty="0" smtClean="0"/>
+              <a:t>7: Induction</a:t>
+            </a:r>
+            <a:endParaRPr lang="en-US" dirty="0"/>
           </a:p>
         </p:txBody>
       </p:sp>
@@ -12415,1056 +12420,6 @@
   <p:clrMapOvr>
     <a:masterClrMapping/>
   </p:clrMapOvr>
-</p:sld>
-</file>
-
-<file path=ppt/slides/slide10.xml><?xml version="1.0" encoding="utf-8"?>
-<p:sld xmlns:a="http://schemas.openxmlformats.org/drawingml/2006/main" xmlns:r="http://schemas.openxmlformats.org/officeDocument/2006/relationships" xmlns:p="http://schemas.openxmlformats.org/presentationml/2006/main">
-  <p:cSld>
-    <p:spTree>
-      <p:nvGrpSpPr>
-        <p:cNvPr id="1" name=""/>
-        <p:cNvGrpSpPr/>
-        <p:nvPr/>
-      </p:nvGrpSpPr>
-      <p:grpSpPr>
-        <a:xfrm>
-          <a:off x="0" y="0"/>
-          <a:ext cx="0" cy="0"/>
-          <a:chOff x="0" y="0"/>
-          <a:chExt cx="0" cy="0"/>
-        </a:xfrm>
-      </p:grpSpPr>
-      <p:sp>
-        <p:nvSpPr>
-          <p:cNvPr id="2" name="Title 1">
-            <a:extLst>
-              <a:ext uri="{FF2B5EF4-FFF2-40B4-BE49-F238E27FC236}">
-                <a16:creationId xmlns:a16="http://schemas.microsoft.com/office/drawing/2014/main" id="{060B5ECE-BA10-4605-8C14-82A70D0A4E26}"/>
-              </a:ext>
-            </a:extLst>
-          </p:cNvPr>
-          <p:cNvSpPr>
-            <a:spLocks noGrp="1"/>
-          </p:cNvSpPr>
-          <p:nvPr>
-            <p:ph type="title"/>
-          </p:nvPr>
-        </p:nvSpPr>
-        <p:spPr/>
-        <p:txBody>
-          <a:bodyPr/>
-          <a:lstStyle/>
-          <a:p>
-            <a:r>
-              <a:rPr lang="en-US" dirty="0"/>
-              <a:t>Contradiction</a:t>
-            </a:r>
-          </a:p>
-        </p:txBody>
-      </p:sp>
-      <p:sp>
-        <p:nvSpPr>
-          <p:cNvPr id="3" name="Content Placeholder 2">
-            <a:extLst>
-              <a:ext uri="{FF2B5EF4-FFF2-40B4-BE49-F238E27FC236}">
-                <a16:creationId xmlns:a16="http://schemas.microsoft.com/office/drawing/2014/main" id="{8BD93E9D-EC26-4638-8A64-E0CC67CCB902}"/>
-              </a:ext>
-            </a:extLst>
-          </p:cNvPr>
-          <p:cNvSpPr>
-            <a:spLocks noGrp="1"/>
-          </p:cNvSpPr>
-          <p:nvPr>
-            <p:ph idx="1"/>
-          </p:nvPr>
-        </p:nvSpPr>
-        <p:spPr/>
-        <p:txBody>
-          <a:bodyPr/>
-          <a:lstStyle/>
-          <a:p>
-            <a:r>
-              <a:rPr lang="en-US" dirty="0"/>
-              <a:t>If we want to prove some statement P, we can try and prove that P’ is a logical contradiction</a:t>
-            </a:r>
-          </a:p>
-          <a:p>
-            <a:r>
-              <a:rPr lang="en-US" dirty="0"/>
-              <a:t>Assume P’</a:t>
-            </a:r>
-          </a:p>
-          <a:p>
-            <a:r>
-              <a:rPr lang="en-US" dirty="0"/>
-              <a:t>Find contradiction P ^ P’</a:t>
-            </a:r>
-          </a:p>
-          <a:p>
-            <a:r>
-              <a:rPr lang="en-US" dirty="0"/>
-              <a:t>Claim P’’</a:t>
-            </a:r>
-          </a:p>
-          <a:p>
-            <a:r>
-              <a:rPr lang="en-US" dirty="0"/>
-              <a:t>P is true by double negation</a:t>
-            </a:r>
-          </a:p>
-        </p:txBody>
-      </p:sp>
-    </p:spTree>
-    <p:extLst>
-      <p:ext uri="{BB962C8B-B14F-4D97-AF65-F5344CB8AC3E}">
-        <p14:creationId xmlns:p14="http://schemas.microsoft.com/office/powerpoint/2010/main" val="4253676204"/>
-      </p:ext>
-    </p:extLst>
-  </p:cSld>
-  <p:clrMapOvr>
-    <a:masterClrMapping/>
-  </p:clrMapOvr>
-</p:sld>
-</file>
-
-<file path=ppt/slides/slide11.xml><?xml version="1.0" encoding="utf-8"?>
-<p:sld xmlns:a="http://schemas.openxmlformats.org/drawingml/2006/main" xmlns:r="http://schemas.openxmlformats.org/officeDocument/2006/relationships" xmlns:p="http://schemas.openxmlformats.org/presentationml/2006/main">
-  <p:cSld>
-    <p:spTree>
-      <p:nvGrpSpPr>
-        <p:cNvPr id="1" name=""/>
-        <p:cNvGrpSpPr/>
-        <p:nvPr/>
-      </p:nvGrpSpPr>
-      <p:grpSpPr>
-        <a:xfrm>
-          <a:off x="0" y="0"/>
-          <a:ext cx="0" cy="0"/>
-          <a:chOff x="0" y="0"/>
-          <a:chExt cx="0" cy="0"/>
-        </a:xfrm>
-      </p:grpSpPr>
-      <p:sp>
-        <p:nvSpPr>
-          <p:cNvPr id="2" name="Title 1">
-            <a:extLst>
-              <a:ext uri="{FF2B5EF4-FFF2-40B4-BE49-F238E27FC236}">
-                <a16:creationId xmlns:a16="http://schemas.microsoft.com/office/drawing/2014/main" id="{060B5ECE-BA10-4605-8C14-82A70D0A4E26}"/>
-              </a:ext>
-            </a:extLst>
-          </p:cNvPr>
-          <p:cNvSpPr>
-            <a:spLocks noGrp="1"/>
-          </p:cNvSpPr>
-          <p:nvPr>
-            <p:ph type="title"/>
-          </p:nvPr>
-        </p:nvSpPr>
-        <p:spPr/>
-        <p:txBody>
-          <a:bodyPr/>
-          <a:lstStyle/>
-          <a:p>
-            <a:r>
-              <a:rPr lang="en-US" dirty="0"/>
-              <a:t>Contradiction</a:t>
-            </a:r>
-          </a:p>
-        </p:txBody>
-      </p:sp>
-      <p:sp>
-        <p:nvSpPr>
-          <p:cNvPr id="3" name="Content Placeholder 2">
-            <a:extLst>
-              <a:ext uri="{FF2B5EF4-FFF2-40B4-BE49-F238E27FC236}">
-                <a16:creationId xmlns:a16="http://schemas.microsoft.com/office/drawing/2014/main" id="{8BD93E9D-EC26-4638-8A64-E0CC67CCB902}"/>
-              </a:ext>
-            </a:extLst>
-          </p:cNvPr>
-          <p:cNvSpPr>
-            <a:spLocks noGrp="1"/>
-          </p:cNvSpPr>
-          <p:nvPr>
-            <p:ph idx="1"/>
-          </p:nvPr>
-        </p:nvSpPr>
-        <p:spPr>
-          <a:xfrm>
-            <a:off x="1141412" y="1676400"/>
-            <a:ext cx="9905999" cy="4527175"/>
-          </a:xfrm>
-        </p:spPr>
-        <p:txBody>
-          <a:bodyPr>
-            <a:normAutofit fontScale="62500" lnSpcReduction="20000"/>
-          </a:bodyPr>
-          <a:lstStyle/>
-          <a:p>
-            <a:r>
-              <a:rPr lang="en-US" dirty="0"/>
-              <a:t>The product of 2 odd integers is not even (</a:t>
-            </a:r>
-            <a:r>
-              <a:rPr lang="en-US" dirty="0" err="1"/>
-              <a:t>pq</a:t>
-            </a:r>
-            <a:r>
-              <a:rPr lang="en-US" dirty="0"/>
-              <a:t> is not even)</a:t>
-            </a:r>
-          </a:p>
-          <a:p>
-            <a:r>
-              <a:rPr lang="en-US" dirty="0"/>
-              <a:t>Assume statement E: p and q are odd and </a:t>
-            </a:r>
-            <a:r>
-              <a:rPr lang="en-US" dirty="0" err="1"/>
-              <a:t>pq</a:t>
-            </a:r>
-            <a:r>
-              <a:rPr lang="en-US" dirty="0"/>
-              <a:t> is even</a:t>
-            </a:r>
-          </a:p>
-          <a:p>
-            <a:r>
-              <a:rPr lang="en-US" dirty="0"/>
-              <a:t>Let p = 2k+1 and q = 2m+1</a:t>
-            </a:r>
-          </a:p>
-          <a:p>
-            <a:r>
-              <a:rPr lang="en-US" dirty="0"/>
-              <a:t>(2k+1)(2m + 1) is even</a:t>
-            </a:r>
-          </a:p>
-          <a:p>
-            <a:r>
-              <a:rPr lang="en-US" dirty="0"/>
-              <a:t> 4km + 2m +2k + 1 is even</a:t>
-            </a:r>
-          </a:p>
-          <a:p>
-            <a:r>
-              <a:rPr lang="en-US" dirty="0"/>
-              <a:t>2(2km + m + k) + 1 is even</a:t>
-            </a:r>
-          </a:p>
-          <a:p>
-            <a:r>
-              <a:rPr lang="en-US" dirty="0"/>
-              <a:t>2km + m + k is an integer so let it be equal to n</a:t>
-            </a:r>
-          </a:p>
-          <a:p>
-            <a:r>
-              <a:rPr lang="en-US" dirty="0"/>
-              <a:t>2n + 1 is even</a:t>
-            </a:r>
-          </a:p>
-          <a:p>
-            <a:r>
-              <a:rPr lang="en-US" dirty="0"/>
-              <a:t>By definition, 2n is even (divisible by two) and 2n + 1 is odd by definition</a:t>
-            </a:r>
-          </a:p>
-          <a:p>
-            <a:r>
-              <a:rPr lang="en-US" dirty="0"/>
-              <a:t>odd is even   &lt;- Contradiction</a:t>
-            </a:r>
-          </a:p>
-          <a:p>
-            <a:r>
-              <a:rPr lang="en-US" dirty="0"/>
-              <a:t>If E’ is false then E’’ is true</a:t>
-            </a:r>
-          </a:p>
-          <a:p>
-            <a:r>
-              <a:rPr lang="en-US" dirty="0"/>
-              <a:t>E is true by double negation</a:t>
-            </a:r>
-          </a:p>
-        </p:txBody>
-      </p:sp>
-    </p:spTree>
-    <p:extLst>
-      <p:ext uri="{BB962C8B-B14F-4D97-AF65-F5344CB8AC3E}">
-        <p14:creationId xmlns:p14="http://schemas.microsoft.com/office/powerpoint/2010/main" val="2420754813"/>
-      </p:ext>
-    </p:extLst>
-  </p:cSld>
-  <p:clrMapOvr>
-    <a:masterClrMapping/>
-  </p:clrMapOvr>
-  <p:timing>
-    <p:tnLst>
-      <p:par>
-        <p:cTn id="1" dur="indefinite" restart="never" nodeType="tmRoot">
-          <p:childTnLst>
-            <p:seq concurrent="1" nextAc="seek">
-              <p:cTn id="2" dur="indefinite" nodeType="mainSeq">
-                <p:childTnLst>
-                  <p:par>
-                    <p:cTn id="3" fill="hold">
-                      <p:stCondLst>
-                        <p:cond delay="indefinite"/>
-                      </p:stCondLst>
-                      <p:childTnLst>
-                        <p:par>
-                          <p:cTn id="4" fill="hold">
-                            <p:stCondLst>
-                              <p:cond delay="0"/>
-                            </p:stCondLst>
-                            <p:childTnLst>
-                              <p:par>
-                                <p:cTn id="5" presetID="10" presetClass="entr" presetSubtype="0" fill="hold" grpId="0" nodeType="clickEffect">
-                                  <p:stCondLst>
-                                    <p:cond delay="0"/>
-                                  </p:stCondLst>
-                                  <p:childTnLst>
-                                    <p:set>
-                                      <p:cBhvr>
-                                        <p:cTn id="6" dur="1" fill="hold">
-                                          <p:stCondLst>
-                                            <p:cond delay="0"/>
-                                          </p:stCondLst>
-                                        </p:cTn>
-                                        <p:tgtEl>
-                                          <p:spTgt spid="3">
-                                            <p:txEl>
-                                              <p:pRg st="0" end="0"/>
-                                            </p:txEl>
-                                          </p:spTgt>
-                                        </p:tgtEl>
-                                        <p:attrNameLst>
-                                          <p:attrName>style.visibility</p:attrName>
-                                        </p:attrNameLst>
-                                      </p:cBhvr>
-                                      <p:to>
-                                        <p:strVal val="visible"/>
-                                      </p:to>
-                                    </p:set>
-                                    <p:animEffect transition="in" filter="fade">
-                                      <p:cBhvr>
-                                        <p:cTn id="7" dur="500"/>
-                                        <p:tgtEl>
-                                          <p:spTgt spid="3">
-                                            <p:txEl>
-                                              <p:pRg st="0" end="0"/>
-                                            </p:txEl>
-                                          </p:spTgt>
-                                        </p:tgtEl>
-                                      </p:cBhvr>
-                                    </p:animEffect>
-                                  </p:childTnLst>
-                                </p:cTn>
-                              </p:par>
-                            </p:childTnLst>
-                          </p:cTn>
-                        </p:par>
-                      </p:childTnLst>
-                    </p:cTn>
-                  </p:par>
-                  <p:par>
-                    <p:cTn id="8" fill="hold">
-                      <p:stCondLst>
-                        <p:cond delay="indefinite"/>
-                      </p:stCondLst>
-                      <p:childTnLst>
-                        <p:par>
-                          <p:cTn id="9" fill="hold">
-                            <p:stCondLst>
-                              <p:cond delay="0"/>
-                            </p:stCondLst>
-                            <p:childTnLst>
-                              <p:par>
-                                <p:cTn id="10" presetID="10" presetClass="entr" presetSubtype="0" fill="hold" grpId="0" nodeType="clickEffect">
-                                  <p:stCondLst>
-                                    <p:cond delay="0"/>
-                                  </p:stCondLst>
-                                  <p:childTnLst>
-                                    <p:set>
-                                      <p:cBhvr>
-                                        <p:cTn id="11" dur="1" fill="hold">
-                                          <p:stCondLst>
-                                            <p:cond delay="0"/>
-                                          </p:stCondLst>
-                                        </p:cTn>
-                                        <p:tgtEl>
-                                          <p:spTgt spid="3">
-                                            <p:txEl>
-                                              <p:pRg st="1" end="1"/>
-                                            </p:txEl>
-                                          </p:spTgt>
-                                        </p:tgtEl>
-                                        <p:attrNameLst>
-                                          <p:attrName>style.visibility</p:attrName>
-                                        </p:attrNameLst>
-                                      </p:cBhvr>
-                                      <p:to>
-                                        <p:strVal val="visible"/>
-                                      </p:to>
-                                    </p:set>
-                                    <p:animEffect transition="in" filter="fade">
-                                      <p:cBhvr>
-                                        <p:cTn id="12" dur="500"/>
-                                        <p:tgtEl>
-                                          <p:spTgt spid="3">
-                                            <p:txEl>
-                                              <p:pRg st="1" end="1"/>
-                                            </p:txEl>
-                                          </p:spTgt>
-                                        </p:tgtEl>
-                                      </p:cBhvr>
-                                    </p:animEffect>
-                                  </p:childTnLst>
-                                </p:cTn>
-                              </p:par>
-                            </p:childTnLst>
-                          </p:cTn>
-                        </p:par>
-                      </p:childTnLst>
-                    </p:cTn>
-                  </p:par>
-                  <p:par>
-                    <p:cTn id="13" fill="hold">
-                      <p:stCondLst>
-                        <p:cond delay="indefinite"/>
-                      </p:stCondLst>
-                      <p:childTnLst>
-                        <p:par>
-                          <p:cTn id="14" fill="hold">
-                            <p:stCondLst>
-                              <p:cond delay="0"/>
-                            </p:stCondLst>
-                            <p:childTnLst>
-                              <p:par>
-                                <p:cTn id="15" presetID="10" presetClass="entr" presetSubtype="0" fill="hold" grpId="0" nodeType="clickEffect">
-                                  <p:stCondLst>
-                                    <p:cond delay="0"/>
-                                  </p:stCondLst>
-                                  <p:childTnLst>
-                                    <p:set>
-                                      <p:cBhvr>
-                                        <p:cTn id="16" dur="1" fill="hold">
-                                          <p:stCondLst>
-                                            <p:cond delay="0"/>
-                                          </p:stCondLst>
-                                        </p:cTn>
-                                        <p:tgtEl>
-                                          <p:spTgt spid="3">
-                                            <p:txEl>
-                                              <p:pRg st="2" end="2"/>
-                                            </p:txEl>
-                                          </p:spTgt>
-                                        </p:tgtEl>
-                                        <p:attrNameLst>
-                                          <p:attrName>style.visibility</p:attrName>
-                                        </p:attrNameLst>
-                                      </p:cBhvr>
-                                      <p:to>
-                                        <p:strVal val="visible"/>
-                                      </p:to>
-                                    </p:set>
-                                    <p:animEffect transition="in" filter="fade">
-                                      <p:cBhvr>
-                                        <p:cTn id="17" dur="500"/>
-                                        <p:tgtEl>
-                                          <p:spTgt spid="3">
-                                            <p:txEl>
-                                              <p:pRg st="2" end="2"/>
-                                            </p:txEl>
-                                          </p:spTgt>
-                                        </p:tgtEl>
-                                      </p:cBhvr>
-                                    </p:animEffect>
-                                  </p:childTnLst>
-                                </p:cTn>
-                              </p:par>
-                            </p:childTnLst>
-                          </p:cTn>
-                        </p:par>
-                      </p:childTnLst>
-                    </p:cTn>
-                  </p:par>
-                  <p:par>
-                    <p:cTn id="18" fill="hold">
-                      <p:stCondLst>
-                        <p:cond delay="indefinite"/>
-                      </p:stCondLst>
-                      <p:childTnLst>
-                        <p:par>
-                          <p:cTn id="19" fill="hold">
-                            <p:stCondLst>
-                              <p:cond delay="0"/>
-                            </p:stCondLst>
-                            <p:childTnLst>
-                              <p:par>
-                                <p:cTn id="20" presetID="10" presetClass="entr" presetSubtype="0" fill="hold" grpId="0" nodeType="clickEffect">
-                                  <p:stCondLst>
-                                    <p:cond delay="0"/>
-                                  </p:stCondLst>
-                                  <p:childTnLst>
-                                    <p:set>
-                                      <p:cBhvr>
-                                        <p:cTn id="21" dur="1" fill="hold">
-                                          <p:stCondLst>
-                                            <p:cond delay="0"/>
-                                          </p:stCondLst>
-                                        </p:cTn>
-                                        <p:tgtEl>
-                                          <p:spTgt spid="3">
-                                            <p:txEl>
-                                              <p:pRg st="3" end="3"/>
-                                            </p:txEl>
-                                          </p:spTgt>
-                                        </p:tgtEl>
-                                        <p:attrNameLst>
-                                          <p:attrName>style.visibility</p:attrName>
-                                        </p:attrNameLst>
-                                      </p:cBhvr>
-                                      <p:to>
-                                        <p:strVal val="visible"/>
-                                      </p:to>
-                                    </p:set>
-                                    <p:animEffect transition="in" filter="fade">
-                                      <p:cBhvr>
-                                        <p:cTn id="22" dur="500"/>
-                                        <p:tgtEl>
-                                          <p:spTgt spid="3">
-                                            <p:txEl>
-                                              <p:pRg st="3" end="3"/>
-                                            </p:txEl>
-                                          </p:spTgt>
-                                        </p:tgtEl>
-                                      </p:cBhvr>
-                                    </p:animEffect>
-                                  </p:childTnLst>
-                                </p:cTn>
-                              </p:par>
-                            </p:childTnLst>
-                          </p:cTn>
-                        </p:par>
-                      </p:childTnLst>
-                    </p:cTn>
-                  </p:par>
-                  <p:par>
-                    <p:cTn id="23" fill="hold">
-                      <p:stCondLst>
-                        <p:cond delay="indefinite"/>
-                      </p:stCondLst>
-                      <p:childTnLst>
-                        <p:par>
-                          <p:cTn id="24" fill="hold">
-                            <p:stCondLst>
-                              <p:cond delay="0"/>
-                            </p:stCondLst>
-                            <p:childTnLst>
-                              <p:par>
-                                <p:cTn id="25" presetID="10" presetClass="entr" presetSubtype="0" fill="hold" grpId="0" nodeType="clickEffect">
-                                  <p:stCondLst>
-                                    <p:cond delay="0"/>
-                                  </p:stCondLst>
-                                  <p:childTnLst>
-                                    <p:set>
-                                      <p:cBhvr>
-                                        <p:cTn id="26" dur="1" fill="hold">
-                                          <p:stCondLst>
-                                            <p:cond delay="0"/>
-                                          </p:stCondLst>
-                                        </p:cTn>
-                                        <p:tgtEl>
-                                          <p:spTgt spid="3">
-                                            <p:txEl>
-                                              <p:pRg st="4" end="4"/>
-                                            </p:txEl>
-                                          </p:spTgt>
-                                        </p:tgtEl>
-                                        <p:attrNameLst>
-                                          <p:attrName>style.visibility</p:attrName>
-                                        </p:attrNameLst>
-                                      </p:cBhvr>
-                                      <p:to>
-                                        <p:strVal val="visible"/>
-                                      </p:to>
-                                    </p:set>
-                                    <p:animEffect transition="in" filter="fade">
-                                      <p:cBhvr>
-                                        <p:cTn id="27" dur="500"/>
-                                        <p:tgtEl>
-                                          <p:spTgt spid="3">
-                                            <p:txEl>
-                                              <p:pRg st="4" end="4"/>
-                                            </p:txEl>
-                                          </p:spTgt>
-                                        </p:tgtEl>
-                                      </p:cBhvr>
-                                    </p:animEffect>
-                                  </p:childTnLst>
-                                </p:cTn>
-                              </p:par>
-                            </p:childTnLst>
-                          </p:cTn>
-                        </p:par>
-                      </p:childTnLst>
-                    </p:cTn>
-                  </p:par>
-                  <p:par>
-                    <p:cTn id="28" fill="hold">
-                      <p:stCondLst>
-                        <p:cond delay="indefinite"/>
-                      </p:stCondLst>
-                      <p:childTnLst>
-                        <p:par>
-                          <p:cTn id="29" fill="hold">
-                            <p:stCondLst>
-                              <p:cond delay="0"/>
-                            </p:stCondLst>
-                            <p:childTnLst>
-                              <p:par>
-                                <p:cTn id="30" presetID="10" presetClass="entr" presetSubtype="0" fill="hold" grpId="0" nodeType="clickEffect">
-                                  <p:stCondLst>
-                                    <p:cond delay="0"/>
-                                  </p:stCondLst>
-                                  <p:childTnLst>
-                                    <p:set>
-                                      <p:cBhvr>
-                                        <p:cTn id="31" dur="1" fill="hold">
-                                          <p:stCondLst>
-                                            <p:cond delay="0"/>
-                                          </p:stCondLst>
-                                        </p:cTn>
-                                        <p:tgtEl>
-                                          <p:spTgt spid="3">
-                                            <p:txEl>
-                                              <p:pRg st="5" end="5"/>
-                                            </p:txEl>
-                                          </p:spTgt>
-                                        </p:tgtEl>
-                                        <p:attrNameLst>
-                                          <p:attrName>style.visibility</p:attrName>
-                                        </p:attrNameLst>
-                                      </p:cBhvr>
-                                      <p:to>
-                                        <p:strVal val="visible"/>
-                                      </p:to>
-                                    </p:set>
-                                    <p:animEffect transition="in" filter="fade">
-                                      <p:cBhvr>
-                                        <p:cTn id="32" dur="500"/>
-                                        <p:tgtEl>
-                                          <p:spTgt spid="3">
-                                            <p:txEl>
-                                              <p:pRg st="5" end="5"/>
-                                            </p:txEl>
-                                          </p:spTgt>
-                                        </p:tgtEl>
-                                      </p:cBhvr>
-                                    </p:animEffect>
-                                  </p:childTnLst>
-                                </p:cTn>
-                              </p:par>
-                            </p:childTnLst>
-                          </p:cTn>
-                        </p:par>
-                      </p:childTnLst>
-                    </p:cTn>
-                  </p:par>
-                  <p:par>
-                    <p:cTn id="33" fill="hold">
-                      <p:stCondLst>
-                        <p:cond delay="indefinite"/>
-                      </p:stCondLst>
-                      <p:childTnLst>
-                        <p:par>
-                          <p:cTn id="34" fill="hold">
-                            <p:stCondLst>
-                              <p:cond delay="0"/>
-                            </p:stCondLst>
-                            <p:childTnLst>
-                              <p:par>
-                                <p:cTn id="35" presetID="10" presetClass="entr" presetSubtype="0" fill="hold" grpId="0" nodeType="clickEffect">
-                                  <p:stCondLst>
-                                    <p:cond delay="0"/>
-                                  </p:stCondLst>
-                                  <p:childTnLst>
-                                    <p:set>
-                                      <p:cBhvr>
-                                        <p:cTn id="36" dur="1" fill="hold">
-                                          <p:stCondLst>
-                                            <p:cond delay="0"/>
-                                          </p:stCondLst>
-                                        </p:cTn>
-                                        <p:tgtEl>
-                                          <p:spTgt spid="3">
-                                            <p:txEl>
-                                              <p:pRg st="6" end="6"/>
-                                            </p:txEl>
-                                          </p:spTgt>
-                                        </p:tgtEl>
-                                        <p:attrNameLst>
-                                          <p:attrName>style.visibility</p:attrName>
-                                        </p:attrNameLst>
-                                      </p:cBhvr>
-                                      <p:to>
-                                        <p:strVal val="visible"/>
-                                      </p:to>
-                                    </p:set>
-                                    <p:animEffect transition="in" filter="fade">
-                                      <p:cBhvr>
-                                        <p:cTn id="37" dur="500"/>
-                                        <p:tgtEl>
-                                          <p:spTgt spid="3">
-                                            <p:txEl>
-                                              <p:pRg st="6" end="6"/>
-                                            </p:txEl>
-                                          </p:spTgt>
-                                        </p:tgtEl>
-                                      </p:cBhvr>
-                                    </p:animEffect>
-                                  </p:childTnLst>
-                                </p:cTn>
-                              </p:par>
-                            </p:childTnLst>
-                          </p:cTn>
-                        </p:par>
-                      </p:childTnLst>
-                    </p:cTn>
-                  </p:par>
-                  <p:par>
-                    <p:cTn id="38" fill="hold">
-                      <p:stCondLst>
-                        <p:cond delay="indefinite"/>
-                      </p:stCondLst>
-                      <p:childTnLst>
-                        <p:par>
-                          <p:cTn id="39" fill="hold">
-                            <p:stCondLst>
-                              <p:cond delay="0"/>
-                            </p:stCondLst>
-                            <p:childTnLst>
-                              <p:par>
-                                <p:cTn id="40" presetID="10" presetClass="entr" presetSubtype="0" fill="hold" grpId="0" nodeType="clickEffect">
-                                  <p:stCondLst>
-                                    <p:cond delay="0"/>
-                                  </p:stCondLst>
-                                  <p:childTnLst>
-                                    <p:set>
-                                      <p:cBhvr>
-                                        <p:cTn id="41" dur="1" fill="hold">
-                                          <p:stCondLst>
-                                            <p:cond delay="0"/>
-                                          </p:stCondLst>
-                                        </p:cTn>
-                                        <p:tgtEl>
-                                          <p:spTgt spid="3">
-                                            <p:txEl>
-                                              <p:pRg st="7" end="7"/>
-                                            </p:txEl>
-                                          </p:spTgt>
-                                        </p:tgtEl>
-                                        <p:attrNameLst>
-                                          <p:attrName>style.visibility</p:attrName>
-                                        </p:attrNameLst>
-                                      </p:cBhvr>
-                                      <p:to>
-                                        <p:strVal val="visible"/>
-                                      </p:to>
-                                    </p:set>
-                                    <p:animEffect transition="in" filter="fade">
-                                      <p:cBhvr>
-                                        <p:cTn id="42" dur="500"/>
-                                        <p:tgtEl>
-                                          <p:spTgt spid="3">
-                                            <p:txEl>
-                                              <p:pRg st="7" end="7"/>
-                                            </p:txEl>
-                                          </p:spTgt>
-                                        </p:tgtEl>
-                                      </p:cBhvr>
-                                    </p:animEffect>
-                                  </p:childTnLst>
-                                </p:cTn>
-                              </p:par>
-                            </p:childTnLst>
-                          </p:cTn>
-                        </p:par>
-                      </p:childTnLst>
-                    </p:cTn>
-                  </p:par>
-                  <p:par>
-                    <p:cTn id="43" fill="hold">
-                      <p:stCondLst>
-                        <p:cond delay="indefinite"/>
-                      </p:stCondLst>
-                      <p:childTnLst>
-                        <p:par>
-                          <p:cTn id="44" fill="hold">
-                            <p:stCondLst>
-                              <p:cond delay="0"/>
-                            </p:stCondLst>
-                            <p:childTnLst>
-                              <p:par>
-                                <p:cTn id="45" presetID="10" presetClass="entr" presetSubtype="0" fill="hold" grpId="0" nodeType="clickEffect">
-                                  <p:stCondLst>
-                                    <p:cond delay="0"/>
-                                  </p:stCondLst>
-                                  <p:childTnLst>
-                                    <p:set>
-                                      <p:cBhvr>
-                                        <p:cTn id="46" dur="1" fill="hold">
-                                          <p:stCondLst>
-                                            <p:cond delay="0"/>
-                                          </p:stCondLst>
-                                        </p:cTn>
-                                        <p:tgtEl>
-                                          <p:spTgt spid="3">
-                                            <p:txEl>
-                                              <p:pRg st="8" end="8"/>
-                                            </p:txEl>
-                                          </p:spTgt>
-                                        </p:tgtEl>
-                                        <p:attrNameLst>
-                                          <p:attrName>style.visibility</p:attrName>
-                                        </p:attrNameLst>
-                                      </p:cBhvr>
-                                      <p:to>
-                                        <p:strVal val="visible"/>
-                                      </p:to>
-                                    </p:set>
-                                    <p:animEffect transition="in" filter="fade">
-                                      <p:cBhvr>
-                                        <p:cTn id="47" dur="500"/>
-                                        <p:tgtEl>
-                                          <p:spTgt spid="3">
-                                            <p:txEl>
-                                              <p:pRg st="8" end="8"/>
-                                            </p:txEl>
-                                          </p:spTgt>
-                                        </p:tgtEl>
-                                      </p:cBhvr>
-                                    </p:animEffect>
-                                  </p:childTnLst>
-                                </p:cTn>
-                              </p:par>
-                            </p:childTnLst>
-                          </p:cTn>
-                        </p:par>
-                      </p:childTnLst>
-                    </p:cTn>
-                  </p:par>
-                  <p:par>
-                    <p:cTn id="48" fill="hold">
-                      <p:stCondLst>
-                        <p:cond delay="indefinite"/>
-                      </p:stCondLst>
-                      <p:childTnLst>
-                        <p:par>
-                          <p:cTn id="49" fill="hold">
-                            <p:stCondLst>
-                              <p:cond delay="0"/>
-                            </p:stCondLst>
-                            <p:childTnLst>
-                              <p:par>
-                                <p:cTn id="50" presetID="10" presetClass="entr" presetSubtype="0" fill="hold" grpId="0" nodeType="clickEffect">
-                                  <p:stCondLst>
-                                    <p:cond delay="0"/>
-                                  </p:stCondLst>
-                                  <p:childTnLst>
-                                    <p:set>
-                                      <p:cBhvr>
-                                        <p:cTn id="51" dur="1" fill="hold">
-                                          <p:stCondLst>
-                                            <p:cond delay="0"/>
-                                          </p:stCondLst>
-                                        </p:cTn>
-                                        <p:tgtEl>
-                                          <p:spTgt spid="3">
-                                            <p:txEl>
-                                              <p:pRg st="9" end="9"/>
-                                            </p:txEl>
-                                          </p:spTgt>
-                                        </p:tgtEl>
-                                        <p:attrNameLst>
-                                          <p:attrName>style.visibility</p:attrName>
-                                        </p:attrNameLst>
-                                      </p:cBhvr>
-                                      <p:to>
-                                        <p:strVal val="visible"/>
-                                      </p:to>
-                                    </p:set>
-                                    <p:animEffect transition="in" filter="fade">
-                                      <p:cBhvr>
-                                        <p:cTn id="52" dur="500"/>
-                                        <p:tgtEl>
-                                          <p:spTgt spid="3">
-                                            <p:txEl>
-                                              <p:pRg st="9" end="9"/>
-                                            </p:txEl>
-                                          </p:spTgt>
-                                        </p:tgtEl>
-                                      </p:cBhvr>
-                                    </p:animEffect>
-                                  </p:childTnLst>
-                                </p:cTn>
-                              </p:par>
-                            </p:childTnLst>
-                          </p:cTn>
-                        </p:par>
-                      </p:childTnLst>
-                    </p:cTn>
-                  </p:par>
-                  <p:par>
-                    <p:cTn id="53" fill="hold">
-                      <p:stCondLst>
-                        <p:cond delay="indefinite"/>
-                      </p:stCondLst>
-                      <p:childTnLst>
-                        <p:par>
-                          <p:cTn id="54" fill="hold">
-                            <p:stCondLst>
-                              <p:cond delay="0"/>
-                            </p:stCondLst>
-                            <p:childTnLst>
-                              <p:par>
-                                <p:cTn id="55" presetID="10" presetClass="entr" presetSubtype="0" fill="hold" grpId="0" nodeType="clickEffect">
-                                  <p:stCondLst>
-                                    <p:cond delay="0"/>
-                                  </p:stCondLst>
-                                  <p:childTnLst>
-                                    <p:set>
-                                      <p:cBhvr>
-                                        <p:cTn id="56" dur="1" fill="hold">
-                                          <p:stCondLst>
-                                            <p:cond delay="0"/>
-                                          </p:stCondLst>
-                                        </p:cTn>
-                                        <p:tgtEl>
-                                          <p:spTgt spid="3">
-                                            <p:txEl>
-                                              <p:pRg st="10" end="10"/>
-                                            </p:txEl>
-                                          </p:spTgt>
-                                        </p:tgtEl>
-                                        <p:attrNameLst>
-                                          <p:attrName>style.visibility</p:attrName>
-                                        </p:attrNameLst>
-                                      </p:cBhvr>
-                                      <p:to>
-                                        <p:strVal val="visible"/>
-                                      </p:to>
-                                    </p:set>
-                                    <p:animEffect transition="in" filter="fade">
-                                      <p:cBhvr>
-                                        <p:cTn id="57" dur="500"/>
-                                        <p:tgtEl>
-                                          <p:spTgt spid="3">
-                                            <p:txEl>
-                                              <p:pRg st="10" end="10"/>
-                                            </p:txEl>
-                                          </p:spTgt>
-                                        </p:tgtEl>
-                                      </p:cBhvr>
-                                    </p:animEffect>
-                                  </p:childTnLst>
-                                </p:cTn>
-                              </p:par>
-                            </p:childTnLst>
-                          </p:cTn>
-                        </p:par>
-                      </p:childTnLst>
-                    </p:cTn>
-                  </p:par>
-                  <p:par>
-                    <p:cTn id="58" fill="hold">
-                      <p:stCondLst>
-                        <p:cond delay="indefinite"/>
-                      </p:stCondLst>
-                      <p:childTnLst>
-                        <p:par>
-                          <p:cTn id="59" fill="hold">
-                            <p:stCondLst>
-                              <p:cond delay="0"/>
-                            </p:stCondLst>
-                            <p:childTnLst>
-                              <p:par>
-                                <p:cTn id="60" presetID="10" presetClass="entr" presetSubtype="0" fill="hold" grpId="0" nodeType="clickEffect">
-                                  <p:stCondLst>
-                                    <p:cond delay="0"/>
-                                  </p:stCondLst>
-                                  <p:childTnLst>
-                                    <p:set>
-                                      <p:cBhvr>
-                                        <p:cTn id="61" dur="1" fill="hold">
-                                          <p:stCondLst>
-                                            <p:cond delay="0"/>
-                                          </p:stCondLst>
-                                        </p:cTn>
-                                        <p:tgtEl>
-                                          <p:spTgt spid="3">
-                                            <p:txEl>
-                                              <p:pRg st="11" end="11"/>
-                                            </p:txEl>
-                                          </p:spTgt>
-                                        </p:tgtEl>
-                                        <p:attrNameLst>
-                                          <p:attrName>style.visibility</p:attrName>
-                                        </p:attrNameLst>
-                                      </p:cBhvr>
-                                      <p:to>
-                                        <p:strVal val="visible"/>
-                                      </p:to>
-                                    </p:set>
-                                    <p:animEffect transition="in" filter="fade">
-                                      <p:cBhvr>
-                                        <p:cTn id="62" dur="500"/>
-                                        <p:tgtEl>
-                                          <p:spTgt spid="3">
-                                            <p:txEl>
-                                              <p:pRg st="11" end="11"/>
-                                            </p:txEl>
-                                          </p:spTgt>
-                                        </p:tgtEl>
-                                      </p:cBhvr>
-                                    </p:animEffect>
-                                  </p:childTnLst>
-                                </p:cTn>
-                              </p:par>
-                            </p:childTnLst>
-                          </p:cTn>
-                        </p:par>
-                      </p:childTnLst>
-                    </p:cTn>
-                  </p:par>
-                </p:childTnLst>
-              </p:cTn>
-              <p:prevCondLst>
-                <p:cond evt="onPrev" delay="0">
-                  <p:tgtEl>
-                    <p:sldTgt/>
-                  </p:tgtEl>
-                </p:cond>
-              </p:prevCondLst>
-              <p:nextCondLst>
-                <p:cond evt="onNext" delay="0">
-                  <p:tgtEl>
-                    <p:sldTgt/>
-                  </p:tgtEl>
-                </p:cond>
-              </p:nextCondLst>
-            </p:seq>
-          </p:childTnLst>
-        </p:cTn>
-      </p:par>
-    </p:tnLst>
-    <p:bldLst>
-      <p:bldP spid="3" grpId="0" uiExpand="1" build="p"/>
-    </p:bldLst>
-  </p:timing>
 </p:sld>
 </file>
 
@@ -13490,7 +12445,7 @@
           <p:cNvPr id="2" name="Title 1">
             <a:extLst>
               <a:ext uri="{FF2B5EF4-FFF2-40B4-BE49-F238E27FC236}">
-                <a16:creationId xmlns:a16="http://schemas.microsoft.com/office/drawing/2014/main" id="{B6E31774-A0BE-4C8D-AD0E-C92BC02F1D50}"/>
+                <a16:creationId xmlns:a16="http://schemas.microsoft.com/office/drawing/2014/main" xmlns="" id="{B6E31774-A0BE-4C8D-AD0E-C92BC02F1D50}"/>
               </a:ext>
             </a:extLst>
           </p:cNvPr>
@@ -13507,9 +12462,10 @@
           <a:lstStyle/>
           <a:p>
             <a:r>
-              <a:rPr lang="en-US" dirty="0"/>
-              <a:t>Disproof By Counter-example</a:t>
-            </a:r>
+              <a:rPr lang="en-US" dirty="0" smtClean="0"/>
+              <a:t>Mathematical induction</a:t>
+            </a:r>
+            <a:endParaRPr lang="en-US" dirty="0"/>
           </a:p>
         </p:txBody>
       </p:sp>
@@ -13518,7 +12474,7 @@
           <p:cNvPr id="3" name="Content Placeholder 2">
             <a:extLst>
               <a:ext uri="{FF2B5EF4-FFF2-40B4-BE49-F238E27FC236}">
-                <a16:creationId xmlns:a16="http://schemas.microsoft.com/office/drawing/2014/main" id="{EEC8D7A8-FA21-4A66-B7B8-BCE9333560DD}"/>
+                <a16:creationId xmlns:a16="http://schemas.microsoft.com/office/drawing/2014/main" xmlns="" id="{EEC8D7A8-FA21-4A66-B7B8-BCE9333560DD}"/>
               </a:ext>
             </a:extLst>
           </p:cNvPr>
@@ -13535,42 +12491,44 @@
           <a:lstStyle/>
           <a:p>
             <a:r>
-              <a:rPr lang="en-US" dirty="0"/>
-              <a:t>While proofs can be extremely complicated (Induction, Deduction, Contraposition, </a:t>
-            </a:r>
-            <a:r>
-              <a:rPr lang="en-US" dirty="0" err="1"/>
-              <a:t>etc</a:t>
-            </a:r>
-            <a:r>
-              <a:rPr lang="en-US" dirty="0"/>
-              <a:t>), disproof is easiest done by counter-example</a:t>
-            </a:r>
-          </a:p>
-          <a:p>
-            <a:r>
-              <a:rPr lang="en-US" dirty="0"/>
-              <a:t>When theorems claim to be universal (always true), all you have to do is find one counter-example.</a:t>
-            </a:r>
-          </a:p>
-          <a:p>
-            <a:r>
-              <a:rPr lang="en-US" dirty="0"/>
-              <a:t>Should be obvious</a:t>
-            </a:r>
-          </a:p>
-          <a:p>
-            <a:r>
-              <a:rPr lang="en-US" dirty="0"/>
-              <a:t>“There are no even prime numbers”</a:t>
+              <a:rPr lang="en-US" dirty="0" smtClean="0"/>
+              <a:t>Not necessarily a proof method, but a tool</a:t>
+            </a:r>
+            <a:endParaRPr lang="en-US" dirty="0"/>
+          </a:p>
+          <a:p>
+            <a:r>
+              <a:rPr lang="en-US" dirty="0" smtClean="0"/>
+              <a:t>3 Steps</a:t>
             </a:r>
           </a:p>
           <a:p>
             <a:pPr lvl="1"/>
             <a:r>
-              <a:rPr lang="en-US" dirty="0"/>
-              <a:t>2!</a:t>
-            </a:r>
+              <a:rPr lang="en-US" dirty="0" smtClean="0"/>
+              <a:t>Base Case: The first case can be proven true</a:t>
+            </a:r>
+          </a:p>
+          <a:p>
+            <a:pPr lvl="1"/>
+            <a:r>
+              <a:rPr lang="en-US" dirty="0" smtClean="0"/>
+              <a:t>Inductive Hypothesis: Assuming it’s true for k, show k + 1 is true</a:t>
+            </a:r>
+          </a:p>
+          <a:p>
+            <a:pPr lvl="1"/>
+            <a:r>
+              <a:rPr lang="en-US" dirty="0" smtClean="0"/>
+              <a:t>Conclusion: Every n is true</a:t>
+            </a:r>
+          </a:p>
+          <a:p>
+            <a:r>
+              <a:rPr lang="en-US" dirty="0" smtClean="0"/>
+              <a:t>Personally, it makes more logical sense to think of it by the second step first</a:t>
+            </a:r>
+            <a:endParaRPr lang="en-US" dirty="0"/>
           </a:p>
           <a:p>
             <a:endParaRPr lang="en-US" dirty="0"/>
@@ -13711,33 +12669,15 @@
                                   </p:childTnLst>
                                 </p:cTn>
                               </p:par>
-                            </p:childTnLst>
-                          </p:cTn>
-                        </p:par>
-                      </p:childTnLst>
-                    </p:cTn>
-                  </p:par>
-                  <p:par>
-                    <p:cTn id="13" fill="hold">
-                      <p:stCondLst>
-                        <p:cond delay="indefinite"/>
-                      </p:stCondLst>
-                      <p:childTnLst>
-                        <p:par>
-                          <p:cTn id="14" fill="hold">
-                            <p:stCondLst>
-                              <p:cond delay="0"/>
-                            </p:stCondLst>
-                            <p:childTnLst>
                               <p:par>
-                                <p:cTn id="15" presetID="10" presetClass="entr" presetSubtype="0" fill="hold" grpId="0" nodeType="clickEffect">
+                                <p:cTn id="13" presetID="10" presetClass="entr" presetSubtype="0" fill="hold" grpId="0" nodeType="withEffect">
                                   <p:stCondLst>
                                     <p:cond delay="0"/>
                                   </p:stCondLst>
                                   <p:childTnLst>
                                     <p:set>
                                       <p:cBhvr>
-                                        <p:cTn id="16" dur="1" fill="hold">
+                                        <p:cTn id="14" dur="1" fill="hold">
                                           <p:stCondLst>
                                             <p:cond delay="0"/>
                                           </p:stCondLst>
@@ -13759,7 +12699,7 @@
                                     </p:set>
                                     <p:animEffect transition="in" filter="fade">
                                       <p:cBhvr>
-                                        <p:cTn id="17" dur="500"/>
+                                        <p:cTn id="15" dur="500"/>
                                         <p:tgtEl>
                                           <p:spTgt spid="3">
                                             <p:txEl>
@@ -13772,33 +12712,15 @@
                                   </p:childTnLst>
                                 </p:cTn>
                               </p:par>
-                            </p:childTnLst>
-                          </p:cTn>
-                        </p:par>
-                      </p:childTnLst>
-                    </p:cTn>
-                  </p:par>
-                  <p:par>
-                    <p:cTn id="18" fill="hold">
-                      <p:stCondLst>
-                        <p:cond delay="indefinite"/>
-                      </p:stCondLst>
-                      <p:childTnLst>
-                        <p:par>
-                          <p:cTn id="19" fill="hold">
-                            <p:stCondLst>
-                              <p:cond delay="0"/>
-                            </p:stCondLst>
-                            <p:childTnLst>
                               <p:par>
-                                <p:cTn id="20" presetID="10" presetClass="entr" presetSubtype="0" fill="hold" grpId="0" nodeType="clickEffect">
+                                <p:cTn id="16" presetID="10" presetClass="entr" presetSubtype="0" fill="hold" grpId="0" nodeType="withEffect">
                                   <p:stCondLst>
                                     <p:cond delay="0"/>
                                   </p:stCondLst>
                                   <p:childTnLst>
                                     <p:set>
                                       <p:cBhvr>
-                                        <p:cTn id="21" dur="1" fill="hold">
+                                        <p:cTn id="17" dur="1" fill="hold">
                                           <p:stCondLst>
                                             <p:cond delay="0"/>
                                           </p:stCondLst>
@@ -13820,7 +12742,7 @@
                                     </p:set>
                                     <p:animEffect transition="in" filter="fade">
                                       <p:cBhvr>
-                                        <p:cTn id="22" dur="500"/>
+                                        <p:cTn id="18" dur="500"/>
                                         <p:tgtEl>
                                           <p:spTgt spid="3">
                                             <p:txEl>
@@ -13833,33 +12755,15 @@
                                   </p:childTnLst>
                                 </p:cTn>
                               </p:par>
-                            </p:childTnLst>
-                          </p:cTn>
-                        </p:par>
-                      </p:childTnLst>
-                    </p:cTn>
-                  </p:par>
-                  <p:par>
-                    <p:cTn id="23" fill="hold">
-                      <p:stCondLst>
-                        <p:cond delay="indefinite"/>
-                      </p:stCondLst>
-                      <p:childTnLst>
-                        <p:par>
-                          <p:cTn id="24" fill="hold">
-                            <p:stCondLst>
-                              <p:cond delay="0"/>
-                            </p:stCondLst>
-                            <p:childTnLst>
                               <p:par>
-                                <p:cTn id="25" presetID="10" presetClass="entr" presetSubtype="0" fill="hold" grpId="0" nodeType="clickEffect">
+                                <p:cTn id="19" presetID="10" presetClass="entr" presetSubtype="0" fill="hold" grpId="0" nodeType="withEffect">
                                   <p:stCondLst>
                                     <p:cond delay="0"/>
                                   </p:stCondLst>
                                   <p:childTnLst>
                                     <p:set>
                                       <p:cBhvr>
-                                        <p:cTn id="26" dur="1" fill="hold">
+                                        <p:cTn id="20" dur="1" fill="hold">
                                           <p:stCondLst>
                                             <p:cond delay="0"/>
                                           </p:stCondLst>
@@ -13881,11 +12785,72 @@
                                     </p:set>
                                     <p:animEffect transition="in" filter="fade">
                                       <p:cBhvr>
-                                        <p:cTn id="27" dur="500"/>
+                                        <p:cTn id="21" dur="500"/>
                                         <p:tgtEl>
                                           <p:spTgt spid="3">
                                             <p:txEl>
                                               <p:pRg st="4" end="4"/>
+                                            </p:txEl>
+                                          </p:spTgt>
+                                        </p:tgtEl>
+                                      </p:cBhvr>
+                                    </p:animEffect>
+                                  </p:childTnLst>
+                                </p:cTn>
+                              </p:par>
+                            </p:childTnLst>
+                          </p:cTn>
+                        </p:par>
+                      </p:childTnLst>
+                    </p:cTn>
+                  </p:par>
+                  <p:par>
+                    <p:cTn id="22" fill="hold">
+                      <p:stCondLst>
+                        <p:cond delay="indefinite"/>
+                      </p:stCondLst>
+                      <p:childTnLst>
+                        <p:par>
+                          <p:cTn id="23" fill="hold">
+                            <p:stCondLst>
+                              <p:cond delay="0"/>
+                            </p:stCondLst>
+                            <p:childTnLst>
+                              <p:par>
+                                <p:cTn id="24" presetID="10" presetClass="entr" presetSubtype="0" fill="hold" grpId="0" nodeType="clickEffect">
+                                  <p:stCondLst>
+                                    <p:cond delay="0"/>
+                                  </p:stCondLst>
+                                  <p:childTnLst>
+                                    <p:set>
+                                      <p:cBhvr>
+                                        <p:cTn id="25" dur="1" fill="hold">
+                                          <p:stCondLst>
+                                            <p:cond delay="0"/>
+                                          </p:stCondLst>
+                                        </p:cTn>
+                                        <p:tgtEl>
+                                          <p:spTgt spid="3">
+                                            <p:txEl>
+                                              <p:pRg st="5" end="5"/>
+                                            </p:txEl>
+                                          </p:spTgt>
+                                        </p:tgtEl>
+                                        <p:attrNameLst>
+                                          <p:attrName>style.visibility</p:attrName>
+                                        </p:attrNameLst>
+                                      </p:cBhvr>
+                                      <p:to>
+                                        <p:strVal val="visible"/>
+                                      </p:to>
+                                    </p:set>
+                                    <p:animEffect transition="in" filter="fade">
+                                      <p:cBhvr>
+                                        <p:cTn id="26" dur="500"/>
+                                        <p:tgtEl>
+                                          <p:spTgt spid="3">
+                                            <p:txEl>
+                                              <p:pRg st="5" end="5"/>
                                             </p:txEl>
                                           </p:spTgt>
                                         </p:tgtEl>
@@ -13950,7 +12915,7 @@
           <p:cNvPr id="2" name="Title 1">
             <a:extLst>
               <a:ext uri="{FF2B5EF4-FFF2-40B4-BE49-F238E27FC236}">
-                <a16:creationId xmlns:a16="http://schemas.microsoft.com/office/drawing/2014/main" id="{5E33DB74-9F27-446C-86D6-EBF79D4DA45B}"/>
+                <a16:creationId xmlns:a16="http://schemas.microsoft.com/office/drawing/2014/main" xmlns="" id="{B6E31774-A0BE-4C8D-AD0E-C92BC02F1D50}"/>
               </a:ext>
             </a:extLst>
           </p:cNvPr>
@@ -13967,9 +12932,10 @@
           <a:lstStyle/>
           <a:p>
             <a:r>
-              <a:rPr lang="en-US" dirty="0"/>
-              <a:t>Disproof by counter-example  ∀ ∃</a:t>
-            </a:r>
+              <a:rPr lang="en-US" dirty="0" smtClean="0"/>
+              <a:t>Mathematical induction Example #1</a:t>
+            </a:r>
+            <a:endParaRPr lang="en-US" dirty="0"/>
           </a:p>
         </p:txBody>
       </p:sp>
@@ -13978,7 +12944,7 @@
           <p:cNvPr id="3" name="Content Placeholder 2">
             <a:extLst>
               <a:ext uri="{FF2B5EF4-FFF2-40B4-BE49-F238E27FC236}">
-                <a16:creationId xmlns:a16="http://schemas.microsoft.com/office/drawing/2014/main" id="{C171C049-D7B1-4969-83D1-B19B510F04B6}"/>
+                <a16:creationId xmlns:a16="http://schemas.microsoft.com/office/drawing/2014/main" xmlns="" id="{EEC8D7A8-FA21-4A66-B7B8-BCE9333560DD}"/>
               </a:ext>
             </a:extLst>
           </p:cNvPr>
@@ -13991,134 +12957,52 @@
         </p:nvSpPr>
         <p:spPr/>
         <p:txBody>
-          <a:bodyPr>
-            <a:normAutofit lnSpcReduction="10000"/>
-          </a:bodyPr>
+          <a:bodyPr/>
           <a:lstStyle/>
           <a:p>
             <a:r>
-              <a:rPr lang="en-US" dirty="0"/>
-              <a:t>∀</a:t>
-            </a:r>
-            <a:r>
-              <a:rPr lang="en-US" dirty="0" err="1"/>
-              <a:t>x∀y</a:t>
-            </a:r>
-            <a:r>
-              <a:rPr lang="en-US" dirty="0"/>
-              <a:t>[b</a:t>
-            </a:r>
-            <a:r>
-              <a:rPr lang="en-US" baseline="30000" dirty="0"/>
-              <a:t>2</a:t>
-            </a:r>
-            <a:r>
-              <a:rPr lang="en-US" dirty="0"/>
-              <a:t> &gt; a</a:t>
-            </a:r>
-            <a:r>
-              <a:rPr lang="en-US" baseline="30000" dirty="0"/>
-              <a:t>2</a:t>
-            </a:r>
-            <a:r>
-              <a:rPr lang="en-US" dirty="0"/>
-              <a:t> -&gt; b &gt; a]</a:t>
+              <a:rPr lang="en-US" dirty="0" smtClean="0"/>
+              <a:t>Show 1 + 2 + … + n = (n(n+1))/2</a:t>
+            </a:r>
+            <a:endParaRPr lang="en-US" dirty="0"/>
+          </a:p>
+          <a:p>
+            <a:r>
+              <a:rPr lang="en-US" dirty="0" smtClean="0"/>
+              <a:t>Base Case: Assume n = 1</a:t>
             </a:r>
           </a:p>
           <a:p>
             <a:pPr lvl="1"/>
             <a:r>
-              <a:rPr lang="en-US" dirty="0"/>
-              <a:t>b = -6, a = 5</a:t>
+              <a:rPr lang="en-US" dirty="0" smtClean="0"/>
+              <a:t>1 = (1(1+1))/2</a:t>
             </a:r>
           </a:p>
           <a:p>
             <a:pPr lvl="1"/>
             <a:r>
-              <a:rPr lang="en-US" dirty="0"/>
-              <a:t>-6</a:t>
-            </a:r>
-            <a:r>
-              <a:rPr lang="en-US" baseline="30000" dirty="0"/>
-              <a:t>2</a:t>
-            </a:r>
-            <a:r>
-              <a:rPr lang="en-US" dirty="0"/>
-              <a:t> &gt; 5</a:t>
-            </a:r>
-            <a:r>
-              <a:rPr lang="en-US" baseline="30000" dirty="0"/>
-              <a:t>2</a:t>
-            </a:r>
-            <a:r>
-              <a:rPr lang="en-US" dirty="0"/>
-              <a:t> -&gt; -6 &gt; 5</a:t>
+              <a:rPr lang="en-US" dirty="0" smtClean="0"/>
+              <a:t>1 = 2/2</a:t>
             </a:r>
           </a:p>
           <a:p>
             <a:pPr lvl="1"/>
             <a:r>
-              <a:rPr lang="en-US" dirty="0"/>
-              <a:t>False!  (P -&gt; Q: P is true but Q is false)</a:t>
-            </a:r>
-          </a:p>
-          <a:p>
-            <a:r>
-              <a:rPr lang="en-US" dirty="0"/>
-              <a:t>∀</a:t>
-            </a:r>
-            <a:r>
-              <a:rPr lang="en-US" dirty="0" err="1"/>
-              <a:t>x∀y∀z</a:t>
-            </a:r>
-            <a:r>
-              <a:rPr lang="en-US" dirty="0"/>
-              <a:t>[(x &gt; y) -&gt; (</a:t>
-            </a:r>
-            <a:r>
-              <a:rPr lang="en-US" dirty="0" err="1"/>
-              <a:t>xz</a:t>
-            </a:r>
-            <a:r>
-              <a:rPr lang="en-US" dirty="0"/>
-              <a:t> &gt; </a:t>
-            </a:r>
-            <a:r>
-              <a:rPr lang="en-US" dirty="0" err="1"/>
-              <a:t>yz</a:t>
-            </a:r>
-            <a:r>
-              <a:rPr lang="en-US" dirty="0"/>
-              <a:t>)]</a:t>
-            </a:r>
-          </a:p>
-          <a:p>
-            <a:pPr lvl="1"/>
-            <a:r>
-              <a:rPr lang="en-US" dirty="0"/>
-              <a:t>x = 5, y = -5, z = -1</a:t>
-            </a:r>
-          </a:p>
-          <a:p>
-            <a:pPr lvl="1"/>
-            <a:r>
-              <a:rPr lang="en-US" dirty="0"/>
-              <a:t>(5 &gt; -5) -&gt; (5*-1 &gt; -5 * -1)</a:t>
-            </a:r>
-          </a:p>
-          <a:p>
-            <a:pPr lvl="1"/>
-            <a:r>
-              <a:rPr lang="en-US" dirty="0"/>
-              <a:t>False! (P -&gt; Q: P is true but Q is false)</a:t>
-            </a:r>
+              <a:rPr lang="en-US" dirty="0" smtClean="0"/>
+              <a:t>1 = 1  Base Case is true!</a:t>
+            </a:r>
+            <a:endParaRPr lang="en-US" dirty="0"/>
+          </a:p>
+          <a:p>
+            <a:endParaRPr lang="en-US" dirty="0"/>
           </a:p>
         </p:txBody>
       </p:sp>
     </p:spTree>
     <p:extLst>
       <p:ext uri="{BB962C8B-B14F-4D97-AF65-F5344CB8AC3E}">
-        <p14:creationId xmlns:p14="http://schemas.microsoft.com/office/powerpoint/2010/main" val="2989790756"/>
+        <p14:creationId xmlns:p14="http://schemas.microsoft.com/office/powerpoint/2010/main" val="2261019219"/>
       </p:ext>
     </p:extLst>
   </p:cSld>
@@ -14249,33 +13133,15 @@
                                   </p:childTnLst>
                                 </p:cTn>
                               </p:par>
-                            </p:childTnLst>
-                          </p:cTn>
-                        </p:par>
-                      </p:childTnLst>
-                    </p:cTn>
-                  </p:par>
-                  <p:par>
-                    <p:cTn id="13" fill="hold">
-                      <p:stCondLst>
-                        <p:cond delay="indefinite"/>
-                      </p:stCondLst>
-                      <p:childTnLst>
-                        <p:par>
-                          <p:cTn id="14" fill="hold">
-                            <p:stCondLst>
-                              <p:cond delay="0"/>
-                            </p:stCondLst>
-                            <p:childTnLst>
                               <p:par>
-                                <p:cTn id="15" presetID="10" presetClass="entr" presetSubtype="0" fill="hold" grpId="0" nodeType="clickEffect">
+                                <p:cTn id="13" presetID="10" presetClass="entr" presetSubtype="0" fill="hold" grpId="0" nodeType="withEffect">
                                   <p:stCondLst>
                                     <p:cond delay="0"/>
                                   </p:stCondLst>
                                   <p:childTnLst>
                                     <p:set>
                                       <p:cBhvr>
-                                        <p:cTn id="16" dur="1" fill="hold">
+                                        <p:cTn id="14" dur="1" fill="hold">
                                           <p:stCondLst>
                                             <p:cond delay="0"/>
                                           </p:stCondLst>
@@ -14297,7 +13163,7 @@
                                     </p:set>
                                     <p:animEffect transition="in" filter="fade">
                                       <p:cBhvr>
-                                        <p:cTn id="17" dur="500"/>
+                                        <p:cTn id="15" dur="500"/>
                                         <p:tgtEl>
                                           <p:spTgt spid="3">
                                             <p:txEl>
@@ -14310,33 +13176,15 @@
                                   </p:childTnLst>
                                 </p:cTn>
                               </p:par>
-                            </p:childTnLst>
-                          </p:cTn>
-                        </p:par>
-                      </p:childTnLst>
-                    </p:cTn>
-                  </p:par>
-                  <p:par>
-                    <p:cTn id="18" fill="hold">
-                      <p:stCondLst>
-                        <p:cond delay="indefinite"/>
-                      </p:stCondLst>
-                      <p:childTnLst>
-                        <p:par>
-                          <p:cTn id="19" fill="hold">
-                            <p:stCondLst>
-                              <p:cond delay="0"/>
-                            </p:stCondLst>
-                            <p:childTnLst>
                               <p:par>
-                                <p:cTn id="20" presetID="10" presetClass="entr" presetSubtype="0" fill="hold" grpId="0" nodeType="clickEffect">
+                                <p:cTn id="16" presetID="10" presetClass="entr" presetSubtype="0" fill="hold" grpId="0" nodeType="withEffect">
                                   <p:stCondLst>
                                     <p:cond delay="0"/>
                                   </p:stCondLst>
                                   <p:childTnLst>
                                     <p:set>
                                       <p:cBhvr>
-                                        <p:cTn id="21" dur="1" fill="hold">
+                                        <p:cTn id="17" dur="1" fill="hold">
                                           <p:stCondLst>
                                             <p:cond delay="0"/>
                                           </p:stCondLst>
@@ -14358,7 +13206,7 @@
                                     </p:set>
                                     <p:animEffect transition="in" filter="fade">
                                       <p:cBhvr>
-                                        <p:cTn id="22" dur="500"/>
+                                        <p:cTn id="18" dur="500"/>
                                         <p:tgtEl>
                                           <p:spTgt spid="3">
                                             <p:txEl>
@@ -14371,33 +13219,15 @@
                                   </p:childTnLst>
                                 </p:cTn>
                               </p:par>
-                            </p:childTnLst>
-                          </p:cTn>
-                        </p:par>
-                      </p:childTnLst>
-                    </p:cTn>
-                  </p:par>
-                  <p:par>
-                    <p:cTn id="23" fill="hold">
-                      <p:stCondLst>
-                        <p:cond delay="indefinite"/>
-                      </p:stCondLst>
-                      <p:childTnLst>
-                        <p:par>
-                          <p:cTn id="24" fill="hold">
-                            <p:stCondLst>
-                              <p:cond delay="0"/>
-                            </p:stCondLst>
-                            <p:childTnLst>
                               <p:par>
-                                <p:cTn id="25" presetID="10" presetClass="entr" presetSubtype="0" fill="hold" grpId="0" nodeType="clickEffect">
+                                <p:cTn id="19" presetID="10" presetClass="entr" presetSubtype="0" fill="hold" grpId="0" nodeType="withEffect">
                                   <p:stCondLst>
                                     <p:cond delay="0"/>
                                   </p:stCondLst>
                                   <p:childTnLst>
                                     <p:set>
                                       <p:cBhvr>
-                                        <p:cTn id="26" dur="1" fill="hold">
+                                        <p:cTn id="20" dur="1" fill="hold">
                                           <p:stCondLst>
                                             <p:cond delay="0"/>
                                           </p:stCondLst>
@@ -14419,194 +13249,11 @@
                                     </p:set>
                                     <p:animEffect transition="in" filter="fade">
                                       <p:cBhvr>
-                                        <p:cTn id="27" dur="500"/>
+                                        <p:cTn id="21" dur="500"/>
                                         <p:tgtEl>
                                           <p:spTgt spid="3">
                                             <p:txEl>
                                               <p:pRg st="4" end="4"/>
-                                            </p:txEl>
-                                          </p:spTgt>
-                                        </p:tgtEl>
-                                      </p:cBhvr>
-                                    </p:animEffect>
-                                  </p:childTnLst>
-                                </p:cTn>
-                              </p:par>
-                            </p:childTnLst>
-                          </p:cTn>
-                        </p:par>
-                      </p:childTnLst>
-                    </p:cTn>
-                  </p:par>
-                  <p:par>
-                    <p:cTn id="28" fill="hold">
-                      <p:stCondLst>
-                        <p:cond delay="indefinite"/>
-                      </p:stCondLst>
-                      <p:childTnLst>
-                        <p:par>
-                          <p:cTn id="29" fill="hold">
-                            <p:stCondLst>
-                              <p:cond delay="0"/>
-                            </p:stCondLst>
-                            <p:childTnLst>
-                              <p:par>
-                                <p:cTn id="30" presetID="10" presetClass="entr" presetSubtype="0" fill="hold" grpId="0" nodeType="clickEffect">
-                                  <p:stCondLst>
-                                    <p:cond delay="0"/>
-                                  </p:stCondLst>
-                                  <p:childTnLst>
-                                    <p:set>
-                                      <p:cBhvr>
-                                        <p:cTn id="31" dur="1" fill="hold">
-                                          <p:stCondLst>
-                                            <p:cond delay="0"/>
-                                          </p:stCondLst>
-                                        </p:cTn>
-                                        <p:tgtEl>
-                                          <p:spTgt spid="3">
-                                            <p:txEl>
-                                              <p:pRg st="5" end="5"/>
-                                            </p:txEl>
-                                          </p:spTgt>
-                                        </p:tgtEl>
-                                        <p:attrNameLst>
-                                          <p:attrName>style.visibility</p:attrName>
-                                        </p:attrNameLst>
-                                      </p:cBhvr>
-                                      <p:to>
-                                        <p:strVal val="visible"/>
-                                      </p:to>
-                                    </p:set>
-                                    <p:animEffect transition="in" filter="fade">
-                                      <p:cBhvr>
-                                        <p:cTn id="32" dur="500"/>
-                                        <p:tgtEl>
-                                          <p:spTgt spid="3">
-                                            <p:txEl>
-                                              <p:pRg st="5" end="5"/>
-                                            </p:txEl>
-                                          </p:spTgt>
-                                        </p:tgtEl>
-                                      </p:cBhvr>
-                                    </p:animEffect>
-                                  </p:childTnLst>
-                                </p:cTn>
-                              </p:par>
-                            </p:childTnLst>
-                          </p:cTn>
-                        </p:par>
-                      </p:childTnLst>
-                    </p:cTn>
-                  </p:par>
-                  <p:par>
-                    <p:cTn id="33" fill="hold">
-                      <p:stCondLst>
-                        <p:cond delay="indefinite"/>
-                      </p:stCondLst>
-                      <p:childTnLst>
-                        <p:par>
-                          <p:cTn id="34" fill="hold">
-                            <p:stCondLst>
-                              <p:cond delay="0"/>
-                            </p:stCondLst>
-                            <p:childTnLst>
-                              <p:par>
-                                <p:cTn id="35" presetID="10" presetClass="entr" presetSubtype="0" fill="hold" grpId="0" nodeType="clickEffect">
-                                  <p:stCondLst>
-                                    <p:cond delay="0"/>
-                                  </p:stCondLst>
-                                  <p:childTnLst>
-                                    <p:set>
-                                      <p:cBhvr>
-                                        <p:cTn id="36" dur="1" fill="hold">
-                                          <p:stCondLst>
-                                            <p:cond delay="0"/>
-                                          </p:stCondLst>
-                                        </p:cTn>
-                                        <p:tgtEl>
-                                          <p:spTgt spid="3">
-                                            <p:txEl>
-                                              <p:pRg st="6" end="6"/>
-                                            </p:txEl>
-                                          </p:spTgt>
-                                        </p:tgtEl>
-                                        <p:attrNameLst>
-                                          <p:attrName>style.visibility</p:attrName>
-                                        </p:attrNameLst>
-                                      </p:cBhvr>
-                                      <p:to>
-                                        <p:strVal val="visible"/>
-                                      </p:to>
-                                    </p:set>
-                                    <p:animEffect transition="in" filter="fade">
-                                      <p:cBhvr>
-                                        <p:cTn id="37" dur="500"/>
-                                        <p:tgtEl>
-                                          <p:spTgt spid="3">
-                                            <p:txEl>
-                                              <p:pRg st="6" end="6"/>
-                                            </p:txEl>
-                                          </p:spTgt>
-                                        </p:tgtEl>
-                                      </p:cBhvr>
-                                    </p:animEffect>
-                                  </p:childTnLst>
-                                </p:cTn>
-                              </p:par>
-                            </p:childTnLst>
-                          </p:cTn>
-                        </p:par>
-                      </p:childTnLst>
-                    </p:cTn>
-                  </p:par>
-                  <p:par>
-                    <p:cTn id="38" fill="hold">
-                      <p:stCondLst>
-                        <p:cond delay="indefinite"/>
-                      </p:stCondLst>
-                      <p:childTnLst>
-                        <p:par>
-                          <p:cTn id="39" fill="hold">
-                            <p:stCondLst>
-                              <p:cond delay="0"/>
-                            </p:stCondLst>
-                            <p:childTnLst>
-                              <p:par>
-                                <p:cTn id="40" presetID="10" presetClass="entr" presetSubtype="0" fill="hold" grpId="0" nodeType="clickEffect">
-                                  <p:stCondLst>
-                                    <p:cond delay="0"/>
-                                  </p:stCondLst>
-                                  <p:childTnLst>
-                                    <p:set>
-                                      <p:cBhvr>
-                                        <p:cTn id="41" dur="1" fill="hold">
-                                          <p:stCondLst>
-                                            <p:cond delay="0"/>
-                                          </p:stCondLst>
-                                        </p:cTn>
-                                        <p:tgtEl>
-                                          <p:spTgt spid="3">
-                                            <p:txEl>
-                                              <p:pRg st="7" end="7"/>
-                                            </p:txEl>
-                                          </p:spTgt>
-                                        </p:tgtEl>
-                                        <p:attrNameLst>
-                                          <p:attrName>style.visibility</p:attrName>
-                                        </p:attrNameLst>
-                                      </p:cBhvr>
-                                      <p:to>
-                                        <p:strVal val="visible"/>
-                                      </p:to>
-                                    </p:set>
-                                    <p:animEffect transition="in" filter="fade">
-                                      <p:cBhvr>
-                                        <p:cTn id="42" dur="500"/>
-                                        <p:tgtEl>
-                                          <p:spTgt spid="3">
-                                            <p:txEl>
-                                              <p:pRg st="7" end="7"/>
                                             </p:txEl>
                                           </p:spTgt>
                                         </p:tgtEl>
@@ -14643,7 +13290,7 @@
       </p:par>
     </p:tnLst>
     <p:bldLst>
-      <p:bldP spid="3" grpId="0" uiExpand="1" build="p"/>
+      <p:bldP spid="3" grpId="0" build="p"/>
     </p:bldLst>
   </p:timing>
 </p:sld>
@@ -14671,7 +13318,7 @@
           <p:cNvPr id="2" name="Title 1">
             <a:extLst>
               <a:ext uri="{FF2B5EF4-FFF2-40B4-BE49-F238E27FC236}">
-                <a16:creationId xmlns:a16="http://schemas.microsoft.com/office/drawing/2014/main" id="{3DC08475-DED3-4E8B-AB50-9355500121B7}"/>
+                <a16:creationId xmlns:a16="http://schemas.microsoft.com/office/drawing/2014/main" xmlns="" id="{B6E31774-A0BE-4C8D-AD0E-C92BC02F1D50}"/>
               </a:ext>
             </a:extLst>
           </p:cNvPr>
@@ -14688,9 +13335,10 @@
           <a:lstStyle/>
           <a:p>
             <a:r>
-              <a:rPr lang="en-US" dirty="0"/>
-              <a:t>Exhaustive Proofs ∀ ∃</a:t>
-            </a:r>
+              <a:rPr lang="en-US" dirty="0" smtClean="0"/>
+              <a:t>Mathematical induction Example #1</a:t>
+            </a:r>
+            <a:endParaRPr lang="en-US" dirty="0"/>
           </a:p>
         </p:txBody>
       </p:sp>
@@ -14699,7 +13347,775 @@
           <p:cNvPr id="3" name="Content Placeholder 2">
             <a:extLst>
               <a:ext uri="{FF2B5EF4-FFF2-40B4-BE49-F238E27FC236}">
-                <a16:creationId xmlns:a16="http://schemas.microsoft.com/office/drawing/2014/main" id="{B6A7ECDD-09B7-45D7-B379-2E4101C1E9E5}"/>
+                <a16:creationId xmlns:a16="http://schemas.microsoft.com/office/drawing/2014/main" xmlns="" id="{EEC8D7A8-FA21-4A66-B7B8-BCE9333560DD}"/>
+              </a:ext>
+            </a:extLst>
+          </p:cNvPr>
+          <p:cNvSpPr>
+            <a:spLocks noGrp="1"/>
+          </p:cNvSpPr>
+          <p:nvPr>
+            <p:ph idx="1"/>
+          </p:nvPr>
+        </p:nvSpPr>
+        <p:spPr>
+          <a:xfrm>
+            <a:off x="1141412" y="2249487"/>
+            <a:ext cx="9905999" cy="3978318"/>
+          </a:xfrm>
+        </p:spPr>
+        <p:txBody>
+          <a:bodyPr>
+            <a:normAutofit fontScale="85000" lnSpcReduction="20000"/>
+          </a:bodyPr>
+          <a:lstStyle/>
+          <a:p>
+            <a:r>
+              <a:rPr lang="en-US" dirty="0"/>
+              <a:t>Inductive Hypothesis: Assume true for k</a:t>
+            </a:r>
+          </a:p>
+          <a:p>
+            <a:pPr lvl="1"/>
+            <a:r>
+              <a:rPr lang="en-US" dirty="0"/>
+              <a:t>Show k + 1 is true</a:t>
+            </a:r>
+          </a:p>
+          <a:p>
+            <a:r>
+              <a:rPr lang="en-US" dirty="0" smtClean="0"/>
+              <a:t>1 + 2 + … + k + (k+1) = [(k+1)((k+1)+1)] / 2</a:t>
+            </a:r>
+          </a:p>
+          <a:p>
+            <a:r>
+              <a:rPr lang="en-US" dirty="0" smtClean="0"/>
+              <a:t>If we assume that it is true for (1 + 2 +…+k) then we can plug it in:</a:t>
+            </a:r>
+          </a:p>
+          <a:p>
+            <a:pPr lvl="1"/>
+            <a:r>
+              <a:rPr lang="en-US" dirty="0" smtClean="0"/>
+              <a:t>[k(k+1)]/2 + (k +1) = [(k+1)((k+2))] / 2</a:t>
+            </a:r>
+          </a:p>
+          <a:p>
+            <a:pPr lvl="1"/>
+            <a:r>
+              <a:rPr lang="en-US" dirty="0" smtClean="0"/>
+              <a:t>([k</a:t>
+            </a:r>
+            <a:r>
+              <a:rPr lang="en-US" baseline="30000" dirty="0" smtClean="0"/>
+              <a:t>2</a:t>
+            </a:r>
+            <a:r>
+              <a:rPr lang="en-US" dirty="0" smtClean="0"/>
+              <a:t> + k]/2) + ([2k +2]/2) = [</a:t>
+            </a:r>
+            <a:r>
+              <a:rPr lang="en-US" dirty="0"/>
+              <a:t>k</a:t>
+            </a:r>
+            <a:r>
+              <a:rPr lang="en-US" baseline="30000" dirty="0"/>
+              <a:t>2</a:t>
+            </a:r>
+            <a:r>
+              <a:rPr lang="en-US" dirty="0" smtClean="0"/>
+              <a:t> +3k + 2] / 2</a:t>
+            </a:r>
+          </a:p>
+          <a:p>
+            <a:pPr lvl="1"/>
+            <a:r>
+              <a:rPr lang="en-US" dirty="0" smtClean="0"/>
+              <a:t>(k</a:t>
+            </a:r>
+            <a:r>
+              <a:rPr lang="en-US" baseline="30000" dirty="0" smtClean="0"/>
+              <a:t>2 </a:t>
+            </a:r>
+            <a:r>
+              <a:rPr lang="en-US" dirty="0" smtClean="0"/>
+              <a:t>+ 3k + 2) / 2 = </a:t>
+            </a:r>
+            <a:r>
+              <a:rPr lang="en-US" dirty="0"/>
+              <a:t>(k</a:t>
+            </a:r>
+            <a:r>
+              <a:rPr lang="en-US" baseline="30000" dirty="0"/>
+              <a:t>2 </a:t>
+            </a:r>
+            <a:r>
+              <a:rPr lang="en-US" dirty="0"/>
+              <a:t>+ 3k + 2) / </a:t>
+            </a:r>
+            <a:r>
+              <a:rPr lang="en-US" dirty="0" smtClean="0"/>
+              <a:t>2</a:t>
+            </a:r>
+          </a:p>
+          <a:p>
+            <a:r>
+              <a:rPr lang="en-US" dirty="0" smtClean="0"/>
+              <a:t>We have proven that, if k is true, then k+1 is true (k -&gt; k+1)</a:t>
+            </a:r>
+          </a:p>
+          <a:p>
+            <a:r>
+              <a:rPr lang="en-US" dirty="0" smtClean="0"/>
+              <a:t>Furthermore we’ve proven that it is true when k = 1</a:t>
+            </a:r>
+          </a:p>
+          <a:p>
+            <a:r>
+              <a:rPr lang="en-US" dirty="0" smtClean="0"/>
+              <a:t>Therefore we can prove for 1, 2 … n</a:t>
+            </a:r>
+            <a:endParaRPr lang="en-US" dirty="0"/>
+          </a:p>
+        </p:txBody>
+      </p:sp>
+    </p:spTree>
+    <p:extLst>
+      <p:ext uri="{BB962C8B-B14F-4D97-AF65-F5344CB8AC3E}">
+        <p14:creationId xmlns:p14="http://schemas.microsoft.com/office/powerpoint/2010/main" val="3773232479"/>
+      </p:ext>
+    </p:extLst>
+  </p:cSld>
+  <p:clrMapOvr>
+    <a:masterClrMapping/>
+  </p:clrMapOvr>
+  <p:timing>
+    <p:tnLst>
+      <p:par>
+        <p:cTn id="1" dur="indefinite" restart="never" nodeType="tmRoot">
+          <p:childTnLst>
+            <p:seq concurrent="1" nextAc="seek">
+              <p:cTn id="2" dur="indefinite" nodeType="mainSeq">
+                <p:childTnLst>
+                  <p:par>
+                    <p:cTn id="3" fill="hold">
+                      <p:stCondLst>
+                        <p:cond delay="indefinite"/>
+                      </p:stCondLst>
+                      <p:childTnLst>
+                        <p:par>
+                          <p:cTn id="4" fill="hold">
+                            <p:stCondLst>
+                              <p:cond delay="0"/>
+                            </p:stCondLst>
+                            <p:childTnLst>
+                              <p:par>
+                                <p:cTn id="5" presetID="10" presetClass="entr" presetSubtype="0" fill="hold" grpId="0" nodeType="clickEffect">
+                                  <p:stCondLst>
+                                    <p:cond delay="0"/>
+                                  </p:stCondLst>
+                                  <p:childTnLst>
+                                    <p:set>
+                                      <p:cBhvr>
+                                        <p:cTn id="6" dur="1" fill="hold">
+                                          <p:stCondLst>
+                                            <p:cond delay="0"/>
+                                          </p:stCondLst>
+                                        </p:cTn>
+                                        <p:tgtEl>
+                                          <p:spTgt spid="3">
+                                            <p:txEl>
+                                              <p:pRg st="0" end="0"/>
+                                            </p:txEl>
+                                          </p:spTgt>
+                                        </p:tgtEl>
+                                        <p:attrNameLst>
+                                          <p:attrName>style.visibility</p:attrName>
+                                        </p:attrNameLst>
+                                      </p:cBhvr>
+                                      <p:to>
+                                        <p:strVal val="visible"/>
+                                      </p:to>
+                                    </p:set>
+                                    <p:animEffect transition="in" filter="fade">
+                                      <p:cBhvr>
+                                        <p:cTn id="7" dur="500"/>
+                                        <p:tgtEl>
+                                          <p:spTgt spid="3">
+                                            <p:txEl>
+                                              <p:pRg st="0" end="0"/>
+                                            </p:txEl>
+                                          </p:spTgt>
+                                        </p:tgtEl>
+                                      </p:cBhvr>
+                                    </p:animEffect>
+                                  </p:childTnLst>
+                                </p:cTn>
+                              </p:par>
+                              <p:par>
+                                <p:cTn id="8" presetID="10" presetClass="entr" presetSubtype="0" fill="hold" grpId="0" nodeType="withEffect">
+                                  <p:stCondLst>
+                                    <p:cond delay="0"/>
+                                  </p:stCondLst>
+                                  <p:childTnLst>
+                                    <p:set>
+                                      <p:cBhvr>
+                                        <p:cTn id="9" dur="1" fill="hold">
+                                          <p:stCondLst>
+                                            <p:cond delay="0"/>
+                                          </p:stCondLst>
+                                        </p:cTn>
+                                        <p:tgtEl>
+                                          <p:spTgt spid="3">
+                                            <p:txEl>
+                                              <p:pRg st="1" end="1"/>
+                                            </p:txEl>
+                                          </p:spTgt>
+                                        </p:tgtEl>
+                                        <p:attrNameLst>
+                                          <p:attrName>style.visibility</p:attrName>
+                                        </p:attrNameLst>
+                                      </p:cBhvr>
+                                      <p:to>
+                                        <p:strVal val="visible"/>
+                                      </p:to>
+                                    </p:set>
+                                    <p:animEffect transition="in" filter="fade">
+                                      <p:cBhvr>
+                                        <p:cTn id="10" dur="500"/>
+                                        <p:tgtEl>
+                                          <p:spTgt spid="3">
+                                            <p:txEl>
+                                              <p:pRg st="1" end="1"/>
+                                            </p:txEl>
+                                          </p:spTgt>
+                                        </p:tgtEl>
+                                      </p:cBhvr>
+                                    </p:animEffect>
+                                  </p:childTnLst>
+                                </p:cTn>
+                              </p:par>
+                            </p:childTnLst>
+                          </p:cTn>
+                        </p:par>
+                      </p:childTnLst>
+                    </p:cTn>
+                  </p:par>
+                  <p:par>
+                    <p:cTn id="11" fill="hold">
+                      <p:stCondLst>
+                        <p:cond delay="indefinite"/>
+                      </p:stCondLst>
+                      <p:childTnLst>
+                        <p:par>
+                          <p:cTn id="12" fill="hold">
+                            <p:stCondLst>
+                              <p:cond delay="0"/>
+                            </p:stCondLst>
+                            <p:childTnLst>
+                              <p:par>
+                                <p:cTn id="13" presetID="10" presetClass="entr" presetSubtype="0" fill="hold" grpId="0" nodeType="clickEffect">
+                                  <p:stCondLst>
+                                    <p:cond delay="0"/>
+                                  </p:stCondLst>
+                                  <p:childTnLst>
+                                    <p:set>
+                                      <p:cBhvr>
+                                        <p:cTn id="14" dur="1" fill="hold">
+                                          <p:stCondLst>
+                                            <p:cond delay="0"/>
+                                          </p:stCondLst>
+                                        </p:cTn>
+                                        <p:tgtEl>
+                                          <p:spTgt spid="3">
+                                            <p:txEl>
+                                              <p:pRg st="2" end="2"/>
+                                            </p:txEl>
+                                          </p:spTgt>
+                                        </p:tgtEl>
+                                        <p:attrNameLst>
+                                          <p:attrName>style.visibility</p:attrName>
+                                        </p:attrNameLst>
+                                      </p:cBhvr>
+                                      <p:to>
+                                        <p:strVal val="visible"/>
+                                      </p:to>
+                                    </p:set>
+                                    <p:animEffect transition="in" filter="fade">
+                                      <p:cBhvr>
+                                        <p:cTn id="15" dur="500"/>
+                                        <p:tgtEl>
+                                          <p:spTgt spid="3">
+                                            <p:txEl>
+                                              <p:pRg st="2" end="2"/>
+                                            </p:txEl>
+                                          </p:spTgt>
+                                        </p:tgtEl>
+                                      </p:cBhvr>
+                                    </p:animEffect>
+                                  </p:childTnLst>
+                                </p:cTn>
+                              </p:par>
+                            </p:childTnLst>
+                          </p:cTn>
+                        </p:par>
+                      </p:childTnLst>
+                    </p:cTn>
+                  </p:par>
+                  <p:par>
+                    <p:cTn id="16" fill="hold">
+                      <p:stCondLst>
+                        <p:cond delay="indefinite"/>
+                      </p:stCondLst>
+                      <p:childTnLst>
+                        <p:par>
+                          <p:cTn id="17" fill="hold">
+                            <p:stCondLst>
+                              <p:cond delay="0"/>
+                            </p:stCondLst>
+                            <p:childTnLst>
+                              <p:par>
+                                <p:cTn id="18" presetID="10" presetClass="entr" presetSubtype="0" fill="hold" grpId="0" nodeType="clickEffect">
+                                  <p:stCondLst>
+                                    <p:cond delay="0"/>
+                                  </p:stCondLst>
+                                  <p:childTnLst>
+                                    <p:set>
+                                      <p:cBhvr>
+                                        <p:cTn id="19" dur="1" fill="hold">
+                                          <p:stCondLst>
+                                            <p:cond delay="0"/>
+                                          </p:stCondLst>
+                                        </p:cTn>
+                                        <p:tgtEl>
+                                          <p:spTgt spid="3">
+                                            <p:txEl>
+                                              <p:pRg st="3" end="3"/>
+                                            </p:txEl>
+                                          </p:spTgt>
+                                        </p:tgtEl>
+                                        <p:attrNameLst>
+                                          <p:attrName>style.visibility</p:attrName>
+                                        </p:attrNameLst>
+                                      </p:cBhvr>
+                                      <p:to>
+                                        <p:strVal val="visible"/>
+                                      </p:to>
+                                    </p:set>
+                                    <p:animEffect transition="in" filter="fade">
+                                      <p:cBhvr>
+                                        <p:cTn id="20" dur="500"/>
+                                        <p:tgtEl>
+                                          <p:spTgt spid="3">
+                                            <p:txEl>
+                                              <p:pRg st="3" end="3"/>
+                                            </p:txEl>
+                                          </p:spTgt>
+                                        </p:tgtEl>
+                                      </p:cBhvr>
+                                    </p:animEffect>
+                                  </p:childTnLst>
+                                </p:cTn>
+                              </p:par>
+                              <p:par>
+                                <p:cTn id="21" presetID="10" presetClass="entr" presetSubtype="0" fill="hold" grpId="0" nodeType="withEffect">
+                                  <p:stCondLst>
+                                    <p:cond delay="0"/>
+                                  </p:stCondLst>
+                                  <p:childTnLst>
+                                    <p:set>
+                                      <p:cBhvr>
+                                        <p:cTn id="22" dur="1" fill="hold">
+                                          <p:stCondLst>
+                                            <p:cond delay="0"/>
+                                          </p:stCondLst>
+                                        </p:cTn>
+                                        <p:tgtEl>
+                                          <p:spTgt spid="3">
+                                            <p:txEl>
+                                              <p:pRg st="4" end="4"/>
+                                            </p:txEl>
+                                          </p:spTgt>
+                                        </p:tgtEl>
+                                        <p:attrNameLst>
+                                          <p:attrName>style.visibility</p:attrName>
+                                        </p:attrNameLst>
+                                      </p:cBhvr>
+                                      <p:to>
+                                        <p:strVal val="visible"/>
+                                      </p:to>
+                                    </p:set>
+                                    <p:animEffect transition="in" filter="fade">
+                                      <p:cBhvr>
+                                        <p:cTn id="23" dur="500"/>
+                                        <p:tgtEl>
+                                          <p:spTgt spid="3">
+                                            <p:txEl>
+                                              <p:pRg st="4" end="4"/>
+                                            </p:txEl>
+                                          </p:spTgt>
+                                        </p:tgtEl>
+                                      </p:cBhvr>
+                                    </p:animEffect>
+                                  </p:childTnLst>
+                                </p:cTn>
+                              </p:par>
+                              <p:par>
+                                <p:cTn id="24" presetID="10" presetClass="entr" presetSubtype="0" fill="hold" grpId="0" nodeType="withEffect">
+                                  <p:stCondLst>
+                                    <p:cond delay="0"/>
+                                  </p:stCondLst>
+                                  <p:childTnLst>
+                                    <p:set>
+                                      <p:cBhvr>
+                                        <p:cTn id="25" dur="1" fill="hold">
+                                          <p:stCondLst>
+                                            <p:cond delay="0"/>
+                                          </p:stCondLst>
+                                        </p:cTn>
+                                        <p:tgtEl>
+                                          <p:spTgt spid="3">
+                                            <p:txEl>
+                                              <p:pRg st="5" end="5"/>
+                                            </p:txEl>
+                                          </p:spTgt>
+                                        </p:tgtEl>
+                                        <p:attrNameLst>
+                                          <p:attrName>style.visibility</p:attrName>
+                                        </p:attrNameLst>
+                                      </p:cBhvr>
+                                      <p:to>
+                                        <p:strVal val="visible"/>
+                                      </p:to>
+                                    </p:set>
+                                    <p:animEffect transition="in" filter="fade">
+                                      <p:cBhvr>
+                                        <p:cTn id="26" dur="500"/>
+                                        <p:tgtEl>
+                                          <p:spTgt spid="3">
+                                            <p:txEl>
+                                              <p:pRg st="5" end="5"/>
+                                            </p:txEl>
+                                          </p:spTgt>
+                                        </p:tgtEl>
+                                      </p:cBhvr>
+                                    </p:animEffect>
+                                  </p:childTnLst>
+                                </p:cTn>
+                              </p:par>
+                              <p:par>
+                                <p:cTn id="27" presetID="10" presetClass="entr" presetSubtype="0" fill="hold" grpId="0" nodeType="withEffect">
+                                  <p:stCondLst>
+                                    <p:cond delay="0"/>
+                                  </p:stCondLst>
+                                  <p:childTnLst>
+                                    <p:set>
+                                      <p:cBhvr>
+                                        <p:cTn id="28" dur="1" fill="hold">
+                                          <p:stCondLst>
+                                            <p:cond delay="0"/>
+                                          </p:stCondLst>
+                                        </p:cTn>
+                                        <p:tgtEl>
+                                          <p:spTgt spid="3">
+                                            <p:txEl>
+                                              <p:pRg st="6" end="6"/>
+                                            </p:txEl>
+                                          </p:spTgt>
+                                        </p:tgtEl>
+                                        <p:attrNameLst>
+                                          <p:attrName>style.visibility</p:attrName>
+                                        </p:attrNameLst>
+                                      </p:cBhvr>
+                                      <p:to>
+                                        <p:strVal val="visible"/>
+                                      </p:to>
+                                    </p:set>
+                                    <p:animEffect transition="in" filter="fade">
+                                      <p:cBhvr>
+                                        <p:cTn id="29" dur="500"/>
+                                        <p:tgtEl>
+                                          <p:spTgt spid="3">
+                                            <p:txEl>
+                                              <p:pRg st="6" end="6"/>
+                                            </p:txEl>
+                                          </p:spTgt>
+                                        </p:tgtEl>
+                                      </p:cBhvr>
+                                    </p:animEffect>
+                                  </p:childTnLst>
+                                </p:cTn>
+                              </p:par>
+                            </p:childTnLst>
+                          </p:cTn>
+                        </p:par>
+                      </p:childTnLst>
+                    </p:cTn>
+                  </p:par>
+                  <p:par>
+                    <p:cTn id="30" fill="hold">
+                      <p:stCondLst>
+                        <p:cond delay="indefinite"/>
+                      </p:stCondLst>
+                      <p:childTnLst>
+                        <p:par>
+                          <p:cTn id="31" fill="hold">
+                            <p:stCondLst>
+                              <p:cond delay="0"/>
+                            </p:stCondLst>
+                            <p:childTnLst>
+                              <p:par>
+                                <p:cTn id="32" presetID="10" presetClass="entr" presetSubtype="0" fill="hold" grpId="0" nodeType="clickEffect">
+                                  <p:stCondLst>
+                                    <p:cond delay="0"/>
+                                  </p:stCondLst>
+                                  <p:childTnLst>
+                                    <p:set>
+                                      <p:cBhvr>
+                                        <p:cTn id="33" dur="1" fill="hold">
+                                          <p:stCondLst>
+                                            <p:cond delay="0"/>
+                                          </p:stCondLst>
+                                        </p:cTn>
+                                        <p:tgtEl>
+                                          <p:spTgt spid="3">
+                                            <p:txEl>
+                                              <p:pRg st="7" end="7"/>
+                                            </p:txEl>
+                                          </p:spTgt>
+                                        </p:tgtEl>
+                                        <p:attrNameLst>
+                                          <p:attrName>style.visibility</p:attrName>
+                                        </p:attrNameLst>
+                                      </p:cBhvr>
+                                      <p:to>
+                                        <p:strVal val="visible"/>
+                                      </p:to>
+                                    </p:set>
+                                    <p:animEffect transition="in" filter="fade">
+                                      <p:cBhvr>
+                                        <p:cTn id="34" dur="500"/>
+                                        <p:tgtEl>
+                                          <p:spTgt spid="3">
+                                            <p:txEl>
+                                              <p:pRg st="7" end="7"/>
+                                            </p:txEl>
+                                          </p:spTgt>
+                                        </p:tgtEl>
+                                      </p:cBhvr>
+                                    </p:animEffect>
+                                  </p:childTnLst>
+                                </p:cTn>
+                              </p:par>
+                            </p:childTnLst>
+                          </p:cTn>
+                        </p:par>
+                      </p:childTnLst>
+                    </p:cTn>
+                  </p:par>
+                  <p:par>
+                    <p:cTn id="35" fill="hold">
+                      <p:stCondLst>
+                        <p:cond delay="indefinite"/>
+                      </p:stCondLst>
+                      <p:childTnLst>
+                        <p:par>
+                          <p:cTn id="36" fill="hold">
+                            <p:stCondLst>
+                              <p:cond delay="0"/>
+                            </p:stCondLst>
+                            <p:childTnLst>
+                              <p:par>
+                                <p:cTn id="37" presetID="10" presetClass="entr" presetSubtype="0" fill="hold" grpId="0" nodeType="clickEffect">
+                                  <p:stCondLst>
+                                    <p:cond delay="0"/>
+                                  </p:stCondLst>
+                                  <p:childTnLst>
+                                    <p:set>
+                                      <p:cBhvr>
+                                        <p:cTn id="38" dur="1" fill="hold">
+                                          <p:stCondLst>
+                                            <p:cond delay="0"/>
+                                          </p:stCondLst>
+                                        </p:cTn>
+                                        <p:tgtEl>
+                                          <p:spTgt spid="3">
+                                            <p:txEl>
+                                              <p:pRg st="8" end="8"/>
+                                            </p:txEl>
+                                          </p:spTgt>
+                                        </p:tgtEl>
+                                        <p:attrNameLst>
+                                          <p:attrName>style.visibility</p:attrName>
+                                        </p:attrNameLst>
+                                      </p:cBhvr>
+                                      <p:to>
+                                        <p:strVal val="visible"/>
+                                      </p:to>
+                                    </p:set>
+                                    <p:animEffect transition="in" filter="fade">
+                                      <p:cBhvr>
+                                        <p:cTn id="39" dur="500"/>
+                                        <p:tgtEl>
+                                          <p:spTgt spid="3">
+                                            <p:txEl>
+                                              <p:pRg st="8" end="8"/>
+                                            </p:txEl>
+                                          </p:spTgt>
+                                        </p:tgtEl>
+                                      </p:cBhvr>
+                                    </p:animEffect>
+                                  </p:childTnLst>
+                                </p:cTn>
+                              </p:par>
+                            </p:childTnLst>
+                          </p:cTn>
+                        </p:par>
+                      </p:childTnLst>
+                    </p:cTn>
+                  </p:par>
+                  <p:par>
+                    <p:cTn id="40" fill="hold">
+                      <p:stCondLst>
+                        <p:cond delay="indefinite"/>
+                      </p:stCondLst>
+                      <p:childTnLst>
+                        <p:par>
+                          <p:cTn id="41" fill="hold">
+                            <p:stCondLst>
+                              <p:cond delay="0"/>
+                            </p:stCondLst>
+                            <p:childTnLst>
+                              <p:par>
+                                <p:cTn id="42" presetID="10" presetClass="entr" presetSubtype="0" fill="hold" grpId="0" nodeType="clickEffect">
+                                  <p:stCondLst>
+                                    <p:cond delay="0"/>
+                                  </p:stCondLst>
+                                  <p:childTnLst>
+                                    <p:set>
+                                      <p:cBhvr>
+                                        <p:cTn id="43" dur="1" fill="hold">
+                                          <p:stCondLst>
+                                            <p:cond delay="0"/>
+                                          </p:stCondLst>
+                                        </p:cTn>
+                                        <p:tgtEl>
+                                          <p:spTgt spid="3">
+                                            <p:txEl>
+                                              <p:pRg st="9" end="9"/>
+                                            </p:txEl>
+                                          </p:spTgt>
+                                        </p:tgtEl>
+                                        <p:attrNameLst>
+                                          <p:attrName>style.visibility</p:attrName>
+                                        </p:attrNameLst>
+                                      </p:cBhvr>
+                                      <p:to>
+                                        <p:strVal val="visible"/>
+                                      </p:to>
+                                    </p:set>
+                                    <p:animEffect transition="in" filter="fade">
+                                      <p:cBhvr>
+                                        <p:cTn id="44" dur="500"/>
+                                        <p:tgtEl>
+                                          <p:spTgt spid="3">
+                                            <p:txEl>
+                                              <p:pRg st="9" end="9"/>
+                                            </p:txEl>
+                                          </p:spTgt>
+                                        </p:tgtEl>
+                                      </p:cBhvr>
+                                    </p:animEffect>
+                                  </p:childTnLst>
+                                </p:cTn>
+                              </p:par>
+                            </p:childTnLst>
+                          </p:cTn>
+                        </p:par>
+                      </p:childTnLst>
+                    </p:cTn>
+                  </p:par>
+                </p:childTnLst>
+              </p:cTn>
+              <p:prevCondLst>
+                <p:cond evt="onPrev" delay="0">
+                  <p:tgtEl>
+                    <p:sldTgt/>
+                  </p:tgtEl>
+                </p:cond>
+              </p:prevCondLst>
+              <p:nextCondLst>
+                <p:cond evt="onNext" delay="0">
+                  <p:tgtEl>
+                    <p:sldTgt/>
+                  </p:tgtEl>
+                </p:cond>
+              </p:nextCondLst>
+            </p:seq>
+          </p:childTnLst>
+        </p:cTn>
+      </p:par>
+    </p:tnLst>
+    <p:bldLst>
+      <p:bldP spid="3" grpId="0" build="p"/>
+    </p:bldLst>
+  </p:timing>
+</p:sld>
+</file>
+
+<file path=ppt/slides/slide5.xml><?xml version="1.0" encoding="utf-8"?>
+<p:sld xmlns:a="http://schemas.openxmlformats.org/drawingml/2006/main" xmlns:r="http://schemas.openxmlformats.org/officeDocument/2006/relationships" xmlns:p="http://schemas.openxmlformats.org/presentationml/2006/main">
+  <p:cSld>
+    <p:spTree>
+      <p:nvGrpSpPr>
+        <p:cNvPr id="1" name=""/>
+        <p:cNvGrpSpPr/>
+        <p:nvPr/>
+      </p:nvGrpSpPr>
+      <p:grpSpPr>
+        <a:xfrm>
+          <a:off x="0" y="0"/>
+          <a:ext cx="0" cy="0"/>
+          <a:chOff x="0" y="0"/>
+          <a:chExt cx="0" cy="0"/>
+        </a:xfrm>
+      </p:grpSpPr>
+      <p:sp>
+        <p:nvSpPr>
+          <p:cNvPr id="2" name="Title 1">
+            <a:extLst>
+              <a:ext uri="{FF2B5EF4-FFF2-40B4-BE49-F238E27FC236}">
+                <a16:creationId xmlns:a16="http://schemas.microsoft.com/office/drawing/2014/main" xmlns="" id="{B6E31774-A0BE-4C8D-AD0E-C92BC02F1D50}"/>
+              </a:ext>
+            </a:extLst>
+          </p:cNvPr>
+          <p:cNvSpPr>
+            <a:spLocks noGrp="1"/>
+          </p:cNvSpPr>
+          <p:nvPr>
+            <p:ph type="title"/>
+          </p:nvPr>
+        </p:nvSpPr>
+        <p:spPr/>
+        <p:txBody>
+          <a:bodyPr/>
+          <a:lstStyle/>
+          <a:p>
+            <a:r>
+              <a:rPr lang="en-US" dirty="0" smtClean="0"/>
+              <a:t>Mathematical induction Example #2</a:t>
+            </a:r>
+            <a:endParaRPr lang="en-US" dirty="0"/>
+          </a:p>
+        </p:txBody>
+      </p:sp>
+      <p:sp>
+        <p:nvSpPr>
+          <p:cNvPr id="3" name="Content Placeholder 2">
+            <a:extLst>
+              <a:ext uri="{FF2B5EF4-FFF2-40B4-BE49-F238E27FC236}">
+                <a16:creationId xmlns:a16="http://schemas.microsoft.com/office/drawing/2014/main" xmlns="" id="{EEC8D7A8-FA21-4A66-B7B8-BCE9333560DD}"/>
               </a:ext>
             </a:extLst>
           </p:cNvPr>
@@ -14716,32 +14132,61 @@
           <a:lstStyle/>
           <a:p>
             <a:r>
+              <a:rPr lang="en-US" dirty="0" smtClean="0"/>
+              <a:t>Show 1 + 3 + 6 + … + [n(n+1)]/2 = [n(n+1)(n + 2)] / 6</a:t>
+            </a:r>
+            <a:endParaRPr lang="en-US" dirty="0"/>
+          </a:p>
+          <a:p>
+            <a:r>
+              <a:rPr lang="en-US" dirty="0" smtClean="0"/>
+              <a:t>Base Case: Assume n = 1</a:t>
+            </a:r>
+          </a:p>
+          <a:p>
+            <a:pPr lvl="1"/>
+            <a:r>
+              <a:rPr lang="en-US" dirty="0" smtClean="0"/>
+              <a:t>1 = [n(n+1</a:t>
+            </a:r>
+            <a:r>
               <a:rPr lang="en-US" dirty="0"/>
-              <a:t>When the domain is small enough, proof by exhaustion is sometimes preferable.</a:t>
-            </a:r>
-          </a:p>
-          <a:p>
-            <a:r>
-              <a:rPr lang="en-US" dirty="0"/>
-              <a:t>The students in this classroom have black hair</a:t>
-            </a:r>
-          </a:p>
-          <a:p>
-            <a:r>
-              <a:rPr lang="en-US" dirty="0"/>
-              <a:t>For all positive numbers less than 3, x is even -&gt; x = 2</a:t>
-            </a:r>
-          </a:p>
-          <a:p>
-            <a:r>
-              <a:rPr lang="en-US" dirty="0"/>
-              <a:t>1? 2? 3?</a:t>
-            </a:r>
-          </a:p>
-          <a:p>
-            <a:pPr marL="0" indent="0">
-              <a:buNone/>
-            </a:pPr>
+              <a:t>)(n + 2)] / </a:t>
+            </a:r>
+            <a:r>
+              <a:rPr lang="en-US" dirty="0" smtClean="0"/>
+              <a:t>6</a:t>
+            </a:r>
+          </a:p>
+          <a:p>
+            <a:pPr lvl="1"/>
+            <a:r>
+              <a:rPr lang="en-US" dirty="0" smtClean="0"/>
+              <a:t>1 = [1(1+1)(1+2)] / 6</a:t>
+            </a:r>
+          </a:p>
+          <a:p>
+            <a:pPr lvl="1"/>
+            <a:r>
+              <a:rPr lang="en-US" dirty="0" smtClean="0"/>
+              <a:t>1 = 1(2)(3) / 6</a:t>
+            </a:r>
+          </a:p>
+          <a:p>
+            <a:pPr lvl="1"/>
+            <a:r>
+              <a:rPr lang="en-US" dirty="0" smtClean="0"/>
+              <a:t>1 = 6 / 6</a:t>
+            </a:r>
+          </a:p>
+          <a:p>
+            <a:pPr lvl="1"/>
+            <a:r>
+              <a:rPr lang="en-US" dirty="0" smtClean="0"/>
+              <a:t>1 = 1  Base Case is true!</a:t>
+            </a:r>
+          </a:p>
+          <a:p>
             <a:endParaRPr lang="en-US" dirty="0"/>
           </a:p>
         </p:txBody>
@@ -14749,7 +14194,7 @@
     </p:spTree>
     <p:extLst>
       <p:ext uri="{BB962C8B-B14F-4D97-AF65-F5344CB8AC3E}">
-        <p14:creationId xmlns:p14="http://schemas.microsoft.com/office/powerpoint/2010/main" val="93034132"/>
+        <p14:creationId xmlns:p14="http://schemas.microsoft.com/office/powerpoint/2010/main" val="4144754344"/>
       </p:ext>
     </p:extLst>
   </p:cSld>
@@ -14880,33 +14325,15 @@
                                   </p:childTnLst>
                                 </p:cTn>
                               </p:par>
-                            </p:childTnLst>
-                          </p:cTn>
-                        </p:par>
-                      </p:childTnLst>
-                    </p:cTn>
-                  </p:par>
-                  <p:par>
-                    <p:cTn id="13" fill="hold">
-                      <p:stCondLst>
-                        <p:cond delay="indefinite"/>
-                      </p:stCondLst>
-                      <p:childTnLst>
-                        <p:par>
-                          <p:cTn id="14" fill="hold">
-                            <p:stCondLst>
-                              <p:cond delay="0"/>
-                            </p:stCondLst>
-                            <p:childTnLst>
                               <p:par>
-                                <p:cTn id="15" presetID="10" presetClass="entr" presetSubtype="0" fill="hold" grpId="0" nodeType="clickEffect">
+                                <p:cTn id="13" presetID="10" presetClass="entr" presetSubtype="0" fill="hold" grpId="0" nodeType="withEffect">
                                   <p:stCondLst>
                                     <p:cond delay="0"/>
                                   </p:stCondLst>
                                   <p:childTnLst>
                                     <p:set>
                                       <p:cBhvr>
-                                        <p:cTn id="16" dur="1" fill="hold">
+                                        <p:cTn id="14" dur="1" fill="hold">
                                           <p:stCondLst>
                                             <p:cond delay="0"/>
                                           </p:stCondLst>
@@ -14928,7 +14355,7 @@
                                     </p:set>
                                     <p:animEffect transition="in" filter="fade">
                                       <p:cBhvr>
-                                        <p:cTn id="17" dur="500"/>
+                                        <p:cTn id="15" dur="500"/>
                                         <p:tgtEl>
                                           <p:spTgt spid="3">
                                             <p:txEl>
@@ -14941,33 +14368,15 @@
                                   </p:childTnLst>
                                 </p:cTn>
                               </p:par>
-                            </p:childTnLst>
-                          </p:cTn>
-                        </p:par>
-                      </p:childTnLst>
-                    </p:cTn>
-                  </p:par>
-                  <p:par>
-                    <p:cTn id="18" fill="hold">
-                      <p:stCondLst>
-                        <p:cond delay="indefinite"/>
-                      </p:stCondLst>
-                      <p:childTnLst>
-                        <p:par>
-                          <p:cTn id="19" fill="hold">
-                            <p:stCondLst>
-                              <p:cond delay="0"/>
-                            </p:stCondLst>
-                            <p:childTnLst>
                               <p:par>
-                                <p:cTn id="20" presetID="10" presetClass="entr" presetSubtype="0" fill="hold" grpId="0" nodeType="clickEffect">
+                                <p:cTn id="16" presetID="10" presetClass="entr" presetSubtype="0" fill="hold" grpId="0" nodeType="withEffect">
                                   <p:stCondLst>
                                     <p:cond delay="0"/>
                                   </p:stCondLst>
                                   <p:childTnLst>
                                     <p:set>
                                       <p:cBhvr>
-                                        <p:cTn id="21" dur="1" fill="hold">
+                                        <p:cTn id="17" dur="1" fill="hold">
                                           <p:stCondLst>
                                             <p:cond delay="0"/>
                                           </p:stCondLst>
@@ -14989,11 +14398,140 @@
                                     </p:set>
                                     <p:animEffect transition="in" filter="fade">
                                       <p:cBhvr>
-                                        <p:cTn id="22" dur="500"/>
+                                        <p:cTn id="18" dur="500"/>
                                         <p:tgtEl>
                                           <p:spTgt spid="3">
                                             <p:txEl>
                                               <p:pRg st="3" end="3"/>
+                                            </p:txEl>
+                                          </p:spTgt>
+                                        </p:tgtEl>
+                                      </p:cBhvr>
+                                    </p:animEffect>
+                                  </p:childTnLst>
+                                </p:cTn>
+                              </p:par>
+                              <p:par>
+                                <p:cTn id="19" presetID="10" presetClass="entr" presetSubtype="0" fill="hold" grpId="0" nodeType="withEffect">
+                                  <p:stCondLst>
+                                    <p:cond delay="0"/>
+                                  </p:stCondLst>
+                                  <p:childTnLst>
+                                    <p:set>
+                                      <p:cBhvr>
+                                        <p:cTn id="20" dur="1" fill="hold">
+                                          <p:stCondLst>
+                                            <p:cond delay="0"/>
+                                          </p:stCondLst>
+                                        </p:cTn>
+                                        <p:tgtEl>
+                                          <p:spTgt spid="3">
+                                            <p:txEl>
+                                              <p:pRg st="4" end="4"/>
+                                            </p:txEl>
+                                          </p:spTgt>
+                                        </p:tgtEl>
+                                        <p:attrNameLst>
+                                          <p:attrName>style.visibility</p:attrName>
+                                        </p:attrNameLst>
+                                      </p:cBhvr>
+                                      <p:to>
+                                        <p:strVal val="visible"/>
+                                      </p:to>
+                                    </p:set>
+                                    <p:animEffect transition="in" filter="fade">
+                                      <p:cBhvr>
+                                        <p:cTn id="21" dur="500"/>
+                                        <p:tgtEl>
+                                          <p:spTgt spid="3">
+                                            <p:txEl>
+                                              <p:pRg st="4" end="4"/>
+                                            </p:txEl>
+                                          </p:spTgt>
+                                        </p:tgtEl>
+                                      </p:cBhvr>
+                                    </p:animEffect>
+                                  </p:childTnLst>
+                                </p:cTn>
+                              </p:par>
+                              <p:par>
+                                <p:cTn id="22" presetID="10" presetClass="entr" presetSubtype="0" fill="hold" grpId="0" nodeType="withEffect">
+                                  <p:stCondLst>
+                                    <p:cond delay="0"/>
+                                  </p:stCondLst>
+                                  <p:childTnLst>
+                                    <p:set>
+                                      <p:cBhvr>
+                                        <p:cTn id="23" dur="1" fill="hold">
+                                          <p:stCondLst>
+                                            <p:cond delay="0"/>
+                                          </p:stCondLst>
+                                        </p:cTn>
+                                        <p:tgtEl>
+                                          <p:spTgt spid="3">
+                                            <p:txEl>
+                                              <p:pRg st="5" end="5"/>
+                                            </p:txEl>
+                                          </p:spTgt>
+                                        </p:tgtEl>
+                                        <p:attrNameLst>
+                                          <p:attrName>style.visibility</p:attrName>
+                                        </p:attrNameLst>
+                                      </p:cBhvr>
+                                      <p:to>
+                                        <p:strVal val="visible"/>
+                                      </p:to>
+                                    </p:set>
+                                    <p:animEffect transition="in" filter="fade">
+                                      <p:cBhvr>
+                                        <p:cTn id="24" dur="500"/>
+                                        <p:tgtEl>
+                                          <p:spTgt spid="3">
+                                            <p:txEl>
+                                              <p:pRg st="5" end="5"/>
+                                            </p:txEl>
+                                          </p:spTgt>
+                                        </p:tgtEl>
+                                      </p:cBhvr>
+                                    </p:animEffect>
+                                  </p:childTnLst>
+                                </p:cTn>
+                              </p:par>
+                              <p:par>
+                                <p:cTn id="25" presetID="10" presetClass="entr" presetSubtype="0" fill="hold" grpId="0" nodeType="withEffect">
+                                  <p:stCondLst>
+                                    <p:cond delay="0"/>
+                                  </p:stCondLst>
+                                  <p:childTnLst>
+                                    <p:set>
+                                      <p:cBhvr>
+                                        <p:cTn id="26" dur="1" fill="hold">
+                                          <p:stCondLst>
+                                            <p:cond delay="0"/>
+                                          </p:stCondLst>
+                                        </p:cTn>
+                                        <p:tgtEl>
+                                          <p:spTgt spid="3">
+                                            <p:txEl>
+                                              <p:pRg st="6" end="6"/>
+                                            </p:txEl>
+                                          </p:spTgt>
+                                        </p:tgtEl>
+                                        <p:attrNameLst>
+                                          <p:attrName>style.visibility</p:attrName>
+                                        </p:attrNameLst>
+                                      </p:cBhvr>
+                                      <p:to>
+                                        <p:strVal val="visible"/>
+                                      </p:to>
+                                    </p:set>
+                                    <p:animEffect transition="in" filter="fade">
+                                      <p:cBhvr>
+                                        <p:cTn id="27" dur="500"/>
+                                        <p:tgtEl>
+                                          <p:spTgt spid="3">
+                                            <p:txEl>
+                                              <p:pRg st="6" end="6"/>
                                             </p:txEl>
                                           </p:spTgt>
                                         </p:tgtEl>
@@ -15030,13 +14568,13 @@
       </p:par>
     </p:tnLst>
     <p:bldLst>
-      <p:bldP spid="3" grpId="0" uiExpand="1" build="p"/>
+      <p:bldP spid="3" grpId="0" build="p"/>
     </p:bldLst>
   </p:timing>
 </p:sld>
 </file>
 
-<file path=ppt/slides/slide5.xml><?xml version="1.0" encoding="utf-8"?>
+<file path=ppt/slides/slide6.xml><?xml version="1.0" encoding="utf-8"?>
 <p:sld xmlns:a="http://schemas.openxmlformats.org/drawingml/2006/main" xmlns:r="http://schemas.openxmlformats.org/officeDocument/2006/relationships" xmlns:p="http://schemas.openxmlformats.org/presentationml/2006/main">
   <p:cSld>
     <p:spTree>
@@ -15058,7 +14596,7 @@
           <p:cNvPr id="2" name="Title 1">
             <a:extLst>
               <a:ext uri="{FF2B5EF4-FFF2-40B4-BE49-F238E27FC236}">
-                <a16:creationId xmlns:a16="http://schemas.microsoft.com/office/drawing/2014/main" id="{80D6C28C-4C88-43BF-9738-133A428E3FDE}"/>
+                <a16:creationId xmlns:a16="http://schemas.microsoft.com/office/drawing/2014/main" xmlns="" id="{B6E31774-A0BE-4C8D-AD0E-C92BC02F1D50}"/>
               </a:ext>
             </a:extLst>
           </p:cNvPr>
@@ -15075,9 +14613,10 @@
           <a:lstStyle/>
           <a:p>
             <a:r>
-              <a:rPr lang="en-US" dirty="0"/>
-              <a:t>Direct proof (Assuming the antecedent)</a:t>
-            </a:r>
+              <a:rPr lang="en-US" dirty="0" smtClean="0"/>
+              <a:t>Mathematical induction Example #2</a:t>
+            </a:r>
+            <a:endParaRPr lang="en-US" dirty="0"/>
           </a:p>
         </p:txBody>
       </p:sp>
@@ -15086,7 +14625,7 @@
           <p:cNvPr id="3" name="Content Placeholder 2">
             <a:extLst>
               <a:ext uri="{FF2B5EF4-FFF2-40B4-BE49-F238E27FC236}">
-                <a16:creationId xmlns:a16="http://schemas.microsoft.com/office/drawing/2014/main" id="{4F3052B0-1EE5-4731-B272-FB779F75B923}"/>
+                <a16:creationId xmlns:a16="http://schemas.microsoft.com/office/drawing/2014/main" xmlns="" id="{EEC8D7A8-FA21-4A66-B7B8-BCE9333560DD}"/>
               </a:ext>
             </a:extLst>
           </p:cNvPr>
@@ -15100,7 +14639,7 @@
         <p:spPr>
           <a:xfrm>
             <a:off x="1141412" y="2249487"/>
-            <a:ext cx="9905999" cy="3936160"/>
+            <a:ext cx="9905999" cy="3978318"/>
           </a:xfrm>
         </p:spPr>
         <p:txBody>
@@ -15111,93 +14650,308 @@
           <a:p>
             <a:r>
               <a:rPr lang="en-US" dirty="0"/>
-              <a:t>P -&gt; Q</a:t>
-            </a:r>
-          </a:p>
-          <a:p>
+              <a:t>Inductive Hypothesis: Assume true for k</a:t>
+            </a:r>
+          </a:p>
+          <a:p>
+            <a:pPr lvl="1"/>
             <a:r>
               <a:rPr lang="en-US" dirty="0"/>
-              <a:t>When exhaustion is not feasible, use a direct proof</a:t>
+              <a:t>Show k + 1 is true</a:t>
             </a:r>
           </a:p>
           <a:p>
             <a:r>
               <a:rPr lang="en-US" dirty="0"/>
-              <a:t>Assume P and deduce Q</a:t>
-            </a:r>
-          </a:p>
-          <a:p>
+              <a:t>1 + 3 + 6 + … + </a:t>
+            </a:r>
+            <a:r>
+              <a:rPr lang="en-US" dirty="0" smtClean="0"/>
+              <a:t>[k(k+1</a:t>
+            </a:r>
             <a:r>
               <a:rPr lang="en-US" dirty="0"/>
-              <a:t>Prove: If x and y are odd, then </a:t>
-            </a:r>
-            <a:r>
-              <a:rPr lang="en-US" dirty="0" err="1"/>
-              <a:t>xy</a:t>
+              <a:t>)]/</a:t>
+            </a:r>
+            <a:r>
+              <a:rPr lang="en-US" dirty="0" smtClean="0"/>
+              <a:t>2 + [(k+1)((k+1)+1)]/2 </a:t>
             </a:r>
             <a:r>
               <a:rPr lang="en-US" dirty="0"/>
-              <a:t> is odd</a:t>
-            </a:r>
-          </a:p>
-          <a:p>
+              <a:t>= </a:t>
+            </a:r>
+            <a:r>
+              <a:rPr lang="en-US" dirty="0" smtClean="0"/>
+              <a:t>[k(k+1)(k </a:t>
+            </a:r>
             <a:r>
               <a:rPr lang="en-US" dirty="0"/>
-              <a:t>Let x = 2n + 1, y = 2m + 1 by definition of an odd integer</a:t>
-            </a:r>
-          </a:p>
-          <a:p>
-            <a:r>
-              <a:rPr lang="en-US" dirty="0" err="1"/>
-              <a:t>xy</a:t>
+              <a:t>+ 2)] / </a:t>
+            </a:r>
+            <a:r>
+              <a:rPr lang="en-US" dirty="0" smtClean="0"/>
+              <a:t>6</a:t>
+            </a:r>
+          </a:p>
+          <a:p>
+            <a:r>
+              <a:rPr lang="en-US" dirty="0" smtClean="0"/>
+              <a:t>If we assume that it is true for (1 + 3 + 6 …+k) then we can plug it in:</a:t>
+            </a:r>
+          </a:p>
+          <a:p>
+            <a:pPr lvl="1"/>
+            <a:r>
+              <a:rPr lang="en-US" dirty="0" smtClean="0"/>
+              <a:t>[[k(k+1)(k </a:t>
             </a:r>
             <a:r>
               <a:rPr lang="en-US" dirty="0"/>
-              <a:t> = 4nm + 2m + 2n + 1</a:t>
-            </a:r>
-          </a:p>
-          <a:p>
-            <a:r>
-              <a:rPr lang="en-US" dirty="0" err="1"/>
-              <a:t>xy</a:t>
+              <a:t>+ 2)] / 6] + [[(k+1)((k+1)+1)]/2] = </a:t>
+            </a:r>
+            <a:r>
+              <a:rPr lang="en-US" dirty="0" smtClean="0"/>
+              <a:t>[(k+1)((k+1)+1))((k+1) </a:t>
             </a:r>
             <a:r>
               <a:rPr lang="en-US" dirty="0"/>
-              <a:t> = 2(nm + m + n) + 1</a:t>
-            </a:r>
-          </a:p>
-          <a:p>
+              <a:t>+ 2)] / </a:t>
+            </a:r>
+            <a:r>
+              <a:rPr lang="en-US" dirty="0" smtClean="0"/>
+              <a:t>6</a:t>
+            </a:r>
+          </a:p>
+          <a:p>
+            <a:pPr lvl="1"/>
+            <a:r>
+              <a:rPr lang="en-US" dirty="0" smtClean="0"/>
+              <a:t>([(k</a:t>
+            </a:r>
+            <a:r>
+              <a:rPr lang="en-US" baseline="30000" dirty="0" smtClean="0"/>
+              <a:t>2</a:t>
+            </a:r>
+            <a:r>
+              <a:rPr lang="en-US" dirty="0" smtClean="0"/>
+              <a:t> + k)(k+2)] / 6) + [((k+1)(k+2))/2] = [(k+1)(k+2)(k+3)] / 6</a:t>
+            </a:r>
+          </a:p>
+          <a:p>
+            <a:pPr lvl="1"/>
+            <a:r>
+              <a:rPr lang="en-US" dirty="0" smtClean="0"/>
+              <a:t>([k</a:t>
+            </a:r>
+            <a:r>
+              <a:rPr lang="en-US" baseline="30000" dirty="0" smtClean="0"/>
+              <a:t>3</a:t>
+            </a:r>
+            <a:r>
+              <a:rPr lang="en-US" dirty="0" smtClean="0"/>
+              <a:t> + 2k</a:t>
+            </a:r>
+            <a:r>
+              <a:rPr lang="en-US" baseline="30000" dirty="0"/>
+              <a:t>2</a:t>
+            </a:r>
+            <a:r>
+              <a:rPr lang="en-US" dirty="0" smtClean="0"/>
+              <a:t> + k</a:t>
+            </a:r>
+            <a:r>
+              <a:rPr lang="en-US" baseline="30000" dirty="0"/>
+              <a:t>2</a:t>
+            </a:r>
+            <a:r>
+              <a:rPr lang="en-US" dirty="0" smtClean="0"/>
+              <a:t> + 2k] / 6) + 3[k</a:t>
+            </a:r>
+            <a:r>
+              <a:rPr lang="en-US" baseline="30000" dirty="0"/>
+              <a:t>2 </a:t>
+            </a:r>
+            <a:r>
+              <a:rPr lang="en-US" dirty="0" smtClean="0"/>
+              <a:t>+ 3k+2] = [(k</a:t>
+            </a:r>
+            <a:r>
+              <a:rPr lang="en-US" baseline="30000" dirty="0"/>
+              <a:t>2</a:t>
+            </a:r>
+            <a:r>
+              <a:rPr lang="en-US" dirty="0" smtClean="0"/>
+              <a:t> + 3k + 2)(k+3)] / 6</a:t>
+            </a:r>
+          </a:p>
+          <a:p>
+            <a:pPr lvl="1"/>
             <a:r>
               <a:rPr lang="en-US" dirty="0"/>
-              <a:t>Let k = nm + m + n</a:t>
-            </a:r>
-          </a:p>
-          <a:p>
-            <a:r>
-              <a:rPr lang="en-US" dirty="0" err="1"/>
-              <a:t>xy</a:t>
+              <a:t>([k</a:t>
+            </a:r>
+            <a:r>
+              <a:rPr lang="en-US" baseline="30000" dirty="0"/>
+              <a:t>3</a:t>
             </a:r>
             <a:r>
               <a:rPr lang="en-US" dirty="0"/>
-              <a:t> = 2k + 1 </a:t>
-            </a:r>
-          </a:p>
-          <a:p>
-            <a:r>
-              <a:rPr lang="en-US" dirty="0" err="1"/>
-              <a:t>xy</a:t>
+              <a:t> + 2k</a:t>
+            </a:r>
+            <a:r>
+              <a:rPr lang="en-US" baseline="30000" dirty="0"/>
+              <a:t>2</a:t>
             </a:r>
             <a:r>
               <a:rPr lang="en-US" dirty="0"/>
-              <a:t> is odd by definition of an odd integer</a:t>
-            </a:r>
+              <a:t> + k</a:t>
+            </a:r>
+            <a:r>
+              <a:rPr lang="en-US" baseline="30000" dirty="0"/>
+              <a:t>2</a:t>
+            </a:r>
+            <a:r>
+              <a:rPr lang="en-US" dirty="0"/>
+              <a:t> + 2k] / 6) + </a:t>
+            </a:r>
+            <a:r>
+              <a:rPr lang="en-US" dirty="0" smtClean="0"/>
+              <a:t>(3k</a:t>
+            </a:r>
+            <a:r>
+              <a:rPr lang="en-US" baseline="30000" dirty="0" smtClean="0"/>
+              <a:t>2 </a:t>
+            </a:r>
+            <a:r>
+              <a:rPr lang="en-US" dirty="0"/>
+              <a:t>+ </a:t>
+            </a:r>
+            <a:r>
+              <a:rPr lang="en-US" dirty="0" smtClean="0"/>
+              <a:t>9k+6)/6 </a:t>
+            </a:r>
+            <a:r>
+              <a:rPr lang="en-US" dirty="0"/>
+              <a:t>= </a:t>
+            </a:r>
+            <a:r>
+              <a:rPr lang="en-US" dirty="0" smtClean="0"/>
+              <a:t>[k</a:t>
+            </a:r>
+            <a:r>
+              <a:rPr lang="en-US" sz="2100" baseline="30000" dirty="0"/>
+              <a:t>3</a:t>
+            </a:r>
+            <a:r>
+              <a:rPr lang="en-US" dirty="0" smtClean="0"/>
+              <a:t> </a:t>
+            </a:r>
+            <a:r>
+              <a:rPr lang="en-US" dirty="0"/>
+              <a:t>+ </a:t>
+            </a:r>
+            <a:r>
+              <a:rPr lang="en-US" dirty="0" smtClean="0"/>
+              <a:t>3k</a:t>
+            </a:r>
+            <a:r>
+              <a:rPr lang="en-US" sz="2100" baseline="30000" dirty="0"/>
+              <a:t>2</a:t>
+            </a:r>
+            <a:r>
+              <a:rPr lang="en-US" dirty="0" smtClean="0"/>
+              <a:t> </a:t>
+            </a:r>
+            <a:r>
+              <a:rPr lang="en-US" dirty="0"/>
+              <a:t>+ </a:t>
+            </a:r>
+            <a:r>
+              <a:rPr lang="en-US" dirty="0" smtClean="0"/>
+              <a:t>2k + 3k</a:t>
+            </a:r>
+            <a:r>
+              <a:rPr lang="en-US" sz="2100" baseline="30000" dirty="0"/>
+              <a:t>2</a:t>
+            </a:r>
+            <a:r>
+              <a:rPr lang="en-US" dirty="0" smtClean="0"/>
+              <a:t> + 9k + 6] </a:t>
+            </a:r>
+            <a:r>
+              <a:rPr lang="en-US" dirty="0"/>
+              <a:t>/ </a:t>
+            </a:r>
+            <a:r>
+              <a:rPr lang="en-US" dirty="0" smtClean="0"/>
+              <a:t>6</a:t>
+            </a:r>
+          </a:p>
+          <a:p>
+            <a:pPr lvl="1"/>
+            <a:r>
+              <a:rPr lang="en-US" dirty="0" smtClean="0"/>
+              <a:t>(k</a:t>
+            </a:r>
+            <a:r>
+              <a:rPr lang="en-US" sz="2100" baseline="30000" dirty="0"/>
+              <a:t>3</a:t>
+            </a:r>
+            <a:r>
+              <a:rPr lang="en-US" dirty="0" smtClean="0"/>
+              <a:t> + 6k</a:t>
+            </a:r>
+            <a:r>
+              <a:rPr lang="en-US" sz="2100" baseline="30000" dirty="0"/>
+              <a:t>2</a:t>
+            </a:r>
+            <a:r>
+              <a:rPr lang="en-US" dirty="0" smtClean="0"/>
+              <a:t> + 11k + 6) / 6 = (k</a:t>
+            </a:r>
+            <a:r>
+              <a:rPr lang="en-US" sz="2100" baseline="30000" dirty="0"/>
+              <a:t>3</a:t>
+            </a:r>
+            <a:r>
+              <a:rPr lang="en-US" dirty="0" smtClean="0"/>
+              <a:t> + 6k</a:t>
+            </a:r>
+            <a:r>
+              <a:rPr lang="en-US" sz="2100" baseline="30000" dirty="0"/>
+              <a:t>2</a:t>
+            </a:r>
+            <a:r>
+              <a:rPr lang="en-US" dirty="0" smtClean="0"/>
+              <a:t> + 11k + 6) / 6</a:t>
+            </a:r>
+          </a:p>
+          <a:p>
+            <a:r>
+              <a:rPr lang="en-US" dirty="0" smtClean="0"/>
+              <a:t>We have proven that, if k is true, then k+1 is true (k -&gt; k+1)</a:t>
+            </a:r>
+          </a:p>
+          <a:p>
+            <a:r>
+              <a:rPr lang="en-US" dirty="0" smtClean="0"/>
+              <a:t>Furthermore we’ve proven that it is true when k = 1</a:t>
+            </a:r>
+          </a:p>
+          <a:p>
+            <a:r>
+              <a:rPr lang="en-US" dirty="0" smtClean="0"/>
+              <a:t>Therefore we can prove for any n</a:t>
+            </a:r>
+            <a:endParaRPr lang="en-US" dirty="0"/>
           </a:p>
         </p:txBody>
       </p:sp>
     </p:spTree>
     <p:extLst>
       <p:ext uri="{BB962C8B-B14F-4D97-AF65-F5344CB8AC3E}">
-        <p14:creationId xmlns:p14="http://schemas.microsoft.com/office/powerpoint/2010/main" val="4049506640"/>
+        <p14:creationId xmlns:p14="http://schemas.microsoft.com/office/powerpoint/2010/main" val="2800741499"/>
       </p:ext>
     </p:extLst>
   </p:cSld>
@@ -15267,33 +15021,15 @@
                                   </p:childTnLst>
                                 </p:cTn>
                               </p:par>
-                            </p:childTnLst>
-                          </p:cTn>
-                        </p:par>
-                      </p:childTnLst>
-                    </p:cTn>
-                  </p:par>
-                  <p:par>
-                    <p:cTn id="8" fill="hold">
-                      <p:stCondLst>
-                        <p:cond delay="indefinite"/>
-                      </p:stCondLst>
-                      <p:childTnLst>
-                        <p:par>
-                          <p:cTn id="9" fill="hold">
-                            <p:stCondLst>
-                              <p:cond delay="0"/>
-                            </p:stCondLst>
-                            <p:childTnLst>
                               <p:par>
-                                <p:cTn id="10" presetID="10" presetClass="entr" presetSubtype="0" fill="hold" grpId="0" nodeType="clickEffect">
+                                <p:cTn id="8" presetID="10" presetClass="entr" presetSubtype="0" fill="hold" grpId="0" nodeType="withEffect">
                                   <p:stCondLst>
                                     <p:cond delay="0"/>
                                   </p:stCondLst>
                                   <p:childTnLst>
                                     <p:set>
                                       <p:cBhvr>
-                                        <p:cTn id="11" dur="1" fill="hold">
+                                        <p:cTn id="9" dur="1" fill="hold">
                                           <p:stCondLst>
                                             <p:cond delay="0"/>
                                           </p:stCondLst>
@@ -15315,7 +15051,7 @@
                                     </p:set>
                                     <p:animEffect transition="in" filter="fade">
                                       <p:cBhvr>
-                                        <p:cTn id="12" dur="500"/>
+                                        <p:cTn id="10" dur="500"/>
                                         <p:tgtEl>
                                           <p:spTgt spid="3">
                                             <p:txEl>
@@ -15335,26 +15071,26 @@
                     </p:cTn>
                   </p:par>
                   <p:par>
-                    <p:cTn id="13" fill="hold">
+                    <p:cTn id="11" fill="hold">
                       <p:stCondLst>
                         <p:cond delay="indefinite"/>
                       </p:stCondLst>
                       <p:childTnLst>
                         <p:par>
-                          <p:cTn id="14" fill="hold">
+                          <p:cTn id="12" fill="hold">
                             <p:stCondLst>
                               <p:cond delay="0"/>
                             </p:stCondLst>
                             <p:childTnLst>
                               <p:par>
-                                <p:cTn id="15" presetID="10" presetClass="entr" presetSubtype="0" fill="hold" grpId="0" nodeType="clickEffect">
+                                <p:cTn id="13" presetID="10" presetClass="entr" presetSubtype="0" fill="hold" grpId="0" nodeType="clickEffect">
                                   <p:stCondLst>
                                     <p:cond delay="0"/>
                                   </p:stCondLst>
                                   <p:childTnLst>
                                     <p:set>
                                       <p:cBhvr>
-                                        <p:cTn id="16" dur="1" fill="hold">
+                                        <p:cTn id="14" dur="1" fill="hold">
                                           <p:stCondLst>
                                             <p:cond delay="0"/>
                                           </p:stCondLst>
@@ -15376,7 +15112,7 @@
                                     </p:set>
                                     <p:animEffect transition="in" filter="fade">
                                       <p:cBhvr>
-                                        <p:cTn id="17" dur="500"/>
+                                        <p:cTn id="15" dur="500"/>
                                         <p:tgtEl>
                                           <p:spTgt spid="3">
                                             <p:txEl>
@@ -15396,26 +15132,26 @@
                     </p:cTn>
                   </p:par>
                   <p:par>
-                    <p:cTn id="18" fill="hold">
+                    <p:cTn id="16" fill="hold">
                       <p:stCondLst>
                         <p:cond delay="indefinite"/>
                       </p:stCondLst>
                       <p:childTnLst>
                         <p:par>
-                          <p:cTn id="19" fill="hold">
+                          <p:cTn id="17" fill="hold">
                             <p:stCondLst>
                               <p:cond delay="0"/>
                             </p:stCondLst>
                             <p:childTnLst>
                               <p:par>
-                                <p:cTn id="20" presetID="10" presetClass="entr" presetSubtype="0" fill="hold" grpId="0" nodeType="clickEffect">
+                                <p:cTn id="18" presetID="10" presetClass="entr" presetSubtype="0" fill="hold" grpId="0" nodeType="clickEffect">
                                   <p:stCondLst>
                                     <p:cond delay="0"/>
                                   </p:stCondLst>
                                   <p:childTnLst>
                                     <p:set>
                                       <p:cBhvr>
-                                        <p:cTn id="21" dur="1" fill="hold">
+                                        <p:cTn id="19" dur="1" fill="hold">
                                           <p:stCondLst>
                                             <p:cond delay="0"/>
                                           </p:stCondLst>
@@ -15437,7 +15173,7 @@
                                     </p:set>
                                     <p:animEffect transition="in" filter="fade">
                                       <p:cBhvr>
-                                        <p:cTn id="22" dur="500"/>
+                                        <p:cTn id="20" dur="500"/>
                                         <p:tgtEl>
                                           <p:spTgt spid="3">
                                             <p:txEl>
@@ -15450,33 +15186,15 @@
                                   </p:childTnLst>
                                 </p:cTn>
                               </p:par>
-                            </p:childTnLst>
-                          </p:cTn>
-                        </p:par>
-                      </p:childTnLst>
-                    </p:cTn>
-                  </p:par>
-                  <p:par>
-                    <p:cTn id="23" fill="hold">
-                      <p:stCondLst>
-                        <p:cond delay="indefinite"/>
-                      </p:stCondLst>
-                      <p:childTnLst>
-                        <p:par>
-                          <p:cTn id="24" fill="hold">
-                            <p:stCondLst>
-                              <p:cond delay="0"/>
-                            </p:stCondLst>
-                            <p:childTnLst>
                               <p:par>
-                                <p:cTn id="25" presetID="10" presetClass="entr" presetSubtype="0" fill="hold" grpId="0" nodeType="clickEffect">
+                                <p:cTn id="21" presetID="10" presetClass="entr" presetSubtype="0" fill="hold" grpId="0" nodeType="withEffect">
                                   <p:stCondLst>
                                     <p:cond delay="0"/>
                                   </p:stCondLst>
                                   <p:childTnLst>
                                     <p:set>
                                       <p:cBhvr>
-                                        <p:cTn id="26" dur="1" fill="hold">
+                                        <p:cTn id="22" dur="1" fill="hold">
                                           <p:stCondLst>
                                             <p:cond delay="0"/>
                                           </p:stCondLst>
@@ -15498,7 +15216,7 @@
                                     </p:set>
                                     <p:animEffect transition="in" filter="fade">
                                       <p:cBhvr>
-                                        <p:cTn id="27" dur="500"/>
+                                        <p:cTn id="23" dur="500"/>
                                         <p:tgtEl>
                                           <p:spTgt spid="3">
                                             <p:txEl>
@@ -15511,33 +15229,15 @@
                                   </p:childTnLst>
                                 </p:cTn>
                               </p:par>
-                            </p:childTnLst>
-                          </p:cTn>
-                        </p:par>
-                      </p:childTnLst>
-                    </p:cTn>
-                  </p:par>
-                  <p:par>
-                    <p:cTn id="28" fill="hold">
-                      <p:stCondLst>
-                        <p:cond delay="indefinite"/>
-                      </p:stCondLst>
-                      <p:childTnLst>
-                        <p:par>
-                          <p:cTn id="29" fill="hold">
-                            <p:stCondLst>
-                              <p:cond delay="0"/>
-                            </p:stCondLst>
-                            <p:childTnLst>
                               <p:par>
-                                <p:cTn id="30" presetID="10" presetClass="entr" presetSubtype="0" fill="hold" grpId="0" nodeType="clickEffect">
+                                <p:cTn id="24" presetID="10" presetClass="entr" presetSubtype="0" fill="hold" grpId="0" nodeType="withEffect">
                                   <p:stCondLst>
                                     <p:cond delay="0"/>
                                   </p:stCondLst>
                                   <p:childTnLst>
                                     <p:set>
                                       <p:cBhvr>
-                                        <p:cTn id="31" dur="1" fill="hold">
+                                        <p:cTn id="25" dur="1" fill="hold">
                                           <p:stCondLst>
                                             <p:cond delay="0"/>
                                           </p:stCondLst>
@@ -15559,7 +15259,7 @@
                                     </p:set>
                                     <p:animEffect transition="in" filter="fade">
                                       <p:cBhvr>
-                                        <p:cTn id="32" dur="500"/>
+                                        <p:cTn id="26" dur="500"/>
                                         <p:tgtEl>
                                           <p:spTgt spid="3">
                                             <p:txEl>
@@ -15572,33 +15272,15 @@
                                   </p:childTnLst>
                                 </p:cTn>
                               </p:par>
-                            </p:childTnLst>
-                          </p:cTn>
-                        </p:par>
-                      </p:childTnLst>
-                    </p:cTn>
-                  </p:par>
-                  <p:par>
-                    <p:cTn id="33" fill="hold">
-                      <p:stCondLst>
-                        <p:cond delay="indefinite"/>
-                      </p:stCondLst>
-                      <p:childTnLst>
-                        <p:par>
-                          <p:cTn id="34" fill="hold">
-                            <p:stCondLst>
-                              <p:cond delay="0"/>
-                            </p:stCondLst>
-                            <p:childTnLst>
                               <p:par>
-                                <p:cTn id="35" presetID="10" presetClass="entr" presetSubtype="0" fill="hold" grpId="0" nodeType="clickEffect">
+                                <p:cTn id="27" presetID="10" presetClass="entr" presetSubtype="0" fill="hold" grpId="0" nodeType="withEffect">
                                   <p:stCondLst>
                                     <p:cond delay="0"/>
                                   </p:stCondLst>
                                   <p:childTnLst>
                                     <p:set>
                                       <p:cBhvr>
-                                        <p:cTn id="36" dur="1" fill="hold">
+                                        <p:cTn id="28" dur="1" fill="hold">
                                           <p:stCondLst>
                                             <p:cond delay="0"/>
                                           </p:stCondLst>
@@ -15620,7 +15302,7 @@
                                     </p:set>
                                     <p:animEffect transition="in" filter="fade">
                                       <p:cBhvr>
-                                        <p:cTn id="37" dur="500"/>
+                                        <p:cTn id="29" dur="500"/>
                                         <p:tgtEl>
                                           <p:spTgt spid="3">
                                             <p:txEl>
@@ -15633,33 +15315,15 @@
                                   </p:childTnLst>
                                 </p:cTn>
                               </p:par>
-                            </p:childTnLst>
-                          </p:cTn>
-                        </p:par>
-                      </p:childTnLst>
-                    </p:cTn>
-                  </p:par>
-                  <p:par>
-                    <p:cTn id="38" fill="hold">
-                      <p:stCondLst>
-                        <p:cond delay="indefinite"/>
-                      </p:stCondLst>
-                      <p:childTnLst>
-                        <p:par>
-                          <p:cTn id="39" fill="hold">
-                            <p:stCondLst>
-                              <p:cond delay="0"/>
-                            </p:stCondLst>
-                            <p:childTnLst>
                               <p:par>
-                                <p:cTn id="40" presetID="10" presetClass="entr" presetSubtype="0" fill="hold" grpId="0" nodeType="clickEffect">
+                                <p:cTn id="30" presetID="10" presetClass="entr" presetSubtype="0" fill="hold" grpId="0" nodeType="withEffect">
                                   <p:stCondLst>
                                     <p:cond delay="0"/>
                                   </p:stCondLst>
                                   <p:childTnLst>
                                     <p:set>
                                       <p:cBhvr>
-                                        <p:cTn id="41" dur="1" fill="hold">
+                                        <p:cTn id="31" dur="1" fill="hold">
                                           <p:stCondLst>
                                             <p:cond delay="0"/>
                                           </p:stCondLst>
@@ -15681,7 +15345,7 @@
                                     </p:set>
                                     <p:animEffect transition="in" filter="fade">
                                       <p:cBhvr>
-                                        <p:cTn id="42" dur="500"/>
+                                        <p:cTn id="32" dur="500"/>
                                         <p:tgtEl>
                                           <p:spTgt spid="3">
                                             <p:txEl>
@@ -15694,33 +15358,15 @@
                                   </p:childTnLst>
                                 </p:cTn>
                               </p:par>
-                            </p:childTnLst>
-                          </p:cTn>
-                        </p:par>
-                      </p:childTnLst>
-                    </p:cTn>
-                  </p:par>
-                  <p:par>
-                    <p:cTn id="43" fill="hold">
-                      <p:stCondLst>
-                        <p:cond delay="indefinite"/>
-                      </p:stCondLst>
-                      <p:childTnLst>
-                        <p:par>
-                          <p:cTn id="44" fill="hold">
-                            <p:stCondLst>
-                              <p:cond delay="0"/>
-                            </p:stCondLst>
-                            <p:childTnLst>
                               <p:par>
-                                <p:cTn id="45" presetID="10" presetClass="entr" presetSubtype="0" fill="hold" grpId="0" nodeType="clickEffect">
+                                <p:cTn id="33" presetID="10" presetClass="entr" presetSubtype="0" fill="hold" grpId="0" nodeType="withEffect">
                                   <p:stCondLst>
                                     <p:cond delay="0"/>
                                   </p:stCondLst>
                                   <p:childTnLst>
                                     <p:set>
                                       <p:cBhvr>
-                                        <p:cTn id="46" dur="1" fill="hold">
+                                        <p:cTn id="34" dur="1" fill="hold">
                                           <p:stCondLst>
                                             <p:cond delay="0"/>
                                           </p:stCondLst>
@@ -15742,7 +15388,7 @@
                                     </p:set>
                                     <p:animEffect transition="in" filter="fade">
                                       <p:cBhvr>
-                                        <p:cTn id="47" dur="500"/>
+                                        <p:cTn id="35" dur="500"/>
                                         <p:tgtEl>
                                           <p:spTgt spid="3">
                                             <p:txEl>
@@ -15762,26 +15408,26 @@
                     </p:cTn>
                   </p:par>
                   <p:par>
-                    <p:cTn id="48" fill="hold">
+                    <p:cTn id="36" fill="hold">
                       <p:stCondLst>
                         <p:cond delay="indefinite"/>
                       </p:stCondLst>
                       <p:childTnLst>
                         <p:par>
-                          <p:cTn id="49" fill="hold">
+                          <p:cTn id="37" fill="hold">
                             <p:stCondLst>
                               <p:cond delay="0"/>
                             </p:stCondLst>
                             <p:childTnLst>
                               <p:par>
-                                <p:cTn id="50" presetID="10" presetClass="entr" presetSubtype="0" fill="hold" grpId="0" nodeType="clickEffect">
+                                <p:cTn id="38" presetID="10" presetClass="entr" presetSubtype="0" fill="hold" grpId="0" nodeType="clickEffect">
                                   <p:stCondLst>
                                     <p:cond delay="0"/>
                                   </p:stCondLst>
                                   <p:childTnLst>
                                     <p:set>
                                       <p:cBhvr>
-                                        <p:cTn id="51" dur="1" fill="hold">
+                                        <p:cTn id="39" dur="1" fill="hold">
                                           <p:stCondLst>
                                             <p:cond delay="0"/>
                                           </p:stCondLst>
@@ -15803,7 +15449,7 @@
                                     </p:set>
                                     <p:animEffect transition="in" filter="fade">
                                       <p:cBhvr>
-                                        <p:cTn id="52" dur="500"/>
+                                        <p:cTn id="40" dur="500"/>
                                         <p:tgtEl>
                                           <p:spTgt spid="3">
                                             <p:txEl>
@@ -15822,209 +15468,27 @@
                       </p:childTnLst>
                     </p:cTn>
                   </p:par>
-                </p:childTnLst>
-              </p:cTn>
-              <p:prevCondLst>
-                <p:cond evt="onPrev" delay="0">
-                  <p:tgtEl>
-                    <p:sldTgt/>
-                  </p:tgtEl>
-                </p:cond>
-              </p:prevCondLst>
-              <p:nextCondLst>
-                <p:cond evt="onNext" delay="0">
-                  <p:tgtEl>
-                    <p:sldTgt/>
-                  </p:tgtEl>
-                </p:cond>
-              </p:nextCondLst>
-            </p:seq>
-          </p:childTnLst>
-        </p:cTn>
-      </p:par>
-    </p:tnLst>
-    <p:bldLst>
-      <p:bldP spid="3" grpId="0" uiExpand="1" build="p"/>
-    </p:bldLst>
-  </p:timing>
-</p:sld>
-</file>
-
-<file path=ppt/slides/slide6.xml><?xml version="1.0" encoding="utf-8"?>
-<p:sld xmlns:a="http://schemas.openxmlformats.org/drawingml/2006/main" xmlns:r="http://schemas.openxmlformats.org/officeDocument/2006/relationships" xmlns:p="http://schemas.openxmlformats.org/presentationml/2006/main">
-  <p:cSld>
-    <p:spTree>
-      <p:nvGrpSpPr>
-        <p:cNvPr id="1" name=""/>
-        <p:cNvGrpSpPr/>
-        <p:nvPr/>
-      </p:nvGrpSpPr>
-      <p:grpSpPr>
-        <a:xfrm>
-          <a:off x="0" y="0"/>
-          <a:ext cx="0" cy="0"/>
-          <a:chOff x="0" y="0"/>
-          <a:chExt cx="0" cy="0"/>
-        </a:xfrm>
-      </p:grpSpPr>
-      <p:sp>
-        <p:nvSpPr>
-          <p:cNvPr id="2" name="Title 1">
-            <a:extLst>
-              <a:ext uri="{FF2B5EF4-FFF2-40B4-BE49-F238E27FC236}">
-                <a16:creationId xmlns:a16="http://schemas.microsoft.com/office/drawing/2014/main" id="{F65C6B8C-2918-49AE-80AD-CA9F3E3F4476}"/>
-              </a:ext>
-            </a:extLst>
-          </p:cNvPr>
-          <p:cNvSpPr>
-            <a:spLocks noGrp="1"/>
-          </p:cNvSpPr>
-          <p:nvPr>
-            <p:ph type="title"/>
-          </p:nvPr>
-        </p:nvSpPr>
-        <p:spPr/>
-        <p:txBody>
-          <a:bodyPr/>
-          <a:lstStyle/>
-          <a:p>
-            <a:r>
-              <a:rPr lang="en-US" dirty="0"/>
-              <a:t>Direct proof</a:t>
-            </a:r>
-          </a:p>
-        </p:txBody>
-      </p:sp>
-      <p:sp>
-        <p:nvSpPr>
-          <p:cNvPr id="3" name="Content Placeholder 2">
-            <a:extLst>
-              <a:ext uri="{FF2B5EF4-FFF2-40B4-BE49-F238E27FC236}">
-                <a16:creationId xmlns:a16="http://schemas.microsoft.com/office/drawing/2014/main" id="{316D48FD-F829-4EFD-BF52-C001CB819157}"/>
-              </a:ext>
-            </a:extLst>
-          </p:cNvPr>
-          <p:cNvSpPr>
-            <a:spLocks noGrp="1"/>
-          </p:cNvSpPr>
-          <p:nvPr>
-            <p:ph idx="1"/>
-          </p:nvPr>
-        </p:nvSpPr>
-        <p:spPr>
-          <a:xfrm>
-            <a:off x="1141412" y="2249487"/>
-            <a:ext cx="9905999" cy="3864442"/>
-          </a:xfrm>
-        </p:spPr>
-        <p:txBody>
-          <a:bodyPr>
-            <a:normAutofit fontScale="85000" lnSpcReduction="20000"/>
-          </a:bodyPr>
-          <a:lstStyle/>
-          <a:p>
-            <a:r>
-              <a:rPr lang="en-US" dirty="0"/>
-              <a:t>If n is even, then n</a:t>
-            </a:r>
-            <a:r>
-              <a:rPr lang="en-US" baseline="30000" dirty="0"/>
-              <a:t>2</a:t>
-            </a:r>
-            <a:r>
-              <a:rPr lang="en-US" dirty="0"/>
-              <a:t> – 1 is odd</a:t>
-            </a:r>
-          </a:p>
-          <a:p>
-            <a:r>
-              <a:rPr lang="en-US" dirty="0"/>
-              <a:t>Assume n is even</a:t>
-            </a:r>
-          </a:p>
-          <a:p>
-            <a:r>
-              <a:rPr lang="en-US" dirty="0"/>
-              <a:t>Let n = 2k</a:t>
-            </a:r>
-          </a:p>
-          <a:p>
-            <a:r>
-              <a:rPr lang="en-US" dirty="0"/>
-              <a:t>(2k)(2k) -1</a:t>
-            </a:r>
-          </a:p>
-          <a:p>
-            <a:r>
-              <a:rPr lang="en-US" dirty="0"/>
-              <a:t>2(2k*k) – 1</a:t>
-            </a:r>
-          </a:p>
-          <a:p>
-            <a:r>
-              <a:rPr lang="en-US" dirty="0"/>
-              <a:t>Let m = 2k*k</a:t>
-            </a:r>
-          </a:p>
-          <a:p>
-            <a:r>
-              <a:rPr lang="en-US" dirty="0"/>
-              <a:t>2m – 1</a:t>
-            </a:r>
-          </a:p>
-          <a:p>
-            <a:r>
-              <a:rPr lang="en-US" dirty="0"/>
-              <a:t>2m is even by definition of an even integer</a:t>
-            </a:r>
-          </a:p>
-          <a:p>
-            <a:r>
-              <a:rPr lang="en-US" dirty="0"/>
-              <a:t>2m – 1 is odd by definition of an odd integer</a:t>
-            </a:r>
-          </a:p>
-        </p:txBody>
-      </p:sp>
-    </p:spTree>
-    <p:extLst>
-      <p:ext uri="{BB962C8B-B14F-4D97-AF65-F5344CB8AC3E}">
-        <p14:creationId xmlns:p14="http://schemas.microsoft.com/office/powerpoint/2010/main" val="61161178"/>
-      </p:ext>
-    </p:extLst>
-  </p:cSld>
-  <p:clrMapOvr>
-    <a:masterClrMapping/>
-  </p:clrMapOvr>
-  <p:timing>
-    <p:tnLst>
-      <p:par>
-        <p:cTn id="1" dur="indefinite" restart="never" nodeType="tmRoot">
-          <p:childTnLst>
-            <p:seq concurrent="1" nextAc="seek">
-              <p:cTn id="2" dur="indefinite" nodeType="mainSeq">
-                <p:childTnLst>
                   <p:par>
-                    <p:cTn id="3" fill="hold">
+                    <p:cTn id="41" fill="hold">
                       <p:stCondLst>
                         <p:cond delay="indefinite"/>
                       </p:stCondLst>
                       <p:childTnLst>
                         <p:par>
-                          <p:cTn id="4" fill="hold">
+                          <p:cTn id="42" fill="hold">
                             <p:stCondLst>
                               <p:cond delay="0"/>
                             </p:stCondLst>
                             <p:childTnLst>
                               <p:par>
-                                <p:cTn id="5" presetID="10" presetClass="entr" presetSubtype="0" fill="hold" grpId="0" nodeType="clickEffect">
+                                <p:cTn id="43" presetID="10" presetClass="entr" presetSubtype="0" fill="hold" grpId="0" nodeType="clickEffect">
                                   <p:stCondLst>
                                     <p:cond delay="0"/>
                                   </p:stCondLst>
                                   <p:childTnLst>
                                     <p:set>
                                       <p:cBhvr>
-                                        <p:cTn id="6" dur="1" fill="hold">
+                                        <p:cTn id="44" dur="1" fill="hold">
                                           <p:stCondLst>
                                             <p:cond delay="0"/>
                                           </p:stCondLst>
@@ -16032,7 +15496,7 @@
                                         <p:tgtEl>
                                           <p:spTgt spid="3">
                                             <p:txEl>
-                                              <p:pRg st="0" end="0"/>
+                                              <p:pRg st="10" end="10"/>
                                             </p:txEl>
                                           </p:spTgt>
                                         </p:tgtEl>
@@ -16046,11 +15510,11 @@
                                     </p:set>
                                     <p:animEffect transition="in" filter="fade">
                                       <p:cBhvr>
-                                        <p:cTn id="7" dur="500"/>
+                                        <p:cTn id="45" dur="500"/>
                                         <p:tgtEl>
                                           <p:spTgt spid="3">
                                             <p:txEl>
-                                              <p:pRg st="0" end="0"/>
+                                              <p:pRg st="10" end="10"/>
                                             </p:txEl>
                                           </p:spTgt>
                                         </p:tgtEl>
@@ -16066,26 +15530,26 @@
                     </p:cTn>
                   </p:par>
                   <p:par>
-                    <p:cTn id="8" fill="hold">
+                    <p:cTn id="46" fill="hold">
                       <p:stCondLst>
                         <p:cond delay="indefinite"/>
                       </p:stCondLst>
                       <p:childTnLst>
                         <p:par>
-                          <p:cTn id="9" fill="hold">
+                          <p:cTn id="47" fill="hold">
                             <p:stCondLst>
                               <p:cond delay="0"/>
                             </p:stCondLst>
                             <p:childTnLst>
                               <p:par>
-                                <p:cTn id="10" presetID="10" presetClass="entr" presetSubtype="0" fill="hold" grpId="0" nodeType="clickEffect">
+                                <p:cTn id="48" presetID="10" presetClass="entr" presetSubtype="0" fill="hold" grpId="0" nodeType="clickEffect">
                                   <p:stCondLst>
                                     <p:cond delay="0"/>
                                   </p:stCondLst>
                                   <p:childTnLst>
                                     <p:set>
                                       <p:cBhvr>
-                                        <p:cTn id="11" dur="1" fill="hold">
+                                        <p:cTn id="49" dur="1" fill="hold">
                                           <p:stCondLst>
                                             <p:cond delay="0"/>
                                           </p:stCondLst>
@@ -16093,7 +15557,7 @@
                                         <p:tgtEl>
                                           <p:spTgt spid="3">
                                             <p:txEl>
-                                              <p:pRg st="1" end="1"/>
+                                              <p:pRg st="11" end="11"/>
                                             </p:txEl>
                                           </p:spTgt>
                                         </p:tgtEl>
@@ -16107,1764 +15571,11 @@
                                     </p:set>
                                     <p:animEffect transition="in" filter="fade">
                                       <p:cBhvr>
-                                        <p:cTn id="12" dur="500"/>
+                                        <p:cTn id="50" dur="500"/>
                                         <p:tgtEl>
                                           <p:spTgt spid="3">
                                             <p:txEl>
-                                              <p:pRg st="1" end="1"/>
-                                            </p:txEl>
-                                          </p:spTgt>
-                                        </p:tgtEl>
-                                      </p:cBhvr>
-                                    </p:animEffect>
-                                  </p:childTnLst>
-                                </p:cTn>
-                              </p:par>
-                            </p:childTnLst>
-                          </p:cTn>
-                        </p:par>
-                      </p:childTnLst>
-                    </p:cTn>
-                  </p:par>
-                  <p:par>
-                    <p:cTn id="13" fill="hold">
-                      <p:stCondLst>
-                        <p:cond delay="indefinite"/>
-                      </p:stCondLst>
-                      <p:childTnLst>
-                        <p:par>
-                          <p:cTn id="14" fill="hold">
-                            <p:stCondLst>
-                              <p:cond delay="0"/>
-                            </p:stCondLst>
-                            <p:childTnLst>
-                              <p:par>
-                                <p:cTn id="15" presetID="10" presetClass="entr" presetSubtype="0" fill="hold" grpId="0" nodeType="clickEffect">
-                                  <p:stCondLst>
-                                    <p:cond delay="0"/>
-                                  </p:stCondLst>
-                                  <p:childTnLst>
-                                    <p:set>
-                                      <p:cBhvr>
-                                        <p:cTn id="16" dur="1" fill="hold">
-                                          <p:stCondLst>
-                                            <p:cond delay="0"/>
-                                          </p:stCondLst>
-                                        </p:cTn>
-                                        <p:tgtEl>
-                                          <p:spTgt spid="3">
-                                            <p:txEl>
-                                              <p:pRg st="2" end="2"/>
-                                            </p:txEl>
-                                          </p:spTgt>
-                                        </p:tgtEl>
-                                        <p:attrNameLst>
-                                          <p:attrName>style.visibility</p:attrName>
-                                        </p:attrNameLst>
-                                      </p:cBhvr>
-                                      <p:to>
-                                        <p:strVal val="visible"/>
-                                      </p:to>
-                                    </p:set>
-                                    <p:animEffect transition="in" filter="fade">
-                                      <p:cBhvr>
-                                        <p:cTn id="17" dur="500"/>
-                                        <p:tgtEl>
-                                          <p:spTgt spid="3">
-                                            <p:txEl>
-                                              <p:pRg st="2" end="2"/>
-                                            </p:txEl>
-                                          </p:spTgt>
-                                        </p:tgtEl>
-                                      </p:cBhvr>
-                                    </p:animEffect>
-                                  </p:childTnLst>
-                                </p:cTn>
-                              </p:par>
-                            </p:childTnLst>
-                          </p:cTn>
-                        </p:par>
-                      </p:childTnLst>
-                    </p:cTn>
-                  </p:par>
-                  <p:par>
-                    <p:cTn id="18" fill="hold">
-                      <p:stCondLst>
-                        <p:cond delay="indefinite"/>
-                      </p:stCondLst>
-                      <p:childTnLst>
-                        <p:par>
-                          <p:cTn id="19" fill="hold">
-                            <p:stCondLst>
-                              <p:cond delay="0"/>
-                            </p:stCondLst>
-                            <p:childTnLst>
-                              <p:par>
-                                <p:cTn id="20" presetID="10" presetClass="entr" presetSubtype="0" fill="hold" grpId="0" nodeType="clickEffect">
-                                  <p:stCondLst>
-                                    <p:cond delay="0"/>
-                                  </p:stCondLst>
-                                  <p:childTnLst>
-                                    <p:set>
-                                      <p:cBhvr>
-                                        <p:cTn id="21" dur="1" fill="hold">
-                                          <p:stCondLst>
-                                            <p:cond delay="0"/>
-                                          </p:stCondLst>
-                                        </p:cTn>
-                                        <p:tgtEl>
-                                          <p:spTgt spid="3">
-                                            <p:txEl>
-                                              <p:pRg st="3" end="3"/>
-                                            </p:txEl>
-                                          </p:spTgt>
-                                        </p:tgtEl>
-                                        <p:attrNameLst>
-                                          <p:attrName>style.visibility</p:attrName>
-                                        </p:attrNameLst>
-                                      </p:cBhvr>
-                                      <p:to>
-                                        <p:strVal val="visible"/>
-                                      </p:to>
-                                    </p:set>
-                                    <p:animEffect transition="in" filter="fade">
-                                      <p:cBhvr>
-                                        <p:cTn id="22" dur="500"/>
-                                        <p:tgtEl>
-                                          <p:spTgt spid="3">
-                                            <p:txEl>
-                                              <p:pRg st="3" end="3"/>
-                                            </p:txEl>
-                                          </p:spTgt>
-                                        </p:tgtEl>
-                                      </p:cBhvr>
-                                    </p:animEffect>
-                                  </p:childTnLst>
-                                </p:cTn>
-                              </p:par>
-                            </p:childTnLst>
-                          </p:cTn>
-                        </p:par>
-                      </p:childTnLst>
-                    </p:cTn>
-                  </p:par>
-                  <p:par>
-                    <p:cTn id="23" fill="hold">
-                      <p:stCondLst>
-                        <p:cond delay="indefinite"/>
-                      </p:stCondLst>
-                      <p:childTnLst>
-                        <p:par>
-                          <p:cTn id="24" fill="hold">
-                            <p:stCondLst>
-                              <p:cond delay="0"/>
-                            </p:stCondLst>
-                            <p:childTnLst>
-                              <p:par>
-                                <p:cTn id="25" presetID="10" presetClass="entr" presetSubtype="0" fill="hold" grpId="0" nodeType="clickEffect">
-                                  <p:stCondLst>
-                                    <p:cond delay="0"/>
-                                  </p:stCondLst>
-                                  <p:childTnLst>
-                                    <p:set>
-                                      <p:cBhvr>
-                                        <p:cTn id="26" dur="1" fill="hold">
-                                          <p:stCondLst>
-                                            <p:cond delay="0"/>
-                                          </p:stCondLst>
-                                        </p:cTn>
-                                        <p:tgtEl>
-                                          <p:spTgt spid="3">
-                                            <p:txEl>
-                                              <p:pRg st="4" end="4"/>
-                                            </p:txEl>
-                                          </p:spTgt>
-                                        </p:tgtEl>
-                                        <p:attrNameLst>
-                                          <p:attrName>style.visibility</p:attrName>
-                                        </p:attrNameLst>
-                                      </p:cBhvr>
-                                      <p:to>
-                                        <p:strVal val="visible"/>
-                                      </p:to>
-                                    </p:set>
-                                    <p:animEffect transition="in" filter="fade">
-                                      <p:cBhvr>
-                                        <p:cTn id="27" dur="500"/>
-                                        <p:tgtEl>
-                                          <p:spTgt spid="3">
-                                            <p:txEl>
-                                              <p:pRg st="4" end="4"/>
-                                            </p:txEl>
-                                          </p:spTgt>
-                                        </p:tgtEl>
-                                      </p:cBhvr>
-                                    </p:animEffect>
-                                  </p:childTnLst>
-                                </p:cTn>
-                              </p:par>
-                            </p:childTnLst>
-                          </p:cTn>
-                        </p:par>
-                      </p:childTnLst>
-                    </p:cTn>
-                  </p:par>
-                  <p:par>
-                    <p:cTn id="28" fill="hold">
-                      <p:stCondLst>
-                        <p:cond delay="indefinite"/>
-                      </p:stCondLst>
-                      <p:childTnLst>
-                        <p:par>
-                          <p:cTn id="29" fill="hold">
-                            <p:stCondLst>
-                              <p:cond delay="0"/>
-                            </p:stCondLst>
-                            <p:childTnLst>
-                              <p:par>
-                                <p:cTn id="30" presetID="10" presetClass="entr" presetSubtype="0" fill="hold" grpId="0" nodeType="clickEffect">
-                                  <p:stCondLst>
-                                    <p:cond delay="0"/>
-                                  </p:stCondLst>
-                                  <p:childTnLst>
-                                    <p:set>
-                                      <p:cBhvr>
-                                        <p:cTn id="31" dur="1" fill="hold">
-                                          <p:stCondLst>
-                                            <p:cond delay="0"/>
-                                          </p:stCondLst>
-                                        </p:cTn>
-                                        <p:tgtEl>
-                                          <p:spTgt spid="3">
-                                            <p:txEl>
-                                              <p:pRg st="5" end="5"/>
-                                            </p:txEl>
-                                          </p:spTgt>
-                                        </p:tgtEl>
-                                        <p:attrNameLst>
-                                          <p:attrName>style.visibility</p:attrName>
-                                        </p:attrNameLst>
-                                      </p:cBhvr>
-                                      <p:to>
-                                        <p:strVal val="visible"/>
-                                      </p:to>
-                                    </p:set>
-                                    <p:animEffect transition="in" filter="fade">
-                                      <p:cBhvr>
-                                        <p:cTn id="32" dur="500"/>
-                                        <p:tgtEl>
-                                          <p:spTgt spid="3">
-                                            <p:txEl>
-                                              <p:pRg st="5" end="5"/>
-                                            </p:txEl>
-                                          </p:spTgt>
-                                        </p:tgtEl>
-                                      </p:cBhvr>
-                                    </p:animEffect>
-                                  </p:childTnLst>
-                                </p:cTn>
-                              </p:par>
-                            </p:childTnLst>
-                          </p:cTn>
-                        </p:par>
-                      </p:childTnLst>
-                    </p:cTn>
-                  </p:par>
-                  <p:par>
-                    <p:cTn id="33" fill="hold">
-                      <p:stCondLst>
-                        <p:cond delay="indefinite"/>
-                      </p:stCondLst>
-                      <p:childTnLst>
-                        <p:par>
-                          <p:cTn id="34" fill="hold">
-                            <p:stCondLst>
-                              <p:cond delay="0"/>
-                            </p:stCondLst>
-                            <p:childTnLst>
-                              <p:par>
-                                <p:cTn id="35" presetID="10" presetClass="entr" presetSubtype="0" fill="hold" grpId="0" nodeType="clickEffect">
-                                  <p:stCondLst>
-                                    <p:cond delay="0"/>
-                                  </p:stCondLst>
-                                  <p:childTnLst>
-                                    <p:set>
-                                      <p:cBhvr>
-                                        <p:cTn id="36" dur="1" fill="hold">
-                                          <p:stCondLst>
-                                            <p:cond delay="0"/>
-                                          </p:stCondLst>
-                                        </p:cTn>
-                                        <p:tgtEl>
-                                          <p:spTgt spid="3">
-                                            <p:txEl>
-                                              <p:pRg st="6" end="6"/>
-                                            </p:txEl>
-                                          </p:spTgt>
-                                        </p:tgtEl>
-                                        <p:attrNameLst>
-                                          <p:attrName>style.visibility</p:attrName>
-                                        </p:attrNameLst>
-                                      </p:cBhvr>
-                                      <p:to>
-                                        <p:strVal val="visible"/>
-                                      </p:to>
-                                    </p:set>
-                                    <p:animEffect transition="in" filter="fade">
-                                      <p:cBhvr>
-                                        <p:cTn id="37" dur="500"/>
-                                        <p:tgtEl>
-                                          <p:spTgt spid="3">
-                                            <p:txEl>
-                                              <p:pRg st="6" end="6"/>
-                                            </p:txEl>
-                                          </p:spTgt>
-                                        </p:tgtEl>
-                                      </p:cBhvr>
-                                    </p:animEffect>
-                                  </p:childTnLst>
-                                </p:cTn>
-                              </p:par>
-                            </p:childTnLst>
-                          </p:cTn>
-                        </p:par>
-                      </p:childTnLst>
-                    </p:cTn>
-                  </p:par>
-                  <p:par>
-                    <p:cTn id="38" fill="hold">
-                      <p:stCondLst>
-                        <p:cond delay="indefinite"/>
-                      </p:stCondLst>
-                      <p:childTnLst>
-                        <p:par>
-                          <p:cTn id="39" fill="hold">
-                            <p:stCondLst>
-                              <p:cond delay="0"/>
-                            </p:stCondLst>
-                            <p:childTnLst>
-                              <p:par>
-                                <p:cTn id="40" presetID="10" presetClass="entr" presetSubtype="0" fill="hold" grpId="0" nodeType="clickEffect">
-                                  <p:stCondLst>
-                                    <p:cond delay="0"/>
-                                  </p:stCondLst>
-                                  <p:childTnLst>
-                                    <p:set>
-                                      <p:cBhvr>
-                                        <p:cTn id="41" dur="1" fill="hold">
-                                          <p:stCondLst>
-                                            <p:cond delay="0"/>
-                                          </p:stCondLst>
-                                        </p:cTn>
-                                        <p:tgtEl>
-                                          <p:spTgt spid="3">
-                                            <p:txEl>
-                                              <p:pRg st="7" end="7"/>
-                                            </p:txEl>
-                                          </p:spTgt>
-                                        </p:tgtEl>
-                                        <p:attrNameLst>
-                                          <p:attrName>style.visibility</p:attrName>
-                                        </p:attrNameLst>
-                                      </p:cBhvr>
-                                      <p:to>
-                                        <p:strVal val="visible"/>
-                                      </p:to>
-                                    </p:set>
-                                    <p:animEffect transition="in" filter="fade">
-                                      <p:cBhvr>
-                                        <p:cTn id="42" dur="500"/>
-                                        <p:tgtEl>
-                                          <p:spTgt spid="3">
-                                            <p:txEl>
-                                              <p:pRg st="7" end="7"/>
-                                            </p:txEl>
-                                          </p:spTgt>
-                                        </p:tgtEl>
-                                      </p:cBhvr>
-                                    </p:animEffect>
-                                  </p:childTnLst>
-                                </p:cTn>
-                              </p:par>
-                            </p:childTnLst>
-                          </p:cTn>
-                        </p:par>
-                      </p:childTnLst>
-                    </p:cTn>
-                  </p:par>
-                  <p:par>
-                    <p:cTn id="43" fill="hold">
-                      <p:stCondLst>
-                        <p:cond delay="indefinite"/>
-                      </p:stCondLst>
-                      <p:childTnLst>
-                        <p:par>
-                          <p:cTn id="44" fill="hold">
-                            <p:stCondLst>
-                              <p:cond delay="0"/>
-                            </p:stCondLst>
-                            <p:childTnLst>
-                              <p:par>
-                                <p:cTn id="45" presetID="10" presetClass="entr" presetSubtype="0" fill="hold" grpId="0" nodeType="clickEffect">
-                                  <p:stCondLst>
-                                    <p:cond delay="0"/>
-                                  </p:stCondLst>
-                                  <p:childTnLst>
-                                    <p:set>
-                                      <p:cBhvr>
-                                        <p:cTn id="46" dur="1" fill="hold">
-                                          <p:stCondLst>
-                                            <p:cond delay="0"/>
-                                          </p:stCondLst>
-                                        </p:cTn>
-                                        <p:tgtEl>
-                                          <p:spTgt spid="3">
-                                            <p:txEl>
-                                              <p:pRg st="8" end="8"/>
-                                            </p:txEl>
-                                          </p:spTgt>
-                                        </p:tgtEl>
-                                        <p:attrNameLst>
-                                          <p:attrName>style.visibility</p:attrName>
-                                        </p:attrNameLst>
-                                      </p:cBhvr>
-                                      <p:to>
-                                        <p:strVal val="visible"/>
-                                      </p:to>
-                                    </p:set>
-                                    <p:animEffect transition="in" filter="fade">
-                                      <p:cBhvr>
-                                        <p:cTn id="47" dur="500"/>
-                                        <p:tgtEl>
-                                          <p:spTgt spid="3">
-                                            <p:txEl>
-                                              <p:pRg st="8" end="8"/>
-                                            </p:txEl>
-                                          </p:spTgt>
-                                        </p:tgtEl>
-                                      </p:cBhvr>
-                                    </p:animEffect>
-                                  </p:childTnLst>
-                                </p:cTn>
-                              </p:par>
-                            </p:childTnLst>
-                          </p:cTn>
-                        </p:par>
-                      </p:childTnLst>
-                    </p:cTn>
-                  </p:par>
-                </p:childTnLst>
-              </p:cTn>
-              <p:prevCondLst>
-                <p:cond evt="onPrev" delay="0">
-                  <p:tgtEl>
-                    <p:sldTgt/>
-                  </p:tgtEl>
-                </p:cond>
-              </p:prevCondLst>
-              <p:nextCondLst>
-                <p:cond evt="onNext" delay="0">
-                  <p:tgtEl>
-                    <p:sldTgt/>
-                  </p:tgtEl>
-                </p:cond>
-              </p:nextCondLst>
-            </p:seq>
-          </p:childTnLst>
-        </p:cTn>
-      </p:par>
-    </p:tnLst>
-    <p:bldLst>
-      <p:bldP spid="3" grpId="0" build="p"/>
-    </p:bldLst>
-  </p:timing>
-</p:sld>
-</file>
-
-<file path=ppt/slides/slide7.xml><?xml version="1.0" encoding="utf-8"?>
-<p:sld xmlns:a="http://schemas.openxmlformats.org/drawingml/2006/main" xmlns:r="http://schemas.openxmlformats.org/officeDocument/2006/relationships" xmlns:p="http://schemas.openxmlformats.org/presentationml/2006/main">
-  <p:cSld>
-    <p:spTree>
-      <p:nvGrpSpPr>
-        <p:cNvPr id="1" name=""/>
-        <p:cNvGrpSpPr/>
-        <p:nvPr/>
-      </p:nvGrpSpPr>
-      <p:grpSpPr>
-        <a:xfrm>
-          <a:off x="0" y="0"/>
-          <a:ext cx="0" cy="0"/>
-          <a:chOff x="0" y="0"/>
-          <a:chExt cx="0" cy="0"/>
-        </a:xfrm>
-      </p:grpSpPr>
-      <p:sp>
-        <p:nvSpPr>
-          <p:cNvPr id="2" name="Title 1">
-            <a:extLst>
-              <a:ext uri="{FF2B5EF4-FFF2-40B4-BE49-F238E27FC236}">
-                <a16:creationId xmlns:a16="http://schemas.microsoft.com/office/drawing/2014/main" id="{91E378CE-E877-4CF0-BC5A-C514BAA6F411}"/>
-              </a:ext>
-            </a:extLst>
-          </p:cNvPr>
-          <p:cNvSpPr>
-            <a:spLocks noGrp="1"/>
-          </p:cNvSpPr>
-          <p:nvPr>
-            <p:ph type="title"/>
-          </p:nvPr>
-        </p:nvSpPr>
-        <p:spPr/>
-        <p:txBody>
-          <a:bodyPr/>
-          <a:lstStyle/>
-          <a:p>
-            <a:r>
-              <a:rPr lang="en-US" dirty="0"/>
-              <a:t>Contraposition</a:t>
-            </a:r>
-          </a:p>
-        </p:txBody>
-      </p:sp>
-      <p:sp>
-        <p:nvSpPr>
-          <p:cNvPr id="3" name="Content Placeholder 2">
-            <a:extLst>
-              <a:ext uri="{FF2B5EF4-FFF2-40B4-BE49-F238E27FC236}">
-                <a16:creationId xmlns:a16="http://schemas.microsoft.com/office/drawing/2014/main" id="{FFF07121-53E9-4292-8794-53CA52861066}"/>
-              </a:ext>
-            </a:extLst>
-          </p:cNvPr>
-          <p:cNvSpPr>
-            <a:spLocks noGrp="1"/>
-          </p:cNvSpPr>
-          <p:nvPr>
-            <p:ph idx="1"/>
-          </p:nvPr>
-        </p:nvSpPr>
-        <p:spPr/>
-        <p:txBody>
-          <a:bodyPr/>
-          <a:lstStyle/>
-          <a:p>
-            <a:r>
-              <a:rPr lang="en-US" dirty="0"/>
-              <a:t>P -&gt; Q </a:t>
-            </a:r>
-            <a:r>
-              <a:rPr lang="en-US" dirty="0">
-                <a:sym typeface="Wingdings" panose="05000000000000000000" pitchFamily="2" charset="2"/>
-              </a:rPr>
-              <a:t> Q’ -&gt; P’  Contrapositive Law</a:t>
-            </a:r>
-          </a:p>
-          <a:p>
-            <a:r>
-              <a:rPr lang="en-US" dirty="0">
-                <a:sym typeface="Wingdings" panose="05000000000000000000" pitchFamily="2" charset="2"/>
-              </a:rPr>
-              <a:t>Extra Credit: Prove this on the board</a:t>
-            </a:r>
-          </a:p>
-          <a:p>
-            <a:r>
-              <a:rPr lang="en-US" dirty="0">
-                <a:sym typeface="Wingdings" panose="05000000000000000000" pitchFamily="2" charset="2"/>
-              </a:rPr>
-              <a:t>If we can’t do a direct proof of P -&gt; Q, but we can do a proof of the contrapositive, then by the contrapositive law, we have proven P-&gt;Q</a:t>
-            </a:r>
-            <a:endParaRPr lang="en-US" dirty="0"/>
-          </a:p>
-        </p:txBody>
-      </p:sp>
-    </p:spTree>
-    <p:extLst>
-      <p:ext uri="{BB962C8B-B14F-4D97-AF65-F5344CB8AC3E}">
-        <p14:creationId xmlns:p14="http://schemas.microsoft.com/office/powerpoint/2010/main" val="3073114295"/>
-      </p:ext>
-    </p:extLst>
-  </p:cSld>
-  <p:clrMapOvr>
-    <a:masterClrMapping/>
-  </p:clrMapOvr>
-  <p:timing>
-    <p:tnLst>
-      <p:par>
-        <p:cTn id="1" dur="indefinite" restart="never" nodeType="tmRoot">
-          <p:childTnLst>
-            <p:seq concurrent="1" nextAc="seek">
-              <p:cTn id="2" dur="indefinite" nodeType="mainSeq">
-                <p:childTnLst>
-                  <p:par>
-                    <p:cTn id="3" fill="hold">
-                      <p:stCondLst>
-                        <p:cond delay="indefinite"/>
-                      </p:stCondLst>
-                      <p:childTnLst>
-                        <p:par>
-                          <p:cTn id="4" fill="hold">
-                            <p:stCondLst>
-                              <p:cond delay="0"/>
-                            </p:stCondLst>
-                            <p:childTnLst>
-                              <p:par>
-                                <p:cTn id="5" presetID="10" presetClass="entr" presetSubtype="0" fill="hold" grpId="0" nodeType="clickEffect">
-                                  <p:stCondLst>
-                                    <p:cond delay="0"/>
-                                  </p:stCondLst>
-                                  <p:childTnLst>
-                                    <p:set>
-                                      <p:cBhvr>
-                                        <p:cTn id="6" dur="1" fill="hold">
-                                          <p:stCondLst>
-                                            <p:cond delay="0"/>
-                                          </p:stCondLst>
-                                        </p:cTn>
-                                        <p:tgtEl>
-                                          <p:spTgt spid="3">
-                                            <p:txEl>
-                                              <p:pRg st="0" end="0"/>
-                                            </p:txEl>
-                                          </p:spTgt>
-                                        </p:tgtEl>
-                                        <p:attrNameLst>
-                                          <p:attrName>style.visibility</p:attrName>
-                                        </p:attrNameLst>
-                                      </p:cBhvr>
-                                      <p:to>
-                                        <p:strVal val="visible"/>
-                                      </p:to>
-                                    </p:set>
-                                    <p:animEffect transition="in" filter="fade">
-                                      <p:cBhvr>
-                                        <p:cTn id="7" dur="500"/>
-                                        <p:tgtEl>
-                                          <p:spTgt spid="3">
-                                            <p:txEl>
-                                              <p:pRg st="0" end="0"/>
-                                            </p:txEl>
-                                          </p:spTgt>
-                                        </p:tgtEl>
-                                      </p:cBhvr>
-                                    </p:animEffect>
-                                  </p:childTnLst>
-                                </p:cTn>
-                              </p:par>
-                            </p:childTnLst>
-                          </p:cTn>
-                        </p:par>
-                      </p:childTnLst>
-                    </p:cTn>
-                  </p:par>
-                  <p:par>
-                    <p:cTn id="8" fill="hold">
-                      <p:stCondLst>
-                        <p:cond delay="indefinite"/>
-                      </p:stCondLst>
-                      <p:childTnLst>
-                        <p:par>
-                          <p:cTn id="9" fill="hold">
-                            <p:stCondLst>
-                              <p:cond delay="0"/>
-                            </p:stCondLst>
-                            <p:childTnLst>
-                              <p:par>
-                                <p:cTn id="10" presetID="10" presetClass="entr" presetSubtype="0" fill="hold" grpId="0" nodeType="clickEffect">
-                                  <p:stCondLst>
-                                    <p:cond delay="0"/>
-                                  </p:stCondLst>
-                                  <p:childTnLst>
-                                    <p:set>
-                                      <p:cBhvr>
-                                        <p:cTn id="11" dur="1" fill="hold">
-                                          <p:stCondLst>
-                                            <p:cond delay="0"/>
-                                          </p:stCondLst>
-                                        </p:cTn>
-                                        <p:tgtEl>
-                                          <p:spTgt spid="3">
-                                            <p:txEl>
-                                              <p:pRg st="1" end="1"/>
-                                            </p:txEl>
-                                          </p:spTgt>
-                                        </p:tgtEl>
-                                        <p:attrNameLst>
-                                          <p:attrName>style.visibility</p:attrName>
-                                        </p:attrNameLst>
-                                      </p:cBhvr>
-                                      <p:to>
-                                        <p:strVal val="visible"/>
-                                      </p:to>
-                                    </p:set>
-                                    <p:animEffect transition="in" filter="fade">
-                                      <p:cBhvr>
-                                        <p:cTn id="12" dur="500"/>
-                                        <p:tgtEl>
-                                          <p:spTgt spid="3">
-                                            <p:txEl>
-                                              <p:pRg st="1" end="1"/>
-                                            </p:txEl>
-                                          </p:spTgt>
-                                        </p:tgtEl>
-                                      </p:cBhvr>
-                                    </p:animEffect>
-                                  </p:childTnLst>
-                                </p:cTn>
-                              </p:par>
-                            </p:childTnLst>
-                          </p:cTn>
-                        </p:par>
-                      </p:childTnLst>
-                    </p:cTn>
-                  </p:par>
-                  <p:par>
-                    <p:cTn id="13" fill="hold">
-                      <p:stCondLst>
-                        <p:cond delay="indefinite"/>
-                      </p:stCondLst>
-                      <p:childTnLst>
-                        <p:par>
-                          <p:cTn id="14" fill="hold">
-                            <p:stCondLst>
-                              <p:cond delay="0"/>
-                            </p:stCondLst>
-                            <p:childTnLst>
-                              <p:par>
-                                <p:cTn id="15" presetID="10" presetClass="entr" presetSubtype="0" fill="hold" grpId="0" nodeType="clickEffect">
-                                  <p:stCondLst>
-                                    <p:cond delay="0"/>
-                                  </p:stCondLst>
-                                  <p:childTnLst>
-                                    <p:set>
-                                      <p:cBhvr>
-                                        <p:cTn id="16" dur="1" fill="hold">
-                                          <p:stCondLst>
-                                            <p:cond delay="0"/>
-                                          </p:stCondLst>
-                                        </p:cTn>
-                                        <p:tgtEl>
-                                          <p:spTgt spid="3">
-                                            <p:txEl>
-                                              <p:pRg st="2" end="2"/>
-                                            </p:txEl>
-                                          </p:spTgt>
-                                        </p:tgtEl>
-                                        <p:attrNameLst>
-                                          <p:attrName>style.visibility</p:attrName>
-                                        </p:attrNameLst>
-                                      </p:cBhvr>
-                                      <p:to>
-                                        <p:strVal val="visible"/>
-                                      </p:to>
-                                    </p:set>
-                                    <p:animEffect transition="in" filter="fade">
-                                      <p:cBhvr>
-                                        <p:cTn id="17" dur="500"/>
-                                        <p:tgtEl>
-                                          <p:spTgt spid="3">
-                                            <p:txEl>
-                                              <p:pRg st="2" end="2"/>
-                                            </p:txEl>
-                                          </p:spTgt>
-                                        </p:tgtEl>
-                                      </p:cBhvr>
-                                    </p:animEffect>
-                                  </p:childTnLst>
-                                </p:cTn>
-                              </p:par>
-                            </p:childTnLst>
-                          </p:cTn>
-                        </p:par>
-                      </p:childTnLst>
-                    </p:cTn>
-                  </p:par>
-                </p:childTnLst>
-              </p:cTn>
-              <p:prevCondLst>
-                <p:cond evt="onPrev" delay="0">
-                  <p:tgtEl>
-                    <p:sldTgt/>
-                  </p:tgtEl>
-                </p:cond>
-              </p:prevCondLst>
-              <p:nextCondLst>
-                <p:cond evt="onNext" delay="0">
-                  <p:tgtEl>
-                    <p:sldTgt/>
-                  </p:tgtEl>
-                </p:cond>
-              </p:nextCondLst>
-            </p:seq>
-          </p:childTnLst>
-        </p:cTn>
-      </p:par>
-    </p:tnLst>
-    <p:bldLst>
-      <p:bldP spid="3" grpId="0" uiExpand="1" build="p"/>
-    </p:bldLst>
-  </p:timing>
-</p:sld>
-</file>
-
-<file path=ppt/slides/slide8.xml><?xml version="1.0" encoding="utf-8"?>
-<p:sld xmlns:a="http://schemas.openxmlformats.org/drawingml/2006/main" xmlns:r="http://schemas.openxmlformats.org/officeDocument/2006/relationships" xmlns:p="http://schemas.openxmlformats.org/presentationml/2006/main">
-  <p:cSld>
-    <p:spTree>
-      <p:nvGrpSpPr>
-        <p:cNvPr id="1" name=""/>
-        <p:cNvGrpSpPr/>
-        <p:nvPr/>
-      </p:nvGrpSpPr>
-      <p:grpSpPr>
-        <a:xfrm>
-          <a:off x="0" y="0"/>
-          <a:ext cx="0" cy="0"/>
-          <a:chOff x="0" y="0"/>
-          <a:chExt cx="0" cy="0"/>
-        </a:xfrm>
-      </p:grpSpPr>
-      <p:sp>
-        <p:nvSpPr>
-          <p:cNvPr id="2" name="Title 1">
-            <a:extLst>
-              <a:ext uri="{FF2B5EF4-FFF2-40B4-BE49-F238E27FC236}">
-                <a16:creationId xmlns:a16="http://schemas.microsoft.com/office/drawing/2014/main" id="{D05BB579-BB60-4EA9-BCA0-5DD6013CEC96}"/>
-              </a:ext>
-            </a:extLst>
-          </p:cNvPr>
-          <p:cNvSpPr>
-            <a:spLocks noGrp="1"/>
-          </p:cNvSpPr>
-          <p:nvPr>
-            <p:ph type="title"/>
-          </p:nvPr>
-        </p:nvSpPr>
-        <p:spPr/>
-        <p:txBody>
-          <a:bodyPr/>
-          <a:lstStyle/>
-          <a:p>
-            <a:r>
-              <a:rPr lang="en-US" dirty="0"/>
-              <a:t>Contraposition</a:t>
-            </a:r>
-          </a:p>
-        </p:txBody>
-      </p:sp>
-      <p:sp>
-        <p:nvSpPr>
-          <p:cNvPr id="3" name="Content Placeholder 2">
-            <a:extLst>
-              <a:ext uri="{FF2B5EF4-FFF2-40B4-BE49-F238E27FC236}">
-                <a16:creationId xmlns:a16="http://schemas.microsoft.com/office/drawing/2014/main" id="{565758AC-0DA5-41D2-B2DD-C99F47DB8C00}"/>
-              </a:ext>
-            </a:extLst>
-          </p:cNvPr>
-          <p:cNvSpPr>
-            <a:spLocks noGrp="1"/>
-          </p:cNvSpPr>
-          <p:nvPr>
-            <p:ph idx="1"/>
-          </p:nvPr>
-        </p:nvSpPr>
-        <p:spPr/>
-        <p:txBody>
-          <a:bodyPr/>
-          <a:lstStyle/>
-          <a:p>
-            <a:r>
-              <a:rPr lang="en-US" dirty="0"/>
-              <a:t>If x is positive, so is x + 1</a:t>
-            </a:r>
-          </a:p>
-          <a:p>
-            <a:r>
-              <a:rPr lang="en-US" dirty="0"/>
-              <a:t>If x + 1 is not positive, then x is not positive</a:t>
-            </a:r>
-          </a:p>
-          <a:p>
-            <a:r>
-              <a:rPr lang="en-US" dirty="0"/>
-              <a:t>x + 1 &lt;= 0 -&gt; x &lt;= 0</a:t>
-            </a:r>
-          </a:p>
-          <a:p>
-            <a:r>
-              <a:rPr lang="en-US" dirty="0"/>
-              <a:t>x &lt;= -1</a:t>
-            </a:r>
-          </a:p>
-          <a:p>
-            <a:r>
-              <a:rPr lang="en-US" dirty="0"/>
-              <a:t>-1 &lt; 0 therefore, x &lt;= -1 &lt; 0, therefore x &lt; 0</a:t>
-            </a:r>
-          </a:p>
-        </p:txBody>
-      </p:sp>
-    </p:spTree>
-    <p:extLst>
-      <p:ext uri="{BB962C8B-B14F-4D97-AF65-F5344CB8AC3E}">
-        <p14:creationId xmlns:p14="http://schemas.microsoft.com/office/powerpoint/2010/main" val="1179145217"/>
-      </p:ext>
-    </p:extLst>
-  </p:cSld>
-  <p:clrMapOvr>
-    <a:masterClrMapping/>
-  </p:clrMapOvr>
-  <p:timing>
-    <p:tnLst>
-      <p:par>
-        <p:cTn id="1" dur="indefinite" restart="never" nodeType="tmRoot">
-          <p:childTnLst>
-            <p:seq concurrent="1" nextAc="seek">
-              <p:cTn id="2" dur="indefinite" nodeType="mainSeq">
-                <p:childTnLst>
-                  <p:par>
-                    <p:cTn id="3" fill="hold">
-                      <p:stCondLst>
-                        <p:cond delay="indefinite"/>
-                      </p:stCondLst>
-                      <p:childTnLst>
-                        <p:par>
-                          <p:cTn id="4" fill="hold">
-                            <p:stCondLst>
-                              <p:cond delay="0"/>
-                            </p:stCondLst>
-                            <p:childTnLst>
-                              <p:par>
-                                <p:cTn id="5" presetID="10" presetClass="entr" presetSubtype="0" fill="hold" grpId="0" nodeType="clickEffect">
-                                  <p:stCondLst>
-                                    <p:cond delay="0"/>
-                                  </p:stCondLst>
-                                  <p:childTnLst>
-                                    <p:set>
-                                      <p:cBhvr>
-                                        <p:cTn id="6" dur="1" fill="hold">
-                                          <p:stCondLst>
-                                            <p:cond delay="0"/>
-                                          </p:stCondLst>
-                                        </p:cTn>
-                                        <p:tgtEl>
-                                          <p:spTgt spid="3">
-                                            <p:txEl>
-                                              <p:pRg st="0" end="0"/>
-                                            </p:txEl>
-                                          </p:spTgt>
-                                        </p:tgtEl>
-                                        <p:attrNameLst>
-                                          <p:attrName>style.visibility</p:attrName>
-                                        </p:attrNameLst>
-                                      </p:cBhvr>
-                                      <p:to>
-                                        <p:strVal val="visible"/>
-                                      </p:to>
-                                    </p:set>
-                                    <p:animEffect transition="in" filter="fade">
-                                      <p:cBhvr>
-                                        <p:cTn id="7" dur="500"/>
-                                        <p:tgtEl>
-                                          <p:spTgt spid="3">
-                                            <p:txEl>
-                                              <p:pRg st="0" end="0"/>
-                                            </p:txEl>
-                                          </p:spTgt>
-                                        </p:tgtEl>
-                                      </p:cBhvr>
-                                    </p:animEffect>
-                                  </p:childTnLst>
-                                </p:cTn>
-                              </p:par>
-                            </p:childTnLst>
-                          </p:cTn>
-                        </p:par>
-                      </p:childTnLst>
-                    </p:cTn>
-                  </p:par>
-                  <p:par>
-                    <p:cTn id="8" fill="hold">
-                      <p:stCondLst>
-                        <p:cond delay="indefinite"/>
-                      </p:stCondLst>
-                      <p:childTnLst>
-                        <p:par>
-                          <p:cTn id="9" fill="hold">
-                            <p:stCondLst>
-                              <p:cond delay="0"/>
-                            </p:stCondLst>
-                            <p:childTnLst>
-                              <p:par>
-                                <p:cTn id="10" presetID="10" presetClass="entr" presetSubtype="0" fill="hold" grpId="0" nodeType="clickEffect">
-                                  <p:stCondLst>
-                                    <p:cond delay="0"/>
-                                  </p:stCondLst>
-                                  <p:childTnLst>
-                                    <p:set>
-                                      <p:cBhvr>
-                                        <p:cTn id="11" dur="1" fill="hold">
-                                          <p:stCondLst>
-                                            <p:cond delay="0"/>
-                                          </p:stCondLst>
-                                        </p:cTn>
-                                        <p:tgtEl>
-                                          <p:spTgt spid="3">
-                                            <p:txEl>
-                                              <p:pRg st="1" end="1"/>
-                                            </p:txEl>
-                                          </p:spTgt>
-                                        </p:tgtEl>
-                                        <p:attrNameLst>
-                                          <p:attrName>style.visibility</p:attrName>
-                                        </p:attrNameLst>
-                                      </p:cBhvr>
-                                      <p:to>
-                                        <p:strVal val="visible"/>
-                                      </p:to>
-                                    </p:set>
-                                    <p:animEffect transition="in" filter="fade">
-                                      <p:cBhvr>
-                                        <p:cTn id="12" dur="500"/>
-                                        <p:tgtEl>
-                                          <p:spTgt spid="3">
-                                            <p:txEl>
-                                              <p:pRg st="1" end="1"/>
-                                            </p:txEl>
-                                          </p:spTgt>
-                                        </p:tgtEl>
-                                      </p:cBhvr>
-                                    </p:animEffect>
-                                  </p:childTnLst>
-                                </p:cTn>
-                              </p:par>
-                            </p:childTnLst>
-                          </p:cTn>
-                        </p:par>
-                      </p:childTnLst>
-                    </p:cTn>
-                  </p:par>
-                  <p:par>
-                    <p:cTn id="13" fill="hold">
-                      <p:stCondLst>
-                        <p:cond delay="indefinite"/>
-                      </p:stCondLst>
-                      <p:childTnLst>
-                        <p:par>
-                          <p:cTn id="14" fill="hold">
-                            <p:stCondLst>
-                              <p:cond delay="0"/>
-                            </p:stCondLst>
-                            <p:childTnLst>
-                              <p:par>
-                                <p:cTn id="15" presetID="10" presetClass="entr" presetSubtype="0" fill="hold" grpId="0" nodeType="clickEffect">
-                                  <p:stCondLst>
-                                    <p:cond delay="0"/>
-                                  </p:stCondLst>
-                                  <p:childTnLst>
-                                    <p:set>
-                                      <p:cBhvr>
-                                        <p:cTn id="16" dur="1" fill="hold">
-                                          <p:stCondLst>
-                                            <p:cond delay="0"/>
-                                          </p:stCondLst>
-                                        </p:cTn>
-                                        <p:tgtEl>
-                                          <p:spTgt spid="3">
-                                            <p:txEl>
-                                              <p:pRg st="2" end="2"/>
-                                            </p:txEl>
-                                          </p:spTgt>
-                                        </p:tgtEl>
-                                        <p:attrNameLst>
-                                          <p:attrName>style.visibility</p:attrName>
-                                        </p:attrNameLst>
-                                      </p:cBhvr>
-                                      <p:to>
-                                        <p:strVal val="visible"/>
-                                      </p:to>
-                                    </p:set>
-                                    <p:animEffect transition="in" filter="fade">
-                                      <p:cBhvr>
-                                        <p:cTn id="17" dur="500"/>
-                                        <p:tgtEl>
-                                          <p:spTgt spid="3">
-                                            <p:txEl>
-                                              <p:pRg st="2" end="2"/>
-                                            </p:txEl>
-                                          </p:spTgt>
-                                        </p:tgtEl>
-                                      </p:cBhvr>
-                                    </p:animEffect>
-                                  </p:childTnLst>
-                                </p:cTn>
-                              </p:par>
-                            </p:childTnLst>
-                          </p:cTn>
-                        </p:par>
-                      </p:childTnLst>
-                    </p:cTn>
-                  </p:par>
-                  <p:par>
-                    <p:cTn id="18" fill="hold">
-                      <p:stCondLst>
-                        <p:cond delay="indefinite"/>
-                      </p:stCondLst>
-                      <p:childTnLst>
-                        <p:par>
-                          <p:cTn id="19" fill="hold">
-                            <p:stCondLst>
-                              <p:cond delay="0"/>
-                            </p:stCondLst>
-                            <p:childTnLst>
-                              <p:par>
-                                <p:cTn id="20" presetID="10" presetClass="entr" presetSubtype="0" fill="hold" grpId="0" nodeType="clickEffect">
-                                  <p:stCondLst>
-                                    <p:cond delay="0"/>
-                                  </p:stCondLst>
-                                  <p:childTnLst>
-                                    <p:set>
-                                      <p:cBhvr>
-                                        <p:cTn id="21" dur="1" fill="hold">
-                                          <p:stCondLst>
-                                            <p:cond delay="0"/>
-                                          </p:stCondLst>
-                                        </p:cTn>
-                                        <p:tgtEl>
-                                          <p:spTgt spid="3">
-                                            <p:txEl>
-                                              <p:pRg st="3" end="3"/>
-                                            </p:txEl>
-                                          </p:spTgt>
-                                        </p:tgtEl>
-                                        <p:attrNameLst>
-                                          <p:attrName>style.visibility</p:attrName>
-                                        </p:attrNameLst>
-                                      </p:cBhvr>
-                                      <p:to>
-                                        <p:strVal val="visible"/>
-                                      </p:to>
-                                    </p:set>
-                                    <p:animEffect transition="in" filter="fade">
-                                      <p:cBhvr>
-                                        <p:cTn id="22" dur="500"/>
-                                        <p:tgtEl>
-                                          <p:spTgt spid="3">
-                                            <p:txEl>
-                                              <p:pRg st="3" end="3"/>
-                                            </p:txEl>
-                                          </p:spTgt>
-                                        </p:tgtEl>
-                                      </p:cBhvr>
-                                    </p:animEffect>
-                                  </p:childTnLst>
-                                </p:cTn>
-                              </p:par>
-                            </p:childTnLst>
-                          </p:cTn>
-                        </p:par>
-                      </p:childTnLst>
-                    </p:cTn>
-                  </p:par>
-                  <p:par>
-                    <p:cTn id="23" fill="hold">
-                      <p:stCondLst>
-                        <p:cond delay="indefinite"/>
-                      </p:stCondLst>
-                      <p:childTnLst>
-                        <p:par>
-                          <p:cTn id="24" fill="hold">
-                            <p:stCondLst>
-                              <p:cond delay="0"/>
-                            </p:stCondLst>
-                            <p:childTnLst>
-                              <p:par>
-                                <p:cTn id="25" presetID="10" presetClass="entr" presetSubtype="0" fill="hold" grpId="0" nodeType="clickEffect">
-                                  <p:stCondLst>
-                                    <p:cond delay="0"/>
-                                  </p:stCondLst>
-                                  <p:childTnLst>
-                                    <p:set>
-                                      <p:cBhvr>
-                                        <p:cTn id="26" dur="1" fill="hold">
-                                          <p:stCondLst>
-                                            <p:cond delay="0"/>
-                                          </p:stCondLst>
-                                        </p:cTn>
-                                        <p:tgtEl>
-                                          <p:spTgt spid="3">
-                                            <p:txEl>
-                                              <p:pRg st="4" end="4"/>
-                                            </p:txEl>
-                                          </p:spTgt>
-                                        </p:tgtEl>
-                                        <p:attrNameLst>
-                                          <p:attrName>style.visibility</p:attrName>
-                                        </p:attrNameLst>
-                                      </p:cBhvr>
-                                      <p:to>
-                                        <p:strVal val="visible"/>
-                                      </p:to>
-                                    </p:set>
-                                    <p:animEffect transition="in" filter="fade">
-                                      <p:cBhvr>
-                                        <p:cTn id="27" dur="500"/>
-                                        <p:tgtEl>
-                                          <p:spTgt spid="3">
-                                            <p:txEl>
-                                              <p:pRg st="4" end="4"/>
-                                            </p:txEl>
-                                          </p:spTgt>
-                                        </p:tgtEl>
-                                      </p:cBhvr>
-                                    </p:animEffect>
-                                  </p:childTnLst>
-                                </p:cTn>
-                              </p:par>
-                            </p:childTnLst>
-                          </p:cTn>
-                        </p:par>
-                      </p:childTnLst>
-                    </p:cTn>
-                  </p:par>
-                </p:childTnLst>
-              </p:cTn>
-              <p:prevCondLst>
-                <p:cond evt="onPrev" delay="0">
-                  <p:tgtEl>
-                    <p:sldTgt/>
-                  </p:tgtEl>
-                </p:cond>
-              </p:prevCondLst>
-              <p:nextCondLst>
-                <p:cond evt="onNext" delay="0">
-                  <p:tgtEl>
-                    <p:sldTgt/>
-                  </p:tgtEl>
-                </p:cond>
-              </p:nextCondLst>
-            </p:seq>
-          </p:childTnLst>
-        </p:cTn>
-      </p:par>
-    </p:tnLst>
-    <p:bldLst>
-      <p:bldP spid="3" grpId="0" uiExpand="1" build="p"/>
-    </p:bldLst>
-  </p:timing>
-</p:sld>
-</file>
-
-<file path=ppt/slides/slide9.xml><?xml version="1.0" encoding="utf-8"?>
-<p:sld xmlns:a="http://schemas.openxmlformats.org/drawingml/2006/main" xmlns:r="http://schemas.openxmlformats.org/officeDocument/2006/relationships" xmlns:p="http://schemas.openxmlformats.org/presentationml/2006/main">
-  <p:cSld>
-    <p:spTree>
-      <p:nvGrpSpPr>
-        <p:cNvPr id="1" name=""/>
-        <p:cNvGrpSpPr/>
-        <p:nvPr/>
-      </p:nvGrpSpPr>
-      <p:grpSpPr>
-        <a:xfrm>
-          <a:off x="0" y="0"/>
-          <a:ext cx="0" cy="0"/>
-          <a:chOff x="0" y="0"/>
-          <a:chExt cx="0" cy="0"/>
-        </a:xfrm>
-      </p:grpSpPr>
-      <p:sp>
-        <p:nvSpPr>
-          <p:cNvPr id="2" name="Title 1">
-            <a:extLst>
-              <a:ext uri="{FF2B5EF4-FFF2-40B4-BE49-F238E27FC236}">
-                <a16:creationId xmlns:a16="http://schemas.microsoft.com/office/drawing/2014/main" id="{D05BB579-BB60-4EA9-BCA0-5DD6013CEC96}"/>
-              </a:ext>
-            </a:extLst>
-          </p:cNvPr>
-          <p:cNvSpPr>
-            <a:spLocks noGrp="1"/>
-          </p:cNvSpPr>
-          <p:nvPr>
-            <p:ph type="title"/>
-          </p:nvPr>
-        </p:nvSpPr>
-        <p:spPr/>
-        <p:txBody>
-          <a:bodyPr/>
-          <a:lstStyle/>
-          <a:p>
-            <a:r>
-              <a:rPr lang="en-US" dirty="0"/>
-              <a:t>Contraposition</a:t>
-            </a:r>
-          </a:p>
-        </p:txBody>
-      </p:sp>
-      <p:sp>
-        <p:nvSpPr>
-          <p:cNvPr id="3" name="Content Placeholder 2">
-            <a:extLst>
-              <a:ext uri="{FF2B5EF4-FFF2-40B4-BE49-F238E27FC236}">
-                <a16:creationId xmlns:a16="http://schemas.microsoft.com/office/drawing/2014/main" id="{565758AC-0DA5-41D2-B2DD-C99F47DB8C00}"/>
-              </a:ext>
-            </a:extLst>
-          </p:cNvPr>
-          <p:cNvSpPr>
-            <a:spLocks noGrp="1"/>
-          </p:cNvSpPr>
-          <p:nvPr>
-            <p:ph idx="1"/>
-          </p:nvPr>
-        </p:nvSpPr>
-        <p:spPr/>
-        <p:txBody>
-          <a:bodyPr>
-            <a:normAutofit fontScale="92500" lnSpcReduction="20000"/>
-          </a:bodyPr>
-          <a:lstStyle/>
-          <a:p>
-            <a:r>
-              <a:rPr lang="en-US" dirty="0"/>
-              <a:t>If the product of 2 integers is NOT divisible by an integer n, then neither integer is divisible by n</a:t>
-            </a:r>
-          </a:p>
-          <a:p>
-            <a:r>
-              <a:rPr lang="en-US" dirty="0"/>
-              <a:t>If either of 2 integers is divisible by n, then the product of those 2 integers is divisible by n</a:t>
-            </a:r>
-          </a:p>
-          <a:p>
-            <a:r>
-              <a:rPr lang="en-US" dirty="0"/>
-              <a:t>p and q, let p be divisible by n so p = </a:t>
-            </a:r>
-            <a:r>
-              <a:rPr lang="en-US" dirty="0" err="1"/>
-              <a:t>kn</a:t>
-            </a:r>
-            <a:r>
-              <a:rPr lang="en-US" dirty="0"/>
-              <a:t> for some integer k</a:t>
-            </a:r>
-          </a:p>
-          <a:p>
-            <a:r>
-              <a:rPr lang="en-US" dirty="0" err="1"/>
-              <a:t>pq</a:t>
-            </a:r>
-            <a:r>
-              <a:rPr lang="en-US" dirty="0"/>
-              <a:t> = (</a:t>
-            </a:r>
-            <a:r>
-              <a:rPr lang="en-US" dirty="0" err="1"/>
-              <a:t>kn</a:t>
-            </a:r>
-            <a:r>
-              <a:rPr lang="en-US" dirty="0"/>
-              <a:t>)q</a:t>
-            </a:r>
-          </a:p>
-          <a:p>
-            <a:r>
-              <a:rPr lang="en-US" dirty="0" err="1"/>
-              <a:t>pq</a:t>
-            </a:r>
-            <a:r>
-              <a:rPr lang="en-US" dirty="0"/>
-              <a:t> = (</a:t>
-            </a:r>
-            <a:r>
-              <a:rPr lang="en-US" dirty="0" err="1"/>
-              <a:t>kq</a:t>
-            </a:r>
-            <a:r>
-              <a:rPr lang="en-US" dirty="0"/>
-              <a:t>)n by commutative law</a:t>
-            </a:r>
-          </a:p>
-          <a:p>
-            <a:r>
-              <a:rPr lang="en-US" dirty="0" err="1"/>
-              <a:t>pq</a:t>
-            </a:r>
-            <a:r>
-              <a:rPr lang="en-US" dirty="0"/>
-              <a:t> is therefore divisible by n</a:t>
-            </a:r>
-          </a:p>
-        </p:txBody>
-      </p:sp>
-    </p:spTree>
-    <p:extLst>
-      <p:ext uri="{BB962C8B-B14F-4D97-AF65-F5344CB8AC3E}">
-        <p14:creationId xmlns:p14="http://schemas.microsoft.com/office/powerpoint/2010/main" val="2588384423"/>
-      </p:ext>
-    </p:extLst>
-  </p:cSld>
-  <p:clrMapOvr>
-    <a:masterClrMapping/>
-  </p:clrMapOvr>
-  <p:timing>
-    <p:tnLst>
-      <p:par>
-        <p:cTn id="1" dur="indefinite" restart="never" nodeType="tmRoot">
-          <p:childTnLst>
-            <p:seq concurrent="1" nextAc="seek">
-              <p:cTn id="2" dur="indefinite" nodeType="mainSeq">
-                <p:childTnLst>
-                  <p:par>
-                    <p:cTn id="3" fill="hold">
-                      <p:stCondLst>
-                        <p:cond delay="indefinite"/>
-                      </p:stCondLst>
-                      <p:childTnLst>
-                        <p:par>
-                          <p:cTn id="4" fill="hold">
-                            <p:stCondLst>
-                              <p:cond delay="0"/>
-                            </p:stCondLst>
-                            <p:childTnLst>
-                              <p:par>
-                                <p:cTn id="5" presetID="10" presetClass="entr" presetSubtype="0" fill="hold" grpId="0" nodeType="clickEffect">
-                                  <p:stCondLst>
-                                    <p:cond delay="0"/>
-                                  </p:stCondLst>
-                                  <p:childTnLst>
-                                    <p:set>
-                                      <p:cBhvr>
-                                        <p:cTn id="6" dur="1" fill="hold">
-                                          <p:stCondLst>
-                                            <p:cond delay="0"/>
-                                          </p:stCondLst>
-                                        </p:cTn>
-                                        <p:tgtEl>
-                                          <p:spTgt spid="3">
-                                            <p:txEl>
-                                              <p:pRg st="0" end="0"/>
-                                            </p:txEl>
-                                          </p:spTgt>
-                                        </p:tgtEl>
-                                        <p:attrNameLst>
-                                          <p:attrName>style.visibility</p:attrName>
-                                        </p:attrNameLst>
-                                      </p:cBhvr>
-                                      <p:to>
-                                        <p:strVal val="visible"/>
-                                      </p:to>
-                                    </p:set>
-                                    <p:animEffect transition="in" filter="fade">
-                                      <p:cBhvr>
-                                        <p:cTn id="7" dur="500"/>
-                                        <p:tgtEl>
-                                          <p:spTgt spid="3">
-                                            <p:txEl>
-                                              <p:pRg st="0" end="0"/>
-                                            </p:txEl>
-                                          </p:spTgt>
-                                        </p:tgtEl>
-                                      </p:cBhvr>
-                                    </p:animEffect>
-                                  </p:childTnLst>
-                                </p:cTn>
-                              </p:par>
-                            </p:childTnLst>
-                          </p:cTn>
-                        </p:par>
-                      </p:childTnLst>
-                    </p:cTn>
-                  </p:par>
-                  <p:par>
-                    <p:cTn id="8" fill="hold">
-                      <p:stCondLst>
-                        <p:cond delay="indefinite"/>
-                      </p:stCondLst>
-                      <p:childTnLst>
-                        <p:par>
-                          <p:cTn id="9" fill="hold">
-                            <p:stCondLst>
-                              <p:cond delay="0"/>
-                            </p:stCondLst>
-                            <p:childTnLst>
-                              <p:par>
-                                <p:cTn id="10" presetID="10" presetClass="entr" presetSubtype="0" fill="hold" grpId="0" nodeType="clickEffect">
-                                  <p:stCondLst>
-                                    <p:cond delay="0"/>
-                                  </p:stCondLst>
-                                  <p:childTnLst>
-                                    <p:set>
-                                      <p:cBhvr>
-                                        <p:cTn id="11" dur="1" fill="hold">
-                                          <p:stCondLst>
-                                            <p:cond delay="0"/>
-                                          </p:stCondLst>
-                                        </p:cTn>
-                                        <p:tgtEl>
-                                          <p:spTgt spid="3">
-                                            <p:txEl>
-                                              <p:pRg st="1" end="1"/>
-                                            </p:txEl>
-                                          </p:spTgt>
-                                        </p:tgtEl>
-                                        <p:attrNameLst>
-                                          <p:attrName>style.visibility</p:attrName>
-                                        </p:attrNameLst>
-                                      </p:cBhvr>
-                                      <p:to>
-                                        <p:strVal val="visible"/>
-                                      </p:to>
-                                    </p:set>
-                                    <p:animEffect transition="in" filter="fade">
-                                      <p:cBhvr>
-                                        <p:cTn id="12" dur="500"/>
-                                        <p:tgtEl>
-                                          <p:spTgt spid="3">
-                                            <p:txEl>
-                                              <p:pRg st="1" end="1"/>
-                                            </p:txEl>
-                                          </p:spTgt>
-                                        </p:tgtEl>
-                                      </p:cBhvr>
-                                    </p:animEffect>
-                                  </p:childTnLst>
-                                </p:cTn>
-                              </p:par>
-                            </p:childTnLst>
-                          </p:cTn>
-                        </p:par>
-                      </p:childTnLst>
-                    </p:cTn>
-                  </p:par>
-                  <p:par>
-                    <p:cTn id="13" fill="hold">
-                      <p:stCondLst>
-                        <p:cond delay="indefinite"/>
-                      </p:stCondLst>
-                      <p:childTnLst>
-                        <p:par>
-                          <p:cTn id="14" fill="hold">
-                            <p:stCondLst>
-                              <p:cond delay="0"/>
-                            </p:stCondLst>
-                            <p:childTnLst>
-                              <p:par>
-                                <p:cTn id="15" presetID="10" presetClass="entr" presetSubtype="0" fill="hold" grpId="0" nodeType="clickEffect">
-                                  <p:stCondLst>
-                                    <p:cond delay="0"/>
-                                  </p:stCondLst>
-                                  <p:childTnLst>
-                                    <p:set>
-                                      <p:cBhvr>
-                                        <p:cTn id="16" dur="1" fill="hold">
-                                          <p:stCondLst>
-                                            <p:cond delay="0"/>
-                                          </p:stCondLst>
-                                        </p:cTn>
-                                        <p:tgtEl>
-                                          <p:spTgt spid="3">
-                                            <p:txEl>
-                                              <p:pRg st="2" end="2"/>
-                                            </p:txEl>
-                                          </p:spTgt>
-                                        </p:tgtEl>
-                                        <p:attrNameLst>
-                                          <p:attrName>style.visibility</p:attrName>
-                                        </p:attrNameLst>
-                                      </p:cBhvr>
-                                      <p:to>
-                                        <p:strVal val="visible"/>
-                                      </p:to>
-                                    </p:set>
-                                    <p:animEffect transition="in" filter="fade">
-                                      <p:cBhvr>
-                                        <p:cTn id="17" dur="500"/>
-                                        <p:tgtEl>
-                                          <p:spTgt spid="3">
-                                            <p:txEl>
-                                              <p:pRg st="2" end="2"/>
-                                            </p:txEl>
-                                          </p:spTgt>
-                                        </p:tgtEl>
-                                      </p:cBhvr>
-                                    </p:animEffect>
-                                  </p:childTnLst>
-                                </p:cTn>
-                              </p:par>
-                            </p:childTnLst>
-                          </p:cTn>
-                        </p:par>
-                      </p:childTnLst>
-                    </p:cTn>
-                  </p:par>
-                  <p:par>
-                    <p:cTn id="18" fill="hold">
-                      <p:stCondLst>
-                        <p:cond delay="indefinite"/>
-                      </p:stCondLst>
-                      <p:childTnLst>
-                        <p:par>
-                          <p:cTn id="19" fill="hold">
-                            <p:stCondLst>
-                              <p:cond delay="0"/>
-                            </p:stCondLst>
-                            <p:childTnLst>
-                              <p:par>
-                                <p:cTn id="20" presetID="10" presetClass="entr" presetSubtype="0" fill="hold" grpId="0" nodeType="clickEffect">
-                                  <p:stCondLst>
-                                    <p:cond delay="0"/>
-                                  </p:stCondLst>
-                                  <p:childTnLst>
-                                    <p:set>
-                                      <p:cBhvr>
-                                        <p:cTn id="21" dur="1" fill="hold">
-                                          <p:stCondLst>
-                                            <p:cond delay="0"/>
-                                          </p:stCondLst>
-                                        </p:cTn>
-                                        <p:tgtEl>
-                                          <p:spTgt spid="3">
-                                            <p:txEl>
-                                              <p:pRg st="3" end="3"/>
-                                            </p:txEl>
-                                          </p:spTgt>
-                                        </p:tgtEl>
-                                        <p:attrNameLst>
-                                          <p:attrName>style.visibility</p:attrName>
-                                        </p:attrNameLst>
-                                      </p:cBhvr>
-                                      <p:to>
-                                        <p:strVal val="visible"/>
-                                      </p:to>
-                                    </p:set>
-                                    <p:animEffect transition="in" filter="fade">
-                                      <p:cBhvr>
-                                        <p:cTn id="22" dur="500"/>
-                                        <p:tgtEl>
-                                          <p:spTgt spid="3">
-                                            <p:txEl>
-                                              <p:pRg st="3" end="3"/>
-                                            </p:txEl>
-                                          </p:spTgt>
-                                        </p:tgtEl>
-                                      </p:cBhvr>
-                                    </p:animEffect>
-                                  </p:childTnLst>
-                                </p:cTn>
-                              </p:par>
-                            </p:childTnLst>
-                          </p:cTn>
-                        </p:par>
-                      </p:childTnLst>
-                    </p:cTn>
-                  </p:par>
-                  <p:par>
-                    <p:cTn id="23" fill="hold">
-                      <p:stCondLst>
-                        <p:cond delay="indefinite"/>
-                      </p:stCondLst>
-                      <p:childTnLst>
-                        <p:par>
-                          <p:cTn id="24" fill="hold">
-                            <p:stCondLst>
-                              <p:cond delay="0"/>
-                            </p:stCondLst>
-                            <p:childTnLst>
-                              <p:par>
-                                <p:cTn id="25" presetID="10" presetClass="entr" presetSubtype="0" fill="hold" grpId="0" nodeType="clickEffect">
-                                  <p:stCondLst>
-                                    <p:cond delay="0"/>
-                                  </p:stCondLst>
-                                  <p:childTnLst>
-                                    <p:set>
-                                      <p:cBhvr>
-                                        <p:cTn id="26" dur="1" fill="hold">
-                                          <p:stCondLst>
-                                            <p:cond delay="0"/>
-                                          </p:stCondLst>
-                                        </p:cTn>
-                                        <p:tgtEl>
-                                          <p:spTgt spid="3">
-                                            <p:txEl>
-                                              <p:pRg st="4" end="4"/>
-                                            </p:txEl>
-                                          </p:spTgt>
-                                        </p:tgtEl>
-                                        <p:attrNameLst>
-                                          <p:attrName>style.visibility</p:attrName>
-                                        </p:attrNameLst>
-                                      </p:cBhvr>
-                                      <p:to>
-                                        <p:strVal val="visible"/>
-                                      </p:to>
-                                    </p:set>
-                                    <p:animEffect transition="in" filter="fade">
-                                      <p:cBhvr>
-                                        <p:cTn id="27" dur="500"/>
-                                        <p:tgtEl>
-                                          <p:spTgt spid="3">
-                                            <p:txEl>
-                                              <p:pRg st="4" end="4"/>
-                                            </p:txEl>
-                                          </p:spTgt>
-                                        </p:tgtEl>
-                                      </p:cBhvr>
-                                    </p:animEffect>
-                                  </p:childTnLst>
-                                </p:cTn>
-                              </p:par>
-                            </p:childTnLst>
-                          </p:cTn>
-                        </p:par>
-                      </p:childTnLst>
-                    </p:cTn>
-                  </p:par>
-                  <p:par>
-                    <p:cTn id="28" fill="hold">
-                      <p:stCondLst>
-                        <p:cond delay="indefinite"/>
-                      </p:stCondLst>
-                      <p:childTnLst>
-                        <p:par>
-                          <p:cTn id="29" fill="hold">
-                            <p:stCondLst>
-                              <p:cond delay="0"/>
-                            </p:stCondLst>
-                            <p:childTnLst>
-                              <p:par>
-                                <p:cTn id="30" presetID="10" presetClass="entr" presetSubtype="0" fill="hold" grpId="0" nodeType="clickEffect">
-                                  <p:stCondLst>
-                                    <p:cond delay="0"/>
-                                  </p:stCondLst>
-                                  <p:childTnLst>
-                                    <p:set>
-                                      <p:cBhvr>
-                                        <p:cTn id="31" dur="1" fill="hold">
-                                          <p:stCondLst>
-                                            <p:cond delay="0"/>
-                                          </p:stCondLst>
-                                        </p:cTn>
-                                        <p:tgtEl>
-                                          <p:spTgt spid="3">
-                                            <p:txEl>
-                                              <p:pRg st="5" end="5"/>
-                                            </p:txEl>
-                                          </p:spTgt>
-                                        </p:tgtEl>
-                                        <p:attrNameLst>
-                                          <p:attrName>style.visibility</p:attrName>
-                                        </p:attrNameLst>
-                                      </p:cBhvr>
-                                      <p:to>
-                                        <p:strVal val="visible"/>
-                                      </p:to>
-                                    </p:set>
-                                    <p:animEffect transition="in" filter="fade">
-                                      <p:cBhvr>
-                                        <p:cTn id="32" dur="500"/>
-                                        <p:tgtEl>
-                                          <p:spTgt spid="3">
-                                            <p:txEl>
-                                              <p:pRg st="5" end="5"/>
+                                              <p:pRg st="11" end="11"/>
                                             </p:txEl>
                                           </p:spTgt>
                                         </p:tgtEl>
